--- a/Presentation/Presentation.pptx
+++ b/Presentation/Presentation.pptx
@@ -4,11 +4,16 @@
   <p:sldMasterIdLst>
     <p:sldMasterId id="2147483660" r:id="rId1"/>
   </p:sldMasterIdLst>
+  <p:notesMasterIdLst>
+    <p:notesMasterId r:id="rId8"/>
+  </p:notesMasterIdLst>
   <p:sldIdLst>
     <p:sldId id="256" r:id="rId2"/>
     <p:sldId id="257" r:id="rId3"/>
-    <p:sldId id="258" r:id="rId4"/>
-    <p:sldId id="260" r:id="rId5"/>
+    <p:sldId id="262" r:id="rId4"/>
+    <p:sldId id="265" r:id="rId5"/>
+    <p:sldId id="260" r:id="rId6"/>
+    <p:sldId id="261" r:id="rId7"/>
   </p:sldIdLst>
   <p:sldSz cx="9144000" cy="6858000" type="screen4x3"/>
   <p:notesSz cx="6858000" cy="9144000"/>
@@ -113,6 +118,548 @@
     </p:ext>
   </p:extLst>
 </p:presentation>
+</file>
+
+<file path=ppt/notesMasters/notesMaster1.xml><?xml version="1.0" encoding="utf-8"?>
+<p:notesMaster xmlns:a="http://schemas.openxmlformats.org/drawingml/2006/main" xmlns:r="http://schemas.openxmlformats.org/officeDocument/2006/relationships" xmlns:p="http://schemas.openxmlformats.org/presentationml/2006/main">
+  <p:cSld>
+    <p:bg>
+      <p:bgRef idx="1001">
+        <a:schemeClr val="bg1"/>
+      </p:bgRef>
+    </p:bg>
+    <p:spTree>
+      <p:nvGrpSpPr>
+        <p:cNvPr id="1" name=""/>
+        <p:cNvGrpSpPr/>
+        <p:nvPr/>
+      </p:nvGrpSpPr>
+      <p:grpSpPr>
+        <a:xfrm>
+          <a:off x="0" y="0"/>
+          <a:ext cx="0" cy="0"/>
+          <a:chOff x="0" y="0"/>
+          <a:chExt cx="0" cy="0"/>
+        </a:xfrm>
+      </p:grpSpPr>
+      <p:sp>
+        <p:nvSpPr>
+          <p:cNvPr id="2" name="Header Placeholder 1"/>
+          <p:cNvSpPr>
+            <a:spLocks noGrp="1"/>
+          </p:cNvSpPr>
+          <p:nvPr>
+            <p:ph type="hdr" sz="quarter"/>
+          </p:nvPr>
+        </p:nvSpPr>
+        <p:spPr>
+          <a:xfrm>
+            <a:off x="0" y="0"/>
+            <a:ext cx="2971800" cy="458788"/>
+          </a:xfrm>
+          <a:prstGeom prst="rect">
+            <a:avLst/>
+          </a:prstGeom>
+        </p:spPr>
+        <p:txBody>
+          <a:bodyPr vert="horz" lIns="91440" tIns="45720" rIns="91440" bIns="45720" rtlCol="0"/>
+          <a:lstStyle>
+            <a:lvl1pPr algn="l">
+              <a:defRPr sz="1200"/>
+            </a:lvl1pPr>
+          </a:lstStyle>
+          <a:p>
+            <a:endParaRPr lang="en-CA"/>
+          </a:p>
+        </p:txBody>
+      </p:sp>
+      <p:sp>
+        <p:nvSpPr>
+          <p:cNvPr id="3" name="Date Placeholder 2"/>
+          <p:cNvSpPr>
+            <a:spLocks noGrp="1"/>
+          </p:cNvSpPr>
+          <p:nvPr>
+            <p:ph type="dt" idx="1"/>
+          </p:nvPr>
+        </p:nvSpPr>
+        <p:spPr>
+          <a:xfrm>
+            <a:off x="3884613" y="0"/>
+            <a:ext cx="2971800" cy="458788"/>
+          </a:xfrm>
+          <a:prstGeom prst="rect">
+            <a:avLst/>
+          </a:prstGeom>
+        </p:spPr>
+        <p:txBody>
+          <a:bodyPr vert="horz" lIns="91440" tIns="45720" rIns="91440" bIns="45720" rtlCol="0"/>
+          <a:lstStyle>
+            <a:lvl1pPr algn="r">
+              <a:defRPr sz="1200"/>
+            </a:lvl1pPr>
+          </a:lstStyle>
+          <a:p>
+            <a:fld id="{74424DC6-ADB0-4E1E-8C8B-E9A869FF2E06}" type="datetimeFigureOut">
+              <a:rPr lang="en-CA" smtClean="0"/>
+              <a:t>2018-11-22</a:t>
+            </a:fld>
+            <a:endParaRPr lang="en-CA"/>
+          </a:p>
+        </p:txBody>
+      </p:sp>
+      <p:sp>
+        <p:nvSpPr>
+          <p:cNvPr id="4" name="Slide Image Placeholder 3"/>
+          <p:cNvSpPr>
+            <a:spLocks noGrp="1" noRot="1" noChangeAspect="1"/>
+          </p:cNvSpPr>
+          <p:nvPr>
+            <p:ph type="sldImg" idx="2"/>
+          </p:nvPr>
+        </p:nvSpPr>
+        <p:spPr>
+          <a:xfrm>
+            <a:off x="1371600" y="1143000"/>
+            <a:ext cx="4114800" cy="3086100"/>
+          </a:xfrm>
+          <a:prstGeom prst="rect">
+            <a:avLst/>
+          </a:prstGeom>
+          <a:noFill/>
+          <a:ln w="12700">
+            <a:solidFill>
+              <a:prstClr val="black"/>
+            </a:solidFill>
+          </a:ln>
+        </p:spPr>
+        <p:txBody>
+          <a:bodyPr vert="horz" lIns="91440" tIns="45720" rIns="91440" bIns="45720" rtlCol="0" anchor="ctr"/>
+          <a:lstStyle/>
+          <a:p>
+            <a:endParaRPr lang="en-CA"/>
+          </a:p>
+        </p:txBody>
+      </p:sp>
+      <p:sp>
+        <p:nvSpPr>
+          <p:cNvPr id="5" name="Notes Placeholder 4"/>
+          <p:cNvSpPr>
+            <a:spLocks noGrp="1"/>
+          </p:cNvSpPr>
+          <p:nvPr>
+            <p:ph type="body" sz="quarter" idx="3"/>
+          </p:nvPr>
+        </p:nvSpPr>
+        <p:spPr>
+          <a:xfrm>
+            <a:off x="685800" y="4400550"/>
+            <a:ext cx="5486400" cy="3600450"/>
+          </a:xfrm>
+          <a:prstGeom prst="rect">
+            <a:avLst/>
+          </a:prstGeom>
+        </p:spPr>
+        <p:txBody>
+          <a:bodyPr vert="horz" lIns="91440" tIns="45720" rIns="91440" bIns="45720" rtlCol="0"/>
+          <a:lstStyle/>
+          <a:p>
+            <a:pPr lvl="0"/>
+            <a:r>
+              <a:rPr lang="en-US"/>
+              <a:t>Edit Master text styles</a:t>
+            </a:r>
+          </a:p>
+          <a:p>
+            <a:pPr lvl="1"/>
+            <a:r>
+              <a:rPr lang="en-US"/>
+              <a:t>Second level</a:t>
+            </a:r>
+          </a:p>
+          <a:p>
+            <a:pPr lvl="2"/>
+            <a:r>
+              <a:rPr lang="en-US"/>
+              <a:t>Third level</a:t>
+            </a:r>
+          </a:p>
+          <a:p>
+            <a:pPr lvl="3"/>
+            <a:r>
+              <a:rPr lang="en-US"/>
+              <a:t>Fourth level</a:t>
+            </a:r>
+          </a:p>
+          <a:p>
+            <a:pPr lvl="4"/>
+            <a:r>
+              <a:rPr lang="en-US"/>
+              <a:t>Fifth level</a:t>
+            </a:r>
+            <a:endParaRPr lang="en-CA"/>
+          </a:p>
+        </p:txBody>
+      </p:sp>
+      <p:sp>
+        <p:nvSpPr>
+          <p:cNvPr id="6" name="Footer Placeholder 5"/>
+          <p:cNvSpPr>
+            <a:spLocks noGrp="1"/>
+          </p:cNvSpPr>
+          <p:nvPr>
+            <p:ph type="ftr" sz="quarter" idx="4"/>
+          </p:nvPr>
+        </p:nvSpPr>
+        <p:spPr>
+          <a:xfrm>
+            <a:off x="0" y="8685213"/>
+            <a:ext cx="2971800" cy="458787"/>
+          </a:xfrm>
+          <a:prstGeom prst="rect">
+            <a:avLst/>
+          </a:prstGeom>
+        </p:spPr>
+        <p:txBody>
+          <a:bodyPr vert="horz" lIns="91440" tIns="45720" rIns="91440" bIns="45720" rtlCol="0" anchor="b"/>
+          <a:lstStyle>
+            <a:lvl1pPr algn="l">
+              <a:defRPr sz="1200"/>
+            </a:lvl1pPr>
+          </a:lstStyle>
+          <a:p>
+            <a:endParaRPr lang="en-CA"/>
+          </a:p>
+        </p:txBody>
+      </p:sp>
+      <p:sp>
+        <p:nvSpPr>
+          <p:cNvPr id="7" name="Slide Number Placeholder 6"/>
+          <p:cNvSpPr>
+            <a:spLocks noGrp="1"/>
+          </p:cNvSpPr>
+          <p:nvPr>
+            <p:ph type="sldNum" sz="quarter" idx="5"/>
+          </p:nvPr>
+        </p:nvSpPr>
+        <p:spPr>
+          <a:xfrm>
+            <a:off x="3884613" y="8685213"/>
+            <a:ext cx="2971800" cy="458787"/>
+          </a:xfrm>
+          <a:prstGeom prst="rect">
+            <a:avLst/>
+          </a:prstGeom>
+        </p:spPr>
+        <p:txBody>
+          <a:bodyPr vert="horz" lIns="91440" tIns="45720" rIns="91440" bIns="45720" rtlCol="0" anchor="b"/>
+          <a:lstStyle>
+            <a:lvl1pPr algn="r">
+              <a:defRPr sz="1200"/>
+            </a:lvl1pPr>
+          </a:lstStyle>
+          <a:p>
+            <a:fld id="{B223F8A8-5976-4B45-B86C-23580D16A221}" type="slidenum">
+              <a:rPr lang="en-CA" smtClean="0"/>
+              <a:t>‹#›</a:t>
+            </a:fld>
+            <a:endParaRPr lang="en-CA"/>
+          </a:p>
+        </p:txBody>
+      </p:sp>
+    </p:spTree>
+    <p:extLst>
+      <p:ext uri="{BB962C8B-B14F-4D97-AF65-F5344CB8AC3E}">
+        <p14:creationId xmlns:p14="http://schemas.microsoft.com/office/powerpoint/2010/main" val="2663261777"/>
+      </p:ext>
+    </p:extLst>
+  </p:cSld>
+  <p:clrMap bg1="lt1" tx1="dk1" bg2="lt2" tx2="dk2" accent1="accent1" accent2="accent2" accent3="accent3" accent4="accent4" accent5="accent5" accent6="accent6" hlink="hlink" folHlink="folHlink"/>
+  <p:notesStyle>
+    <a:lvl1pPr marL="0" algn="l" defTabSz="914400" rtl="0" eaLnBrk="1" latinLnBrk="0" hangingPunct="1">
+      <a:defRPr sz="1200" kern="1200">
+        <a:solidFill>
+          <a:schemeClr val="tx1"/>
+        </a:solidFill>
+        <a:latin typeface="+mn-lt"/>
+        <a:ea typeface="+mn-ea"/>
+        <a:cs typeface="+mn-cs"/>
+      </a:defRPr>
+    </a:lvl1pPr>
+    <a:lvl2pPr marL="457200" algn="l" defTabSz="914400" rtl="0" eaLnBrk="1" latinLnBrk="0" hangingPunct="1">
+      <a:defRPr sz="1200" kern="1200">
+        <a:solidFill>
+          <a:schemeClr val="tx1"/>
+        </a:solidFill>
+        <a:latin typeface="+mn-lt"/>
+        <a:ea typeface="+mn-ea"/>
+        <a:cs typeface="+mn-cs"/>
+      </a:defRPr>
+    </a:lvl2pPr>
+    <a:lvl3pPr marL="914400" algn="l" defTabSz="914400" rtl="0" eaLnBrk="1" latinLnBrk="0" hangingPunct="1">
+      <a:defRPr sz="1200" kern="1200">
+        <a:solidFill>
+          <a:schemeClr val="tx1"/>
+        </a:solidFill>
+        <a:latin typeface="+mn-lt"/>
+        <a:ea typeface="+mn-ea"/>
+        <a:cs typeface="+mn-cs"/>
+      </a:defRPr>
+    </a:lvl3pPr>
+    <a:lvl4pPr marL="1371600" algn="l" defTabSz="914400" rtl="0" eaLnBrk="1" latinLnBrk="0" hangingPunct="1">
+      <a:defRPr sz="1200" kern="1200">
+        <a:solidFill>
+          <a:schemeClr val="tx1"/>
+        </a:solidFill>
+        <a:latin typeface="+mn-lt"/>
+        <a:ea typeface="+mn-ea"/>
+        <a:cs typeface="+mn-cs"/>
+      </a:defRPr>
+    </a:lvl4pPr>
+    <a:lvl5pPr marL="1828800" algn="l" defTabSz="914400" rtl="0" eaLnBrk="1" latinLnBrk="0" hangingPunct="1">
+      <a:defRPr sz="1200" kern="1200">
+        <a:solidFill>
+          <a:schemeClr val="tx1"/>
+        </a:solidFill>
+        <a:latin typeface="+mn-lt"/>
+        <a:ea typeface="+mn-ea"/>
+        <a:cs typeface="+mn-cs"/>
+      </a:defRPr>
+    </a:lvl5pPr>
+    <a:lvl6pPr marL="2286000" algn="l" defTabSz="914400" rtl="0" eaLnBrk="1" latinLnBrk="0" hangingPunct="1">
+      <a:defRPr sz="1200" kern="1200">
+        <a:solidFill>
+          <a:schemeClr val="tx1"/>
+        </a:solidFill>
+        <a:latin typeface="+mn-lt"/>
+        <a:ea typeface="+mn-ea"/>
+        <a:cs typeface="+mn-cs"/>
+      </a:defRPr>
+    </a:lvl6pPr>
+    <a:lvl7pPr marL="2743200" algn="l" defTabSz="914400" rtl="0" eaLnBrk="1" latinLnBrk="0" hangingPunct="1">
+      <a:defRPr sz="1200" kern="1200">
+        <a:solidFill>
+          <a:schemeClr val="tx1"/>
+        </a:solidFill>
+        <a:latin typeface="+mn-lt"/>
+        <a:ea typeface="+mn-ea"/>
+        <a:cs typeface="+mn-cs"/>
+      </a:defRPr>
+    </a:lvl7pPr>
+    <a:lvl8pPr marL="3200400" algn="l" defTabSz="914400" rtl="0" eaLnBrk="1" latinLnBrk="0" hangingPunct="1">
+      <a:defRPr sz="1200" kern="1200">
+        <a:solidFill>
+          <a:schemeClr val="tx1"/>
+        </a:solidFill>
+        <a:latin typeface="+mn-lt"/>
+        <a:ea typeface="+mn-ea"/>
+        <a:cs typeface="+mn-cs"/>
+      </a:defRPr>
+    </a:lvl8pPr>
+    <a:lvl9pPr marL="3657600" algn="l" defTabSz="914400" rtl="0" eaLnBrk="1" latinLnBrk="0" hangingPunct="1">
+      <a:defRPr sz="1200" kern="1200">
+        <a:solidFill>
+          <a:schemeClr val="tx1"/>
+        </a:solidFill>
+        <a:latin typeface="+mn-lt"/>
+        <a:ea typeface="+mn-ea"/>
+        <a:cs typeface="+mn-cs"/>
+      </a:defRPr>
+    </a:lvl9pPr>
+  </p:notesStyle>
+</p:notesMaster>
+</file>
+
+<file path=ppt/notesSlides/notesSlide1.xml><?xml version="1.0" encoding="utf-8"?>
+<p:notes xmlns:a="http://schemas.openxmlformats.org/drawingml/2006/main" xmlns:r="http://schemas.openxmlformats.org/officeDocument/2006/relationships" xmlns:p="http://schemas.openxmlformats.org/presentationml/2006/main">
+  <p:cSld>
+    <p:spTree>
+      <p:nvGrpSpPr>
+        <p:cNvPr id="1" name=""/>
+        <p:cNvGrpSpPr/>
+        <p:nvPr/>
+      </p:nvGrpSpPr>
+      <p:grpSpPr>
+        <a:xfrm>
+          <a:off x="0" y="0"/>
+          <a:ext cx="0" cy="0"/>
+          <a:chOff x="0" y="0"/>
+          <a:chExt cx="0" cy="0"/>
+        </a:xfrm>
+      </p:grpSpPr>
+      <p:sp>
+        <p:nvSpPr>
+          <p:cNvPr id="2" name="Slide Image Placeholder 1"/>
+          <p:cNvSpPr>
+            <a:spLocks noGrp="1" noRot="1" noChangeAspect="1"/>
+          </p:cNvSpPr>
+          <p:nvPr>
+            <p:ph type="sldImg"/>
+          </p:nvPr>
+        </p:nvSpPr>
+        <p:spPr/>
+      </p:sp>
+      <p:sp>
+        <p:nvSpPr>
+          <p:cNvPr id="3" name="Notes Placeholder 2"/>
+          <p:cNvSpPr>
+            <a:spLocks noGrp="1"/>
+          </p:cNvSpPr>
+          <p:nvPr>
+            <p:ph type="body" idx="1"/>
+          </p:nvPr>
+        </p:nvSpPr>
+        <p:spPr/>
+        <p:txBody>
+          <a:bodyPr/>
+          <a:lstStyle/>
+          <a:p>
+            <a:r>
+              <a:rPr lang="en-CA" dirty="0"/>
+              <a:t>A lot of image data in medical application, ml can help to deal with this data </a:t>
+            </a:r>
+            <a:r>
+              <a:rPr lang="en-CA" dirty="0">
+                <a:sym typeface="Wingdings" panose="05000000000000000000" pitchFamily="2" charset="2"/>
+              </a:rPr>
+              <a:t> MIC</a:t>
+            </a:r>
+          </a:p>
+          <a:p>
+            <a:endParaRPr lang="en-CA" dirty="0"/>
+          </a:p>
+        </p:txBody>
+      </p:sp>
+      <p:sp>
+        <p:nvSpPr>
+          <p:cNvPr id="4" name="Slide Number Placeholder 3"/>
+          <p:cNvSpPr>
+            <a:spLocks noGrp="1"/>
+          </p:cNvSpPr>
+          <p:nvPr>
+            <p:ph type="sldNum" sz="quarter" idx="5"/>
+          </p:nvPr>
+        </p:nvSpPr>
+        <p:spPr/>
+        <p:txBody>
+          <a:bodyPr/>
+          <a:lstStyle/>
+          <a:p>
+            <a:fld id="{B223F8A8-5976-4B45-B86C-23580D16A221}" type="slidenum">
+              <a:rPr lang="en-CA" smtClean="0"/>
+              <a:t>3</a:t>
+            </a:fld>
+            <a:endParaRPr lang="en-CA"/>
+          </a:p>
+        </p:txBody>
+      </p:sp>
+    </p:spTree>
+    <p:extLst>
+      <p:ext uri="{BB962C8B-B14F-4D97-AF65-F5344CB8AC3E}">
+        <p14:creationId xmlns:p14="http://schemas.microsoft.com/office/powerpoint/2010/main" val="1454837732"/>
+      </p:ext>
+    </p:extLst>
+  </p:cSld>
+  <p:clrMapOvr>
+    <a:masterClrMapping/>
+  </p:clrMapOvr>
+</p:notes>
+</file>
+
+<file path=ppt/notesSlides/notesSlide2.xml><?xml version="1.0" encoding="utf-8"?>
+<p:notes xmlns:a="http://schemas.openxmlformats.org/drawingml/2006/main" xmlns:r="http://schemas.openxmlformats.org/officeDocument/2006/relationships" xmlns:p="http://schemas.openxmlformats.org/presentationml/2006/main">
+  <p:cSld>
+    <p:spTree>
+      <p:nvGrpSpPr>
+        <p:cNvPr id="1" name=""/>
+        <p:cNvGrpSpPr/>
+        <p:nvPr/>
+      </p:nvGrpSpPr>
+      <p:grpSpPr>
+        <a:xfrm>
+          <a:off x="0" y="0"/>
+          <a:ext cx="0" cy="0"/>
+          <a:chOff x="0" y="0"/>
+          <a:chExt cx="0" cy="0"/>
+        </a:xfrm>
+      </p:grpSpPr>
+      <p:sp>
+        <p:nvSpPr>
+          <p:cNvPr id="2" name="Slide Image Placeholder 1"/>
+          <p:cNvSpPr>
+            <a:spLocks noGrp="1" noRot="1" noChangeAspect="1"/>
+          </p:cNvSpPr>
+          <p:nvPr>
+            <p:ph type="sldImg"/>
+          </p:nvPr>
+        </p:nvSpPr>
+        <p:spPr/>
+      </p:sp>
+      <p:sp>
+        <p:nvSpPr>
+          <p:cNvPr id="3" name="Notes Placeholder 2"/>
+          <p:cNvSpPr>
+            <a:spLocks noGrp="1"/>
+          </p:cNvSpPr>
+          <p:nvPr>
+            <p:ph type="body" idx="1"/>
+          </p:nvPr>
+        </p:nvSpPr>
+        <p:spPr/>
+        <p:txBody>
+          <a:bodyPr/>
+          <a:lstStyle/>
+          <a:p>
+            <a:r>
+              <a:rPr lang="en-CA" dirty="0"/>
+              <a:t>A lot of image data in medical application, ml can help to deal with this data </a:t>
+            </a:r>
+            <a:r>
+              <a:rPr lang="en-CA" dirty="0">
+                <a:sym typeface="Wingdings" panose="05000000000000000000" pitchFamily="2" charset="2"/>
+              </a:rPr>
+              <a:t> MIC</a:t>
+            </a:r>
+          </a:p>
+          <a:p>
+            <a:endParaRPr lang="en-CA" dirty="0"/>
+          </a:p>
+        </p:txBody>
+      </p:sp>
+      <p:sp>
+        <p:nvSpPr>
+          <p:cNvPr id="4" name="Slide Number Placeholder 3"/>
+          <p:cNvSpPr>
+            <a:spLocks noGrp="1"/>
+          </p:cNvSpPr>
+          <p:nvPr>
+            <p:ph type="sldNum" sz="quarter" idx="5"/>
+          </p:nvPr>
+        </p:nvSpPr>
+        <p:spPr/>
+        <p:txBody>
+          <a:bodyPr/>
+          <a:lstStyle/>
+          <a:p>
+            <a:fld id="{B223F8A8-5976-4B45-B86C-23580D16A221}" type="slidenum">
+              <a:rPr lang="en-CA" smtClean="0"/>
+              <a:t>4</a:t>
+            </a:fld>
+            <a:endParaRPr lang="en-CA"/>
+          </a:p>
+        </p:txBody>
+      </p:sp>
+    </p:spTree>
+    <p:extLst>
+      <p:ext uri="{BB962C8B-B14F-4D97-AF65-F5344CB8AC3E}">
+        <p14:creationId xmlns:p14="http://schemas.microsoft.com/office/powerpoint/2010/main" val="2955514185"/>
+      </p:ext>
+    </p:extLst>
+  </p:cSld>
+  <p:clrMapOvr>
+    <a:masterClrMapping/>
+  </p:clrMapOvr>
+</p:notes>
 </file>
 
 <file path=ppt/slideLayouts/slideLayout1.xml><?xml version="1.0" encoding="utf-8"?>
@@ -793,7 +1340,7 @@
         </p:nvSpPr>
         <p:spPr>
           <a:xfrm>
-            <a:off x="-13246" y="2967335"/>
+            <a:off x="-13246" y="1423239"/>
             <a:ext cx="9157246" cy="1318181"/>
           </a:xfrm>
           <a:prstGeom prst="rect">
@@ -864,43 +1411,123 @@
           <a:p>
             <a:pPr algn="r"/>
             <a:r>
-              <a:rPr lang="en-CA" dirty="0"/>
-              <a:t>Lionel </a:t>
-            </a:r>
-            <a:r>
-              <a:rPr lang="en-CA" dirty="0" err="1"/>
-              <a:t>Rajaona</a:t>
+              <a:rPr lang="en-CA"/>
+              <a:t>Lionel Rajaona</a:t>
+            </a:r>
+          </a:p>
+          <a:p>
+            <a:pPr algn="r"/>
+            <a:r>
+              <a:rPr lang="en-CA"/>
+              <a:t>Rajat Balbotra</a:t>
+            </a:r>
+          </a:p>
+          <a:p>
+            <a:pPr algn="r"/>
+            <a:r>
+              <a:rPr lang="en-CA"/>
+              <a:t>Daniel Allen</a:t>
+            </a:r>
+          </a:p>
+          <a:p>
+            <a:pPr algn="r"/>
+            <a:r>
+              <a:rPr lang="en-CA"/>
+              <a:t>Steffen Bleher</a:t>
             </a:r>
             <a:endParaRPr lang="en-CA" dirty="0"/>
-          </a:p>
-          <a:p>
-            <a:pPr algn="r"/>
-            <a:r>
-              <a:rPr lang="en-CA" dirty="0"/>
-              <a:t>Rajat </a:t>
-            </a:r>
-            <a:r>
-              <a:rPr lang="en-CA" dirty="0" err="1"/>
-              <a:t>Balbotra</a:t>
-            </a:r>
-            <a:endParaRPr lang="en-CA" dirty="0"/>
-          </a:p>
-          <a:p>
-            <a:pPr algn="r"/>
-            <a:r>
-              <a:rPr lang="en-CA" dirty="0"/>
-              <a:t>Daniel Allen</a:t>
-            </a:r>
-          </a:p>
-          <a:p>
-            <a:pPr algn="r"/>
-            <a:r>
-              <a:rPr lang="en-CA" dirty="0"/>
-              <a:t>Steffen Bleher</a:t>
-            </a:r>
           </a:p>
         </p:txBody>
       </p:sp>
+      <p:pic>
+        <p:nvPicPr>
+          <p:cNvPr id="7" name="Picture 6">
+            <a:extLst>
+              <a:ext uri="{FF2B5EF4-FFF2-40B4-BE49-F238E27FC236}">
+                <a16:creationId xmlns:a16="http://schemas.microsoft.com/office/drawing/2014/main" id="{7D7CA1E4-DF0C-4FD9-995C-3E45B227C46E}"/>
+              </a:ext>
+            </a:extLst>
+          </p:cNvPr>
+          <p:cNvPicPr>
+            <a:picLocks noChangeAspect="1"/>
+          </p:cNvPicPr>
+          <p:nvPr/>
+        </p:nvPicPr>
+        <p:blipFill>
+          <a:blip r:embed="rId2"/>
+          <a:stretch>
+            <a:fillRect/>
+          </a:stretch>
+        </p:blipFill>
+        <p:spPr>
+          <a:xfrm>
+            <a:off x="1497389" y="2954521"/>
+            <a:ext cx="2049741" cy="1611432"/>
+          </a:xfrm>
+          <a:prstGeom prst="rect">
+            <a:avLst/>
+          </a:prstGeom>
+        </p:spPr>
+      </p:pic>
+      <p:pic>
+        <p:nvPicPr>
+          <p:cNvPr id="8" name="Picture 7">
+            <a:extLst>
+              <a:ext uri="{FF2B5EF4-FFF2-40B4-BE49-F238E27FC236}">
+                <a16:creationId xmlns:a16="http://schemas.microsoft.com/office/drawing/2014/main" id="{2F2CCA56-BAEC-4227-BC0A-3A94C557FB1D}"/>
+              </a:ext>
+            </a:extLst>
+          </p:cNvPr>
+          <p:cNvPicPr>
+            <a:picLocks noChangeAspect="1"/>
+          </p:cNvPicPr>
+          <p:nvPr/>
+        </p:nvPicPr>
+        <p:blipFill rotWithShape="1">
+          <a:blip r:embed="rId3"/>
+          <a:srcRect b="1886"/>
+          <a:stretch/>
+        </p:blipFill>
+        <p:spPr>
+          <a:xfrm>
+            <a:off x="5596870" y="2951135"/>
+            <a:ext cx="2058415" cy="1614817"/>
+          </a:xfrm>
+          <a:prstGeom prst="rect">
+            <a:avLst/>
+          </a:prstGeom>
+        </p:spPr>
+      </p:pic>
+      <p:pic>
+        <p:nvPicPr>
+          <p:cNvPr id="9" name="Picture 8">
+            <a:extLst>
+              <a:ext uri="{FF2B5EF4-FFF2-40B4-BE49-F238E27FC236}">
+                <a16:creationId xmlns:a16="http://schemas.microsoft.com/office/drawing/2014/main" id="{830AC065-FA97-44D9-8854-2275BADBC2AD}"/>
+              </a:ext>
+            </a:extLst>
+          </p:cNvPr>
+          <p:cNvPicPr>
+            <a:picLocks noChangeAspect="1"/>
+          </p:cNvPicPr>
+          <p:nvPr/>
+        </p:nvPicPr>
+        <p:blipFill>
+          <a:blip r:embed="rId4"/>
+          <a:stretch>
+            <a:fillRect/>
+          </a:stretch>
+        </p:blipFill>
+        <p:spPr>
+          <a:xfrm>
+            <a:off x="3547129" y="2951137"/>
+            <a:ext cx="2049741" cy="1614817"/>
+          </a:xfrm>
+          <a:prstGeom prst="rect">
+            <a:avLst/>
+          </a:prstGeom>
+        </p:spPr>
+      </p:pic>
     </p:spTree>
     <p:extLst>
       <p:ext uri="{BB962C8B-B14F-4D97-AF65-F5344CB8AC3E}">
@@ -980,8 +1607,8 @@
         </p:nvSpPr>
         <p:spPr>
           <a:xfrm>
-            <a:off x="1119013" y="2110819"/>
-            <a:ext cx="4895288" cy="3257174"/>
+            <a:off x="1119013" y="2045930"/>
+            <a:ext cx="6695808" cy="3995837"/>
           </a:xfrm>
           <a:prstGeom prst="rect">
             <a:avLst/>
@@ -1003,7 +1630,7 @@
             </a:pPr>
             <a:r>
               <a:rPr lang="en-CA" sz="2800" dirty="0"/>
-              <a:t>Problem</a:t>
+              <a:t>Lung segmentation and LUNA16 dataset</a:t>
             </a:r>
           </a:p>
           <a:p>
@@ -1016,7 +1643,28 @@
             </a:pPr>
             <a:r>
               <a:rPr lang="en-CA" sz="2800" dirty="0"/>
-              <a:t>Networks</a:t>
+              <a:t>CNN architectures</a:t>
+            </a:r>
+          </a:p>
+          <a:p>
+            <a:pPr marL="914400" lvl="1" indent="-457200">
+              <a:buFont typeface="Arial" panose="020B0604020202020204" pitchFamily="34" charset="0"/>
+              <a:buChar char="•"/>
+            </a:pPr>
+            <a:r>
+              <a:rPr lang="en-CA" sz="2400" dirty="0" err="1"/>
+              <a:t>DeepMedic</a:t>
+            </a:r>
+            <a:endParaRPr lang="en-CA" sz="2400" dirty="0"/>
+          </a:p>
+          <a:p>
+            <a:pPr marL="914400" lvl="1" indent="-457200">
+              <a:buFont typeface="Arial" panose="020B0604020202020204" pitchFamily="34" charset="0"/>
+              <a:buChar char="•"/>
+            </a:pPr>
+            <a:r>
+              <a:rPr lang="en-CA" sz="2400" dirty="0"/>
+              <a:t>U-Net</a:t>
             </a:r>
           </a:p>
           <a:p>
@@ -1105,7 +1753,7 @@
         <p:spPr>
           <a:xfrm>
             <a:off x="452487" y="1470582"/>
-            <a:ext cx="1570686" cy="461665"/>
+            <a:ext cx="5591339" cy="461665"/>
           </a:xfrm>
           <a:prstGeom prst="rect">
             <a:avLst/>
@@ -1120,7 +1768,11 @@
           <a:p>
             <a:r>
               <a:rPr lang="en-CA" sz="2400" b="1" dirty="0"/>
-              <a:t>1. Problem</a:t>
+              <a:t>1. </a:t>
+            </a:r>
+            <a:r>
+              <a:rPr lang="en-US" sz="2400" b="1" dirty="0"/>
+              <a:t>Lung segmentation and LUNA16 dataset</a:t>
             </a:r>
           </a:p>
         </p:txBody>
@@ -1140,7 +1792,7 @@
         <p:spPr>
           <a:xfrm>
             <a:off x="718874" y="2196445"/>
-            <a:ext cx="590739" cy="400110"/>
+            <a:ext cx="4116704" cy="1429622"/>
           </a:xfrm>
           <a:prstGeom prst="rect">
             <a:avLst/>
@@ -1153,17 +1805,80 @@
           </a:bodyPr>
           <a:lstStyle/>
           <a:p>
+            <a:pPr marL="342900" indent="-342900">
+              <a:lnSpc>
+                <a:spcPct val="150000"/>
+              </a:lnSpc>
+              <a:buFont typeface="Arial" panose="020B0604020202020204" pitchFamily="34" charset="0"/>
+              <a:buChar char="•"/>
+            </a:pPr>
             <a:r>
               <a:rPr lang="en-CA" sz="2000" dirty="0"/>
-              <a:t>text</a:t>
+              <a:t>Medical Image Computation (MIC)</a:t>
+            </a:r>
+          </a:p>
+          <a:p>
+            <a:pPr marL="342900" indent="-342900">
+              <a:lnSpc>
+                <a:spcPct val="150000"/>
+              </a:lnSpc>
+              <a:buFont typeface="Arial" panose="020B0604020202020204" pitchFamily="34" charset="0"/>
+              <a:buChar char="•"/>
+            </a:pPr>
+            <a:r>
+              <a:rPr lang="en-CA" sz="2000" dirty="0"/>
+              <a:t>Image Segmentation</a:t>
+            </a:r>
+          </a:p>
+          <a:p>
+            <a:pPr marL="342900" indent="-342900">
+              <a:lnSpc>
+                <a:spcPct val="150000"/>
+              </a:lnSpc>
+              <a:buFont typeface="Arial" panose="020B0604020202020204" pitchFamily="34" charset="0"/>
+              <a:buChar char="•"/>
+            </a:pPr>
+            <a:r>
+              <a:rPr lang="en-CA" sz="2000" dirty="0"/>
+              <a:t>Computed Tomography (CT) slices</a:t>
             </a:r>
           </a:p>
         </p:txBody>
       </p:sp>
+      <p:pic>
+        <p:nvPicPr>
+          <p:cNvPr id="9" name="Picture 8">
+            <a:extLst>
+              <a:ext uri="{FF2B5EF4-FFF2-40B4-BE49-F238E27FC236}">
+                <a16:creationId xmlns:a16="http://schemas.microsoft.com/office/drawing/2014/main" id="{9495D268-BD94-4361-9E10-D71853756E3E}"/>
+              </a:ext>
+            </a:extLst>
+          </p:cNvPr>
+          <p:cNvPicPr>
+            <a:picLocks noChangeAspect="1"/>
+          </p:cNvPicPr>
+          <p:nvPr/>
+        </p:nvPicPr>
+        <p:blipFill>
+          <a:blip r:embed="rId3"/>
+          <a:stretch>
+            <a:fillRect/>
+          </a:stretch>
+        </p:blipFill>
+        <p:spPr>
+          <a:xfrm>
+            <a:off x="5025688" y="2227060"/>
+            <a:ext cx="3852093" cy="3302372"/>
+          </a:xfrm>
+          <a:prstGeom prst="rect">
+            <a:avLst/>
+          </a:prstGeom>
+        </p:spPr>
+      </p:pic>
     </p:spTree>
     <p:extLst>
       <p:ext uri="{BB962C8B-B14F-4D97-AF65-F5344CB8AC3E}">
-        <p14:creationId xmlns:p14="http://schemas.microsoft.com/office/powerpoint/2010/main" val="306195097"/>
+        <p14:creationId xmlns:p14="http://schemas.microsoft.com/office/powerpoint/2010/main" val="805710845"/>
       </p:ext>
     </p:extLst>
   </p:cSld>
@@ -1205,7 +1920,7 @@
         <p:spPr>
           <a:xfrm>
             <a:off x="452487" y="1470582"/>
-            <a:ext cx="2003497" cy="461665"/>
+            <a:ext cx="5591339" cy="461665"/>
           </a:xfrm>
           <a:prstGeom prst="rect">
             <a:avLst/>
@@ -1220,8 +1935,226 @@
           <a:p>
             <a:r>
               <a:rPr lang="en-CA" sz="2400" b="1" dirty="0"/>
-              <a:t>2. Background</a:t>
-            </a:r>
+              <a:t>1. </a:t>
+            </a:r>
+            <a:r>
+              <a:rPr lang="en-US" sz="2400" b="1" dirty="0"/>
+              <a:t>Lung segmentation and LUNA16 dataset</a:t>
+            </a:r>
+          </a:p>
+        </p:txBody>
+      </p:sp>
+      <p:sp>
+        <p:nvSpPr>
+          <p:cNvPr id="3" name="TextBox 2">
+            <a:extLst>
+              <a:ext uri="{FF2B5EF4-FFF2-40B4-BE49-F238E27FC236}">
+                <a16:creationId xmlns:a16="http://schemas.microsoft.com/office/drawing/2014/main" id="{1CF21870-6F18-4FEC-A50F-DF05F9344E1B}"/>
+              </a:ext>
+            </a:extLst>
+          </p:cNvPr>
+          <p:cNvSpPr txBox="1"/>
+          <p:nvPr/>
+        </p:nvSpPr>
+        <p:spPr>
+          <a:xfrm>
+            <a:off x="718874" y="2196445"/>
+            <a:ext cx="4116704" cy="3170099"/>
+          </a:xfrm>
+          <a:prstGeom prst="rect">
+            <a:avLst/>
+          </a:prstGeom>
+          <a:noFill/>
+        </p:spPr>
+        <p:txBody>
+          <a:bodyPr wrap="none" rtlCol="0">
+            <a:spAutoFit/>
+          </a:bodyPr>
+          <a:lstStyle/>
+          <a:p>
+            <a:pPr marL="342900" indent="-342900">
+              <a:lnSpc>
+                <a:spcPct val="150000"/>
+              </a:lnSpc>
+              <a:buFont typeface="Arial" panose="020B0604020202020204" pitchFamily="34" charset="0"/>
+              <a:buChar char="•"/>
+            </a:pPr>
+            <a:r>
+              <a:rPr lang="en-CA" sz="2000" dirty="0"/>
+              <a:t>Medical Image Computation (MIC)</a:t>
+            </a:r>
+          </a:p>
+          <a:p>
+            <a:pPr marL="342900" indent="-342900">
+              <a:lnSpc>
+                <a:spcPct val="150000"/>
+              </a:lnSpc>
+              <a:buFont typeface="Arial" panose="020B0604020202020204" pitchFamily="34" charset="0"/>
+              <a:buChar char="•"/>
+            </a:pPr>
+            <a:r>
+              <a:rPr lang="en-CA" sz="2000" dirty="0"/>
+              <a:t>Image Segmentation</a:t>
+            </a:r>
+          </a:p>
+          <a:p>
+            <a:pPr marL="342900" indent="-342900">
+              <a:lnSpc>
+                <a:spcPct val="150000"/>
+              </a:lnSpc>
+              <a:buFont typeface="Arial" panose="020B0604020202020204" pitchFamily="34" charset="0"/>
+              <a:buChar char="•"/>
+            </a:pPr>
+            <a:r>
+              <a:rPr lang="en-CA" sz="2000" dirty="0"/>
+              <a:t>Computed Tomography (CT) slices</a:t>
+            </a:r>
+          </a:p>
+          <a:p>
+            <a:pPr>
+              <a:lnSpc>
+                <a:spcPct val="150000"/>
+              </a:lnSpc>
+            </a:pPr>
+            <a:endParaRPr lang="en-CA" sz="2000" dirty="0"/>
+          </a:p>
+          <a:p>
+            <a:pPr marL="342900" indent="-342900">
+              <a:lnSpc>
+                <a:spcPct val="150000"/>
+              </a:lnSpc>
+              <a:buFont typeface="Wingdings" panose="05000000000000000000" pitchFamily="2" charset="2"/>
+              <a:buChar char="à"/>
+            </a:pPr>
+            <a:r>
+              <a:rPr lang="en-CA" sz="2000" dirty="0">
+                <a:sym typeface="Wingdings" panose="05000000000000000000" pitchFamily="2" charset="2"/>
+              </a:rPr>
+              <a:t>Extract a 3D structure of the lung</a:t>
+            </a:r>
+          </a:p>
+          <a:p>
+            <a:pPr marL="342900" indent="-342900">
+              <a:lnSpc>
+                <a:spcPct val="150000"/>
+              </a:lnSpc>
+              <a:buFont typeface="Wingdings" panose="05000000000000000000" pitchFamily="2" charset="2"/>
+              <a:buChar char="à"/>
+            </a:pPr>
+            <a:r>
+              <a:rPr lang="en-CA" sz="2000" dirty="0">
+                <a:sym typeface="Wingdings" panose="05000000000000000000" pitchFamily="2" charset="2"/>
+              </a:rPr>
+              <a:t>First step for cancer detection, …</a:t>
+            </a:r>
+            <a:endParaRPr lang="en-CA" sz="2000" dirty="0"/>
+          </a:p>
+          <a:p>
+            <a:pPr marL="342900" indent="-342900">
+              <a:buFont typeface="Arial" panose="020B0604020202020204" pitchFamily="34" charset="0"/>
+              <a:buChar char="•"/>
+            </a:pPr>
+            <a:endParaRPr lang="en-CA" sz="2000" dirty="0"/>
+          </a:p>
+        </p:txBody>
+      </p:sp>
+      <p:pic>
+        <p:nvPicPr>
+          <p:cNvPr id="6" name="Picture 5">
+            <a:extLst>
+              <a:ext uri="{FF2B5EF4-FFF2-40B4-BE49-F238E27FC236}">
+                <a16:creationId xmlns:a16="http://schemas.microsoft.com/office/drawing/2014/main" id="{1D835BFC-4D9E-4B34-81E8-2D8A6636602B}"/>
+              </a:ext>
+            </a:extLst>
+          </p:cNvPr>
+          <p:cNvPicPr>
+            <a:picLocks noChangeAspect="1"/>
+          </p:cNvPicPr>
+          <p:nvPr/>
+        </p:nvPicPr>
+        <p:blipFill>
+          <a:blip r:embed="rId3"/>
+          <a:stretch>
+            <a:fillRect/>
+          </a:stretch>
+        </p:blipFill>
+        <p:spPr>
+          <a:xfrm>
+            <a:off x="5025688" y="2227060"/>
+            <a:ext cx="3852093" cy="3291422"/>
+          </a:xfrm>
+          <a:prstGeom prst="rect">
+            <a:avLst/>
+          </a:prstGeom>
+        </p:spPr>
+      </p:pic>
+    </p:spTree>
+    <p:extLst>
+      <p:ext uri="{BB962C8B-B14F-4D97-AF65-F5344CB8AC3E}">
+        <p14:creationId xmlns:p14="http://schemas.microsoft.com/office/powerpoint/2010/main" val="521974913"/>
+      </p:ext>
+    </p:extLst>
+  </p:cSld>
+  <p:clrMapOvr>
+    <a:masterClrMapping/>
+  </p:clrMapOvr>
+</p:sld>
+</file>
+
+<file path=ppt/slides/slide5.xml><?xml version="1.0" encoding="utf-8"?>
+<p:sld xmlns:a="http://schemas.openxmlformats.org/drawingml/2006/main" xmlns:r="http://schemas.openxmlformats.org/officeDocument/2006/relationships" xmlns:p="http://schemas.openxmlformats.org/presentationml/2006/main">
+  <p:cSld>
+    <p:spTree>
+      <p:nvGrpSpPr>
+        <p:cNvPr id="1" name=""/>
+        <p:cNvGrpSpPr/>
+        <p:nvPr/>
+      </p:nvGrpSpPr>
+      <p:grpSpPr>
+        <a:xfrm>
+          <a:off x="0" y="0"/>
+          <a:ext cx="0" cy="0"/>
+          <a:chOff x="0" y="0"/>
+          <a:chExt cx="0" cy="0"/>
+        </a:xfrm>
+      </p:grpSpPr>
+      <p:sp>
+        <p:nvSpPr>
+          <p:cNvPr id="2" name="TextBox 1">
+            <a:extLst>
+              <a:ext uri="{FF2B5EF4-FFF2-40B4-BE49-F238E27FC236}">
+                <a16:creationId xmlns:a16="http://schemas.microsoft.com/office/drawing/2014/main" id="{D1B82586-1C68-4B8E-BA0B-79E3B0F6852B}"/>
+              </a:ext>
+            </a:extLst>
+          </p:cNvPr>
+          <p:cNvSpPr txBox="1"/>
+          <p:nvPr/>
+        </p:nvSpPr>
+        <p:spPr>
+          <a:xfrm>
+            <a:off x="452487" y="1470582"/>
+            <a:ext cx="4552465" cy="461665"/>
+          </a:xfrm>
+          <a:prstGeom prst="rect">
+            <a:avLst/>
+          </a:prstGeom>
+          <a:noFill/>
+        </p:spPr>
+        <p:txBody>
+          <a:bodyPr wrap="none" rtlCol="0">
+            <a:spAutoFit/>
+          </a:bodyPr>
+          <a:lstStyle/>
+          <a:p>
+            <a:r>
+              <a:rPr lang="en-CA" sz="2400" b="1" dirty="0"/>
+              <a:t>2. CNN architectures – </a:t>
+            </a:r>
+            <a:r>
+              <a:rPr lang="en-CA" sz="2400" b="1" dirty="0" err="1"/>
+              <a:t>DeepMedic</a:t>
+            </a:r>
+            <a:endParaRPr lang="en-CA" sz="2400" b="1" dirty="0"/>
           </a:p>
         </p:txBody>
       </p:sp>
@@ -1264,6 +2197,106 @@
     <p:extLst>
       <p:ext uri="{BB962C8B-B14F-4D97-AF65-F5344CB8AC3E}">
         <p14:creationId xmlns:p14="http://schemas.microsoft.com/office/powerpoint/2010/main" val="483935304"/>
+      </p:ext>
+    </p:extLst>
+  </p:cSld>
+  <p:clrMapOvr>
+    <a:masterClrMapping/>
+  </p:clrMapOvr>
+</p:sld>
+</file>
+
+<file path=ppt/slides/slide6.xml><?xml version="1.0" encoding="utf-8"?>
+<p:sld xmlns:a="http://schemas.openxmlformats.org/drawingml/2006/main" xmlns:r="http://schemas.openxmlformats.org/officeDocument/2006/relationships" xmlns:p="http://schemas.openxmlformats.org/presentationml/2006/main">
+  <p:cSld>
+    <p:spTree>
+      <p:nvGrpSpPr>
+        <p:cNvPr id="1" name=""/>
+        <p:cNvGrpSpPr/>
+        <p:nvPr/>
+      </p:nvGrpSpPr>
+      <p:grpSpPr>
+        <a:xfrm>
+          <a:off x="0" y="0"/>
+          <a:ext cx="0" cy="0"/>
+          <a:chOff x="0" y="0"/>
+          <a:chExt cx="0" cy="0"/>
+        </a:xfrm>
+      </p:grpSpPr>
+      <p:sp>
+        <p:nvSpPr>
+          <p:cNvPr id="2" name="TextBox 1">
+            <a:extLst>
+              <a:ext uri="{FF2B5EF4-FFF2-40B4-BE49-F238E27FC236}">
+                <a16:creationId xmlns:a16="http://schemas.microsoft.com/office/drawing/2014/main" id="{D1B82586-1C68-4B8E-BA0B-79E3B0F6852B}"/>
+              </a:ext>
+            </a:extLst>
+          </p:cNvPr>
+          <p:cNvSpPr txBox="1"/>
+          <p:nvPr/>
+        </p:nvSpPr>
+        <p:spPr>
+          <a:xfrm>
+            <a:off x="452487" y="1470582"/>
+            <a:ext cx="3846630" cy="461665"/>
+          </a:xfrm>
+          <a:prstGeom prst="rect">
+            <a:avLst/>
+          </a:prstGeom>
+          <a:noFill/>
+        </p:spPr>
+        <p:txBody>
+          <a:bodyPr wrap="none" rtlCol="0">
+            <a:spAutoFit/>
+          </a:bodyPr>
+          <a:lstStyle/>
+          <a:p>
+            <a:r>
+              <a:rPr lang="en-CA" sz="2400" b="1" dirty="0"/>
+              <a:t>2. CNN architectures – U-Net</a:t>
+            </a:r>
+          </a:p>
+        </p:txBody>
+      </p:sp>
+      <p:sp>
+        <p:nvSpPr>
+          <p:cNvPr id="3" name="TextBox 2">
+            <a:extLst>
+              <a:ext uri="{FF2B5EF4-FFF2-40B4-BE49-F238E27FC236}">
+                <a16:creationId xmlns:a16="http://schemas.microsoft.com/office/drawing/2014/main" id="{1CF21870-6F18-4FEC-A50F-DF05F9344E1B}"/>
+              </a:ext>
+            </a:extLst>
+          </p:cNvPr>
+          <p:cNvSpPr txBox="1"/>
+          <p:nvPr/>
+        </p:nvSpPr>
+        <p:spPr>
+          <a:xfrm>
+            <a:off x="718874" y="2196445"/>
+            <a:ext cx="590739" cy="400110"/>
+          </a:xfrm>
+          <a:prstGeom prst="rect">
+            <a:avLst/>
+          </a:prstGeom>
+          <a:noFill/>
+        </p:spPr>
+        <p:txBody>
+          <a:bodyPr wrap="none" rtlCol="0">
+            <a:spAutoFit/>
+          </a:bodyPr>
+          <a:lstStyle/>
+          <a:p>
+            <a:r>
+              <a:rPr lang="en-CA" sz="2000" dirty="0"/>
+              <a:t>text</a:t>
+            </a:r>
+          </a:p>
+        </p:txBody>
+      </p:sp>
+    </p:spTree>
+    <p:extLst>
+      <p:ext uri="{BB962C8B-B14F-4D97-AF65-F5344CB8AC3E}">
+        <p14:creationId xmlns:p14="http://schemas.microsoft.com/office/powerpoint/2010/main" val="1167581676"/>
       </p:ext>
     </p:extLst>
   </p:cSld>
@@ -1532,4 +2565,299 @@
     </a:ext>
   </a:extLst>
 </a:theme>
+</file>
+
+<file path=ppt/theme/theme2.xml><?xml version="1.0" encoding="utf-8"?>
+<a:theme xmlns:a="http://schemas.openxmlformats.org/drawingml/2006/main" name="Office Theme">
+  <a:themeElements>
+    <a:clrScheme name="Office">
+      <a:dk1>
+        <a:sysClr val="windowText" lastClr="000000"/>
+      </a:dk1>
+      <a:lt1>
+        <a:sysClr val="window" lastClr="FFFFFF"/>
+      </a:lt1>
+      <a:dk2>
+        <a:srgbClr val="44546A"/>
+      </a:dk2>
+      <a:lt2>
+        <a:srgbClr val="E7E6E6"/>
+      </a:lt2>
+      <a:accent1>
+        <a:srgbClr val="4472C4"/>
+      </a:accent1>
+      <a:accent2>
+        <a:srgbClr val="ED7D31"/>
+      </a:accent2>
+      <a:accent3>
+        <a:srgbClr val="A5A5A5"/>
+      </a:accent3>
+      <a:accent4>
+        <a:srgbClr val="FFC000"/>
+      </a:accent4>
+      <a:accent5>
+        <a:srgbClr val="5B9BD5"/>
+      </a:accent5>
+      <a:accent6>
+        <a:srgbClr val="70AD47"/>
+      </a:accent6>
+      <a:hlink>
+        <a:srgbClr val="0563C1"/>
+      </a:hlink>
+      <a:folHlink>
+        <a:srgbClr val="954F72"/>
+      </a:folHlink>
+    </a:clrScheme>
+    <a:fontScheme name="Office">
+      <a:majorFont>
+        <a:latin typeface="Calibri Light" panose="020F0302020204030204"/>
+        <a:ea typeface=""/>
+        <a:cs typeface=""/>
+        <a:font script="Jpan" typeface="游ゴシック Light"/>
+        <a:font script="Hang" typeface="맑은 고딕"/>
+        <a:font script="Hans" typeface="等线 Light"/>
+        <a:font script="Hant" typeface="新細明體"/>
+        <a:font script="Arab" typeface="Times New Roman"/>
+        <a:font script="Hebr" typeface="Times New Roman"/>
+        <a:font script="Thai" typeface="Angsana New"/>
+        <a:font script="Ethi" typeface="Nyala"/>
+        <a:font script="Beng" typeface="Vrinda"/>
+        <a:font script="Gujr" typeface="Shruti"/>
+        <a:font script="Khmr" typeface="MoolBoran"/>
+        <a:font script="Knda" typeface="Tunga"/>
+        <a:font script="Guru" typeface="Raavi"/>
+        <a:font script="Cans" typeface="Euphemia"/>
+        <a:font script="Cher" typeface="Plantagenet Cherokee"/>
+        <a:font script="Yiii" typeface="Microsoft Yi Baiti"/>
+        <a:font script="Tibt" typeface="Microsoft Himalaya"/>
+        <a:font script="Thaa" typeface="MV Boli"/>
+        <a:font script="Deva" typeface="Mangal"/>
+        <a:font script="Telu" typeface="Gautami"/>
+        <a:font script="Taml" typeface="Latha"/>
+        <a:font script="Syrc" typeface="Estrangelo Edessa"/>
+        <a:font script="Orya" typeface="Kalinga"/>
+        <a:font script="Mlym" typeface="Kartika"/>
+        <a:font script="Laoo" typeface="DokChampa"/>
+        <a:font script="Sinh" typeface="Iskoola Pota"/>
+        <a:font script="Mong" typeface="Mongolian Baiti"/>
+        <a:font script="Viet" typeface="Times New Roman"/>
+        <a:font script="Uigh" typeface="Microsoft Uighur"/>
+        <a:font script="Geor" typeface="Sylfaen"/>
+        <a:font script="Armn" typeface="Arial"/>
+        <a:font script="Bugi" typeface="Leelawadee UI"/>
+        <a:font script="Bopo" typeface="Microsoft JhengHei"/>
+        <a:font script="Java" typeface="Javanese Text"/>
+        <a:font script="Lisu" typeface="Segoe UI"/>
+        <a:font script="Mymr" typeface="Myanmar Text"/>
+        <a:font script="Nkoo" typeface="Ebrima"/>
+        <a:font script="Olck" typeface="Nirmala UI"/>
+        <a:font script="Osma" typeface="Ebrima"/>
+        <a:font script="Phag" typeface="Phagspa"/>
+        <a:font script="Syrn" typeface="Estrangelo Edessa"/>
+        <a:font script="Syrj" typeface="Estrangelo Edessa"/>
+        <a:font script="Syre" typeface="Estrangelo Edessa"/>
+        <a:font script="Sora" typeface="Nirmala UI"/>
+        <a:font script="Tale" typeface="Microsoft Tai Le"/>
+        <a:font script="Talu" typeface="Microsoft New Tai Lue"/>
+        <a:font script="Tfng" typeface="Ebrima"/>
+      </a:majorFont>
+      <a:minorFont>
+        <a:latin typeface="Calibri" panose="020F0502020204030204"/>
+        <a:ea typeface=""/>
+        <a:cs typeface=""/>
+        <a:font script="Jpan" typeface="游ゴシック"/>
+        <a:font script="Hang" typeface="맑은 고딕"/>
+        <a:font script="Hans" typeface="等线"/>
+        <a:font script="Hant" typeface="新細明體"/>
+        <a:font script="Arab" typeface="Arial"/>
+        <a:font script="Hebr" typeface="Arial"/>
+        <a:font script="Thai" typeface="Cordia New"/>
+        <a:font script="Ethi" typeface="Nyala"/>
+        <a:font script="Beng" typeface="Vrinda"/>
+        <a:font script="Gujr" typeface="Shruti"/>
+        <a:font script="Khmr" typeface="DaunPenh"/>
+        <a:font script="Knda" typeface="Tunga"/>
+        <a:font script="Guru" typeface="Raavi"/>
+        <a:font script="Cans" typeface="Euphemia"/>
+        <a:font script="Cher" typeface="Plantagenet Cherokee"/>
+        <a:font script="Yiii" typeface="Microsoft Yi Baiti"/>
+        <a:font script="Tibt" typeface="Microsoft Himalaya"/>
+        <a:font script="Thaa" typeface="MV Boli"/>
+        <a:font script="Deva" typeface="Mangal"/>
+        <a:font script="Telu" typeface="Gautami"/>
+        <a:font script="Taml" typeface="Latha"/>
+        <a:font script="Syrc" typeface="Estrangelo Edessa"/>
+        <a:font script="Orya" typeface="Kalinga"/>
+        <a:font script="Mlym" typeface="Kartika"/>
+        <a:font script="Laoo" typeface="DokChampa"/>
+        <a:font script="Sinh" typeface="Iskoola Pota"/>
+        <a:font script="Mong" typeface="Mongolian Baiti"/>
+        <a:font script="Viet" typeface="Arial"/>
+        <a:font script="Uigh" typeface="Microsoft Uighur"/>
+        <a:font script="Geor" typeface="Sylfaen"/>
+        <a:font script="Armn" typeface="Arial"/>
+        <a:font script="Bugi" typeface="Leelawadee UI"/>
+        <a:font script="Bopo" typeface="Microsoft JhengHei"/>
+        <a:font script="Java" typeface="Javanese Text"/>
+        <a:font script="Lisu" typeface="Segoe UI"/>
+        <a:font script="Mymr" typeface="Myanmar Text"/>
+        <a:font script="Nkoo" typeface="Ebrima"/>
+        <a:font script="Olck" typeface="Nirmala UI"/>
+        <a:font script="Osma" typeface="Ebrima"/>
+        <a:font script="Phag" typeface="Phagspa"/>
+        <a:font script="Syrn" typeface="Estrangelo Edessa"/>
+        <a:font script="Syrj" typeface="Estrangelo Edessa"/>
+        <a:font script="Syre" typeface="Estrangelo Edessa"/>
+        <a:font script="Sora" typeface="Nirmala UI"/>
+        <a:font script="Tale" typeface="Microsoft Tai Le"/>
+        <a:font script="Talu" typeface="Microsoft New Tai Lue"/>
+        <a:font script="Tfng" typeface="Ebrima"/>
+      </a:minorFont>
+    </a:fontScheme>
+    <a:fmtScheme name="Office">
+      <a:fillStyleLst>
+        <a:solidFill>
+          <a:schemeClr val="phClr"/>
+        </a:solidFill>
+        <a:gradFill rotWithShape="1">
+          <a:gsLst>
+            <a:gs pos="0">
+              <a:schemeClr val="phClr">
+                <a:lumMod val="110000"/>
+                <a:satMod val="105000"/>
+                <a:tint val="67000"/>
+              </a:schemeClr>
+            </a:gs>
+            <a:gs pos="50000">
+              <a:schemeClr val="phClr">
+                <a:lumMod val="105000"/>
+                <a:satMod val="103000"/>
+                <a:tint val="73000"/>
+              </a:schemeClr>
+            </a:gs>
+            <a:gs pos="100000">
+              <a:schemeClr val="phClr">
+                <a:lumMod val="105000"/>
+                <a:satMod val="109000"/>
+                <a:tint val="81000"/>
+              </a:schemeClr>
+            </a:gs>
+          </a:gsLst>
+          <a:lin ang="5400000" scaled="0"/>
+        </a:gradFill>
+        <a:gradFill rotWithShape="1">
+          <a:gsLst>
+            <a:gs pos="0">
+              <a:schemeClr val="phClr">
+                <a:satMod val="103000"/>
+                <a:lumMod val="102000"/>
+                <a:tint val="94000"/>
+              </a:schemeClr>
+            </a:gs>
+            <a:gs pos="50000">
+              <a:schemeClr val="phClr">
+                <a:satMod val="110000"/>
+                <a:lumMod val="100000"/>
+                <a:shade val="100000"/>
+              </a:schemeClr>
+            </a:gs>
+            <a:gs pos="100000">
+              <a:schemeClr val="phClr">
+                <a:lumMod val="99000"/>
+                <a:satMod val="120000"/>
+                <a:shade val="78000"/>
+              </a:schemeClr>
+            </a:gs>
+          </a:gsLst>
+          <a:lin ang="5400000" scaled="0"/>
+        </a:gradFill>
+      </a:fillStyleLst>
+      <a:lnStyleLst>
+        <a:ln w="6350" cap="flat" cmpd="sng" algn="ctr">
+          <a:solidFill>
+            <a:schemeClr val="phClr"/>
+          </a:solidFill>
+          <a:prstDash val="solid"/>
+          <a:miter lim="800000"/>
+        </a:ln>
+        <a:ln w="12700" cap="flat" cmpd="sng" algn="ctr">
+          <a:solidFill>
+            <a:schemeClr val="phClr"/>
+          </a:solidFill>
+          <a:prstDash val="solid"/>
+          <a:miter lim="800000"/>
+        </a:ln>
+        <a:ln w="19050" cap="flat" cmpd="sng" algn="ctr">
+          <a:solidFill>
+            <a:schemeClr val="phClr"/>
+          </a:solidFill>
+          <a:prstDash val="solid"/>
+          <a:miter lim="800000"/>
+        </a:ln>
+      </a:lnStyleLst>
+      <a:effectStyleLst>
+        <a:effectStyle>
+          <a:effectLst/>
+        </a:effectStyle>
+        <a:effectStyle>
+          <a:effectLst/>
+        </a:effectStyle>
+        <a:effectStyle>
+          <a:effectLst>
+            <a:outerShdw blurRad="57150" dist="19050" dir="5400000" algn="ctr" rotWithShape="0">
+              <a:srgbClr val="000000">
+                <a:alpha val="63000"/>
+              </a:srgbClr>
+            </a:outerShdw>
+          </a:effectLst>
+        </a:effectStyle>
+      </a:effectStyleLst>
+      <a:bgFillStyleLst>
+        <a:solidFill>
+          <a:schemeClr val="phClr"/>
+        </a:solidFill>
+        <a:solidFill>
+          <a:schemeClr val="phClr">
+            <a:tint val="95000"/>
+            <a:satMod val="170000"/>
+          </a:schemeClr>
+        </a:solidFill>
+        <a:gradFill rotWithShape="1">
+          <a:gsLst>
+            <a:gs pos="0">
+              <a:schemeClr val="phClr">
+                <a:tint val="93000"/>
+                <a:satMod val="150000"/>
+                <a:shade val="98000"/>
+                <a:lumMod val="102000"/>
+              </a:schemeClr>
+            </a:gs>
+            <a:gs pos="50000">
+              <a:schemeClr val="phClr">
+                <a:tint val="98000"/>
+                <a:satMod val="130000"/>
+                <a:shade val="90000"/>
+                <a:lumMod val="103000"/>
+              </a:schemeClr>
+            </a:gs>
+            <a:gs pos="100000">
+              <a:schemeClr val="phClr">
+                <a:shade val="63000"/>
+                <a:satMod val="120000"/>
+              </a:schemeClr>
+            </a:gs>
+          </a:gsLst>
+          <a:lin ang="5400000" scaled="0"/>
+        </a:gradFill>
+      </a:bgFillStyleLst>
+    </a:fmtScheme>
+  </a:themeElements>
+  <a:objectDefaults/>
+  <a:extraClrSchemeLst/>
+  <a:extLst>
+    <a:ext uri="{05A4C25C-085E-4340-85A3-A5531E510DB2}">
+      <thm15:themeFamily xmlns:thm15="http://schemas.microsoft.com/office/thememl/2012/main" name="Office Theme" id="{62F939B6-93AF-4DB8-9C6B-D6C7DFDC589F}" vid="{4A3C46E8-61CC-4603-A589-7422A47A8E4A}"/>
+    </a:ext>
+  </a:extLst>
+</a:theme>
 </file>
--- a/Presentation/Presentation.pptx
+++ b/Presentation/Presentation.pptx
@@ -5,15 +5,36 @@
     <p:sldMasterId id="2147483660" r:id="rId1"/>
   </p:sldMasterIdLst>
   <p:notesMasterIdLst>
-    <p:notesMasterId r:id="rId8"/>
+    <p:notesMasterId r:id="rId29"/>
   </p:notesMasterIdLst>
   <p:sldIdLst>
     <p:sldId id="256" r:id="rId2"/>
     <p:sldId id="257" r:id="rId3"/>
-    <p:sldId id="262" r:id="rId4"/>
-    <p:sldId id="265" r:id="rId5"/>
-    <p:sldId id="260" r:id="rId6"/>
-    <p:sldId id="261" r:id="rId7"/>
+    <p:sldId id="298" r:id="rId4"/>
+    <p:sldId id="262" r:id="rId5"/>
+    <p:sldId id="265" r:id="rId6"/>
+    <p:sldId id="267" r:id="rId7"/>
+    <p:sldId id="297" r:id="rId8"/>
+    <p:sldId id="260" r:id="rId9"/>
+    <p:sldId id="261" r:id="rId10"/>
+    <p:sldId id="296" r:id="rId11"/>
+    <p:sldId id="266" r:id="rId12"/>
+    <p:sldId id="277" r:id="rId13"/>
+    <p:sldId id="276" r:id="rId14"/>
+    <p:sldId id="281" r:id="rId15"/>
+    <p:sldId id="280" r:id="rId16"/>
+    <p:sldId id="283" r:id="rId17"/>
+    <p:sldId id="282" r:id="rId18"/>
+    <p:sldId id="295" r:id="rId19"/>
+    <p:sldId id="291" r:id="rId20"/>
+    <p:sldId id="285" r:id="rId21"/>
+    <p:sldId id="288" r:id="rId22"/>
+    <p:sldId id="286" r:id="rId23"/>
+    <p:sldId id="287" r:id="rId24"/>
+    <p:sldId id="289" r:id="rId25"/>
+    <p:sldId id="293" r:id="rId26"/>
+    <p:sldId id="269" r:id="rId27"/>
+    <p:sldId id="294" r:id="rId28"/>
   </p:sldIdLst>
   <p:sldSz cx="9144000" cy="6858000" type="screen4x3"/>
   <p:notesSz cx="6858000" cy="9144000"/>
@@ -120,6 +141,15 @@
 </p:presentation>
 </file>
 
+<file path=ppt/revisionInfo.xml><?xml version="1.0" encoding="utf-8"?>
+<p1510:revInfo xmlns:a="http://schemas.openxmlformats.org/drawingml/2006/main" xmlns:r="http://schemas.openxmlformats.org/officeDocument/2006/relationships" xmlns:p1510="http://schemas.microsoft.com/office/powerpoint/2015/10/main">
+  <p1510:revLst>
+    <p1510:client id="{06A988C1-09BE-4FB0-8BD3-9C6668652786}" v="1272" vWet="1280" dt="2018-11-26T17:53:59.040"/>
+    <p1510:client id="{C3AE8A33-1372-42BC-8901-479413C432AA}" v="2314" dt="2018-11-26T17:54:15.722"/>
+  </p1510:revLst>
+</p1510:revInfo>
+</file>
+
 <file path=ppt/notesMasters/notesMaster1.xml><?xml version="1.0" encoding="utf-8"?>
 <p:notesMaster xmlns:a="http://schemas.openxmlformats.org/drawingml/2006/main" xmlns:r="http://schemas.openxmlformats.org/officeDocument/2006/relationships" xmlns:p="http://schemas.openxmlformats.org/presentationml/2006/main">
   <p:cSld>
@@ -202,7 +232,7 @@
           <a:p>
             <a:fld id="{74424DC6-ADB0-4E1E-8C8B-E9A869FF2E06}" type="datetimeFigureOut">
               <a:rPr lang="en-CA" smtClean="0"/>
-              <a:t>2018-11-22</a:t>
+              <a:t>2018-11-26</a:t>
             </a:fld>
             <a:endParaRPr lang="en-CA"/>
           </a:p>
@@ -515,18 +545,18 @@
           <a:lstStyle/>
           <a:p>
             <a:r>
-              <a:rPr lang="en-CA" dirty="0"/>
+              <a:rPr lang="en-CA"/>
               <a:t>A lot of image data in medical application, ml can help to deal with this data </a:t>
             </a:r>
             <a:r>
-              <a:rPr lang="en-CA" dirty="0">
+              <a:rPr lang="en-CA">
                 <a:sym typeface="Wingdings" panose="05000000000000000000" pitchFamily="2" charset="2"/>
               </a:rPr>
               <a:t> MIC</a:t>
             </a:r>
           </a:p>
           <a:p>
-            <a:endParaRPr lang="en-CA" dirty="0"/>
+            <a:endParaRPr lang="en-CA"/>
           </a:p>
         </p:txBody>
       </p:sp>
@@ -547,7 +577,7 @@
           <a:p>
             <a:fld id="{B223F8A8-5976-4B45-B86C-23580D16A221}" type="slidenum">
               <a:rPr lang="en-CA" smtClean="0"/>
-              <a:t>3</a:t>
+              <a:t>4</a:t>
             </a:fld>
             <a:endParaRPr lang="en-CA"/>
           </a:p>
@@ -611,18 +641,18 @@
           <a:lstStyle/>
           <a:p>
             <a:r>
-              <a:rPr lang="en-CA" dirty="0"/>
+              <a:rPr lang="en-CA"/>
               <a:t>A lot of image data in medical application, ml can help to deal with this data </a:t>
             </a:r>
             <a:r>
-              <a:rPr lang="en-CA" dirty="0">
+              <a:rPr lang="en-CA">
                 <a:sym typeface="Wingdings" panose="05000000000000000000" pitchFamily="2" charset="2"/>
               </a:rPr>
               <a:t> MIC</a:t>
             </a:r>
           </a:p>
           <a:p>
-            <a:endParaRPr lang="en-CA" dirty="0"/>
+            <a:endParaRPr lang="en-CA"/>
           </a:p>
         </p:txBody>
       </p:sp>
@@ -643,7 +673,7 @@
           <a:p>
             <a:fld id="{B223F8A8-5976-4B45-B86C-23580D16A221}" type="slidenum">
               <a:rPr lang="en-CA" smtClean="0"/>
-              <a:t>4</a:t>
+              <a:t>5</a:t>
             </a:fld>
             <a:endParaRPr lang="en-CA"/>
           </a:p>
@@ -653,6 +683,523 @@
     <p:extLst>
       <p:ext uri="{BB962C8B-B14F-4D97-AF65-F5344CB8AC3E}">
         <p14:creationId xmlns:p14="http://schemas.microsoft.com/office/powerpoint/2010/main" val="2955514185"/>
+      </p:ext>
+    </p:extLst>
+  </p:cSld>
+  <p:clrMapOvr>
+    <a:masterClrMapping/>
+  </p:clrMapOvr>
+</p:notes>
+</file>
+
+<file path=ppt/notesSlides/notesSlide3.xml><?xml version="1.0" encoding="utf-8"?>
+<p:notes xmlns:a="http://schemas.openxmlformats.org/drawingml/2006/main" xmlns:r="http://schemas.openxmlformats.org/officeDocument/2006/relationships" xmlns:p="http://schemas.openxmlformats.org/presentationml/2006/main">
+  <p:cSld>
+    <p:spTree>
+      <p:nvGrpSpPr>
+        <p:cNvPr id="1" name=""/>
+        <p:cNvGrpSpPr/>
+        <p:nvPr/>
+      </p:nvGrpSpPr>
+      <p:grpSpPr>
+        <a:xfrm>
+          <a:off x="0" y="0"/>
+          <a:ext cx="0" cy="0"/>
+          <a:chOff x="0" y="0"/>
+          <a:chExt cx="0" cy="0"/>
+        </a:xfrm>
+      </p:grpSpPr>
+      <p:sp>
+        <p:nvSpPr>
+          <p:cNvPr id="2" name="Slide Image Placeholder 1"/>
+          <p:cNvSpPr>
+            <a:spLocks noGrp="1" noRot="1" noChangeAspect="1"/>
+          </p:cNvSpPr>
+          <p:nvPr>
+            <p:ph type="sldImg"/>
+          </p:nvPr>
+        </p:nvSpPr>
+        <p:spPr/>
+      </p:sp>
+      <p:sp>
+        <p:nvSpPr>
+          <p:cNvPr id="3" name="Notes Placeholder 2"/>
+          <p:cNvSpPr>
+            <a:spLocks noGrp="1"/>
+          </p:cNvSpPr>
+          <p:nvPr>
+            <p:ph type="body" idx="1"/>
+          </p:nvPr>
+        </p:nvSpPr>
+        <p:spPr/>
+        <p:txBody>
+          <a:bodyPr/>
+          <a:lstStyle/>
+          <a:p>
+            <a:r>
+              <a:rPr lang="en-CA"/>
+              <a:t>A lot of image data in medical application, ml can help to deal with this data </a:t>
+            </a:r>
+            <a:r>
+              <a:rPr lang="en-CA">
+                <a:sym typeface="Wingdings" panose="05000000000000000000" pitchFamily="2" charset="2"/>
+              </a:rPr>
+              <a:t> MIC</a:t>
+            </a:r>
+          </a:p>
+          <a:p>
+            <a:endParaRPr lang="en-CA"/>
+          </a:p>
+        </p:txBody>
+      </p:sp>
+      <p:sp>
+        <p:nvSpPr>
+          <p:cNvPr id="4" name="Slide Number Placeholder 3"/>
+          <p:cNvSpPr>
+            <a:spLocks noGrp="1"/>
+          </p:cNvSpPr>
+          <p:nvPr>
+            <p:ph type="sldNum" sz="quarter" idx="5"/>
+          </p:nvPr>
+        </p:nvSpPr>
+        <p:spPr/>
+        <p:txBody>
+          <a:bodyPr/>
+          <a:lstStyle/>
+          <a:p>
+            <a:fld id="{B223F8A8-5976-4B45-B86C-23580D16A221}" type="slidenum">
+              <a:rPr lang="en-CA" smtClean="0"/>
+              <a:t>6</a:t>
+            </a:fld>
+            <a:endParaRPr lang="en-CA"/>
+          </a:p>
+        </p:txBody>
+      </p:sp>
+    </p:spTree>
+    <p:extLst>
+      <p:ext uri="{BB962C8B-B14F-4D97-AF65-F5344CB8AC3E}">
+        <p14:creationId xmlns:p14="http://schemas.microsoft.com/office/powerpoint/2010/main" val="1272880705"/>
+      </p:ext>
+    </p:extLst>
+  </p:cSld>
+  <p:clrMapOvr>
+    <a:masterClrMapping/>
+  </p:clrMapOvr>
+</p:notes>
+</file>
+
+<file path=ppt/notesSlides/notesSlide4.xml><?xml version="1.0" encoding="utf-8"?>
+<p:notes xmlns:a="http://schemas.openxmlformats.org/drawingml/2006/main" xmlns:r="http://schemas.openxmlformats.org/officeDocument/2006/relationships" xmlns:p="http://schemas.openxmlformats.org/presentationml/2006/main">
+  <p:cSld>
+    <p:spTree>
+      <p:nvGrpSpPr>
+        <p:cNvPr id="1" name=""/>
+        <p:cNvGrpSpPr/>
+        <p:nvPr/>
+      </p:nvGrpSpPr>
+      <p:grpSpPr>
+        <a:xfrm>
+          <a:off x="0" y="0"/>
+          <a:ext cx="0" cy="0"/>
+          <a:chOff x="0" y="0"/>
+          <a:chExt cx="0" cy="0"/>
+        </a:xfrm>
+      </p:grpSpPr>
+      <p:sp>
+        <p:nvSpPr>
+          <p:cNvPr id="2" name="Slide Image Placeholder 1"/>
+          <p:cNvSpPr>
+            <a:spLocks noGrp="1" noRot="1" noChangeAspect="1"/>
+          </p:cNvSpPr>
+          <p:nvPr>
+            <p:ph type="sldImg"/>
+          </p:nvPr>
+        </p:nvSpPr>
+        <p:spPr/>
+      </p:sp>
+      <p:sp>
+        <p:nvSpPr>
+          <p:cNvPr id="3" name="Notes Placeholder 2"/>
+          <p:cNvSpPr>
+            <a:spLocks noGrp="1"/>
+          </p:cNvSpPr>
+          <p:nvPr>
+            <p:ph type="body" idx="1"/>
+          </p:nvPr>
+        </p:nvSpPr>
+        <p:spPr/>
+        <p:txBody>
+          <a:bodyPr/>
+          <a:lstStyle/>
+          <a:p>
+            <a:endParaRPr lang="en-CA"/>
+          </a:p>
+        </p:txBody>
+      </p:sp>
+      <p:sp>
+        <p:nvSpPr>
+          <p:cNvPr id="4" name="Slide Number Placeholder 3"/>
+          <p:cNvSpPr>
+            <a:spLocks noGrp="1"/>
+          </p:cNvSpPr>
+          <p:nvPr>
+            <p:ph type="sldNum" sz="quarter" idx="5"/>
+          </p:nvPr>
+        </p:nvSpPr>
+        <p:spPr/>
+        <p:txBody>
+          <a:bodyPr/>
+          <a:lstStyle/>
+          <a:p>
+            <a:fld id="{B223F8A8-5976-4B45-B86C-23580D16A221}" type="slidenum">
+              <a:rPr lang="en-CA" smtClean="0"/>
+              <a:t>12</a:t>
+            </a:fld>
+            <a:endParaRPr lang="en-CA"/>
+          </a:p>
+        </p:txBody>
+      </p:sp>
+    </p:spTree>
+    <p:extLst>
+      <p:ext uri="{BB962C8B-B14F-4D97-AF65-F5344CB8AC3E}">
+        <p14:creationId xmlns:p14="http://schemas.microsoft.com/office/powerpoint/2010/main" val="3573546497"/>
+      </p:ext>
+    </p:extLst>
+  </p:cSld>
+  <p:clrMapOvr>
+    <a:masterClrMapping/>
+  </p:clrMapOvr>
+</p:notes>
+</file>
+
+<file path=ppt/notesSlides/notesSlide5.xml><?xml version="1.0" encoding="utf-8"?>
+<p:notes xmlns:a="http://schemas.openxmlformats.org/drawingml/2006/main" xmlns:r="http://schemas.openxmlformats.org/officeDocument/2006/relationships" xmlns:p="http://schemas.openxmlformats.org/presentationml/2006/main">
+  <p:cSld>
+    <p:spTree>
+      <p:nvGrpSpPr>
+        <p:cNvPr id="1" name=""/>
+        <p:cNvGrpSpPr/>
+        <p:nvPr/>
+      </p:nvGrpSpPr>
+      <p:grpSpPr>
+        <a:xfrm>
+          <a:off x="0" y="0"/>
+          <a:ext cx="0" cy="0"/>
+          <a:chOff x="0" y="0"/>
+          <a:chExt cx="0" cy="0"/>
+        </a:xfrm>
+      </p:grpSpPr>
+      <p:sp>
+        <p:nvSpPr>
+          <p:cNvPr id="2" name="Espace réservé de l'image des diapositives 1"/>
+          <p:cNvSpPr>
+            <a:spLocks noGrp="1" noRot="1" noChangeAspect="1"/>
+          </p:cNvSpPr>
+          <p:nvPr>
+            <p:ph type="sldImg"/>
+          </p:nvPr>
+        </p:nvSpPr>
+        <p:spPr/>
+      </p:sp>
+      <p:sp>
+        <p:nvSpPr>
+          <p:cNvPr id="3" name="Espace réservé des notes 2"/>
+          <p:cNvSpPr>
+            <a:spLocks noGrp="1"/>
+          </p:cNvSpPr>
+          <p:nvPr>
+            <p:ph type="body" idx="1"/>
+          </p:nvPr>
+        </p:nvSpPr>
+        <p:spPr/>
+        <p:txBody>
+          <a:bodyPr/>
+          <a:lstStyle/>
+          <a:p>
+            <a:r>
+              <a:rPr lang="fr-FR" err="1"/>
+              <a:t>Smooth</a:t>
+            </a:r>
+            <a:r>
+              <a:rPr lang="fr-FR"/>
+              <a:t> factor 1: stands for </a:t>
+            </a:r>
+            <a:r>
+              <a:rPr lang="fr-FR" err="1"/>
+              <a:t>backpropagation</a:t>
+            </a:r>
+            <a:endParaRPr lang="fr-FR"/>
+          </a:p>
+          <a:p>
+            <a:r>
+              <a:rPr lang="fr-FR" err="1"/>
+              <a:t>Num</a:t>
+            </a:r>
+            <a:r>
+              <a:rPr lang="fr-FR"/>
+              <a:t>: </a:t>
+            </a:r>
+          </a:p>
+          <a:p>
+            <a:r>
+              <a:rPr lang="fr-FR" err="1"/>
+              <a:t>Denom</a:t>
+            </a:r>
+            <a:r>
+              <a:rPr lang="fr-FR"/>
+              <a:t>: cardinality</a:t>
+            </a:r>
+            <a:endParaRPr lang="en-US"/>
+          </a:p>
+        </p:txBody>
+      </p:sp>
+      <p:sp>
+        <p:nvSpPr>
+          <p:cNvPr id="4" name="Espace réservé du numéro de diapositive 3"/>
+          <p:cNvSpPr>
+            <a:spLocks noGrp="1"/>
+          </p:cNvSpPr>
+          <p:nvPr>
+            <p:ph type="sldNum" sz="quarter" idx="5"/>
+          </p:nvPr>
+        </p:nvSpPr>
+        <p:spPr/>
+        <p:txBody>
+          <a:bodyPr/>
+          <a:lstStyle/>
+          <a:p>
+            <a:fld id="{B223F8A8-5976-4B45-B86C-23580D16A221}" type="slidenum">
+              <a:rPr lang="en-CA" smtClean="0"/>
+              <a:t>14</a:t>
+            </a:fld>
+            <a:endParaRPr lang="en-CA"/>
+          </a:p>
+        </p:txBody>
+      </p:sp>
+    </p:spTree>
+    <p:extLst>
+      <p:ext uri="{BB962C8B-B14F-4D97-AF65-F5344CB8AC3E}">
+        <p14:creationId xmlns:p14="http://schemas.microsoft.com/office/powerpoint/2010/main" val="3562667674"/>
+      </p:ext>
+    </p:extLst>
+  </p:cSld>
+  <p:clrMapOvr>
+    <a:masterClrMapping/>
+  </p:clrMapOvr>
+</p:notes>
+</file>
+
+<file path=ppt/notesSlides/notesSlide6.xml><?xml version="1.0" encoding="utf-8"?>
+<p:notes xmlns:a="http://schemas.openxmlformats.org/drawingml/2006/main" xmlns:r="http://schemas.openxmlformats.org/officeDocument/2006/relationships" xmlns:p="http://schemas.openxmlformats.org/presentationml/2006/main">
+  <p:cSld>
+    <p:spTree>
+      <p:nvGrpSpPr>
+        <p:cNvPr id="1" name=""/>
+        <p:cNvGrpSpPr/>
+        <p:nvPr/>
+      </p:nvGrpSpPr>
+      <p:grpSpPr>
+        <a:xfrm>
+          <a:off x="0" y="0"/>
+          <a:ext cx="0" cy="0"/>
+          <a:chOff x="0" y="0"/>
+          <a:chExt cx="0" cy="0"/>
+        </a:xfrm>
+      </p:grpSpPr>
+      <p:sp>
+        <p:nvSpPr>
+          <p:cNvPr id="2" name="Slide Image Placeholder 1"/>
+          <p:cNvSpPr>
+            <a:spLocks noGrp="1" noRot="1" noChangeAspect="1"/>
+          </p:cNvSpPr>
+          <p:nvPr>
+            <p:ph type="sldImg"/>
+          </p:nvPr>
+        </p:nvSpPr>
+        <p:spPr/>
+      </p:sp>
+      <p:sp>
+        <p:nvSpPr>
+          <p:cNvPr id="3" name="Notes Placeholder 2"/>
+          <p:cNvSpPr>
+            <a:spLocks noGrp="1"/>
+          </p:cNvSpPr>
+          <p:nvPr>
+            <p:ph type="body" idx="1"/>
+          </p:nvPr>
+        </p:nvSpPr>
+        <p:spPr/>
+        <p:txBody>
+          <a:bodyPr/>
+          <a:lstStyle/>
+          <a:p>
+            <a:endParaRPr lang="en-CA"/>
+          </a:p>
+        </p:txBody>
+      </p:sp>
+      <p:sp>
+        <p:nvSpPr>
+          <p:cNvPr id="4" name="Slide Number Placeholder 3"/>
+          <p:cNvSpPr>
+            <a:spLocks noGrp="1"/>
+          </p:cNvSpPr>
+          <p:nvPr>
+            <p:ph type="sldNum" sz="quarter" idx="5"/>
+          </p:nvPr>
+        </p:nvSpPr>
+        <p:spPr/>
+        <p:txBody>
+          <a:bodyPr/>
+          <a:lstStyle/>
+          <a:p>
+            <a:fld id="{B223F8A8-5976-4B45-B86C-23580D16A221}" type="slidenum">
+              <a:rPr lang="en-CA" smtClean="0"/>
+              <a:t>17</a:t>
+            </a:fld>
+            <a:endParaRPr lang="en-CA"/>
+          </a:p>
+        </p:txBody>
+      </p:sp>
+    </p:spTree>
+    <p:extLst>
+      <p:ext uri="{BB962C8B-B14F-4D97-AF65-F5344CB8AC3E}">
+        <p14:creationId xmlns:p14="http://schemas.microsoft.com/office/powerpoint/2010/main" val="2193856095"/>
+      </p:ext>
+    </p:extLst>
+  </p:cSld>
+  <p:clrMapOvr>
+    <a:masterClrMapping/>
+  </p:clrMapOvr>
+</p:notes>
+</file>
+
+<file path=ppt/notesSlides/notesSlide7.xml><?xml version="1.0" encoding="utf-8"?>
+<p:notes xmlns:a="http://schemas.openxmlformats.org/drawingml/2006/main" xmlns:r="http://schemas.openxmlformats.org/officeDocument/2006/relationships" xmlns:p="http://schemas.openxmlformats.org/presentationml/2006/main">
+  <p:cSld>
+    <p:spTree>
+      <p:nvGrpSpPr>
+        <p:cNvPr id="1" name=""/>
+        <p:cNvGrpSpPr/>
+        <p:nvPr/>
+      </p:nvGrpSpPr>
+      <p:grpSpPr>
+        <a:xfrm>
+          <a:off x="0" y="0"/>
+          <a:ext cx="0" cy="0"/>
+          <a:chOff x="0" y="0"/>
+          <a:chExt cx="0" cy="0"/>
+        </a:xfrm>
+      </p:grpSpPr>
+      <p:sp>
+        <p:nvSpPr>
+          <p:cNvPr id="2" name="Espace réservé de l'image des diapositives 1"/>
+          <p:cNvSpPr>
+            <a:spLocks noGrp="1" noRot="1" noChangeAspect="1"/>
+          </p:cNvSpPr>
+          <p:nvPr>
+            <p:ph type="sldImg"/>
+          </p:nvPr>
+        </p:nvSpPr>
+        <p:spPr/>
+      </p:sp>
+      <p:sp>
+        <p:nvSpPr>
+          <p:cNvPr id="3" name="Espace réservé des notes 2"/>
+          <p:cNvSpPr>
+            <a:spLocks noGrp="1"/>
+          </p:cNvSpPr>
+          <p:nvPr>
+            <p:ph type="body" idx="1"/>
+          </p:nvPr>
+        </p:nvSpPr>
+        <p:spPr/>
+        <p:txBody>
+          <a:bodyPr/>
+          <a:lstStyle/>
+          <a:p>
+            <a:r>
+              <a:rPr lang="fr-FR"/>
+              <a:t>Detect ay </a:t>
+            </a:r>
+            <a:r>
+              <a:rPr lang="fr-FR" err="1"/>
+              <a:t>abnormality</a:t>
+            </a:r>
+            <a:r>
+              <a:rPr lang="fr-FR"/>
+              <a:t> in the </a:t>
+            </a:r>
+            <a:r>
+              <a:rPr lang="fr-FR" err="1"/>
+              <a:t>lung</a:t>
+            </a:r>
+            <a:r>
+              <a:rPr lang="fr-FR"/>
+              <a:t>, </a:t>
+            </a:r>
+            <a:r>
+              <a:rPr lang="fr-FR" err="1"/>
+              <a:t>anithing</a:t>
+            </a:r>
+            <a:r>
+              <a:rPr lang="fr-FR"/>
+              <a:t> </a:t>
+            </a:r>
+            <a:r>
+              <a:rPr lang="fr-FR" err="1"/>
+              <a:t>which</a:t>
+            </a:r>
+            <a:r>
+              <a:rPr lang="fr-FR"/>
+              <a:t> </a:t>
+            </a:r>
+            <a:r>
+              <a:rPr lang="fr-FR" err="1"/>
+              <a:t>could</a:t>
+            </a:r>
+            <a:r>
+              <a:rPr lang="fr-FR"/>
+              <a:t> </a:t>
+            </a:r>
+            <a:r>
+              <a:rPr lang="fr-FR" err="1"/>
+              <a:t>warn</a:t>
+            </a:r>
+            <a:r>
+              <a:rPr lang="fr-FR"/>
+              <a:t> a tumor</a:t>
+            </a:r>
+            <a:endParaRPr lang="en-US"/>
+          </a:p>
+        </p:txBody>
+      </p:sp>
+      <p:sp>
+        <p:nvSpPr>
+          <p:cNvPr id="4" name="Espace réservé du numéro de diapositive 3"/>
+          <p:cNvSpPr>
+            <a:spLocks noGrp="1"/>
+          </p:cNvSpPr>
+          <p:nvPr>
+            <p:ph type="sldNum" sz="quarter" idx="5"/>
+          </p:nvPr>
+        </p:nvSpPr>
+        <p:spPr/>
+        <p:txBody>
+          <a:bodyPr/>
+          <a:lstStyle/>
+          <a:p>
+            <a:fld id="{B223F8A8-5976-4B45-B86C-23580D16A221}" type="slidenum">
+              <a:rPr lang="en-CA" smtClean="0"/>
+              <a:t>26</a:t>
+            </a:fld>
+            <a:endParaRPr lang="en-CA"/>
+          </a:p>
+        </p:txBody>
+      </p:sp>
+    </p:spTree>
+    <p:extLst>
+      <p:ext uri="{BB962C8B-B14F-4D97-AF65-F5344CB8AC3E}">
+        <p14:creationId xmlns:p14="http://schemas.microsoft.com/office/powerpoint/2010/main" val="4107369438"/>
       </p:ext>
     </p:extLst>
   </p:cSld>
@@ -743,7 +1290,7 @@
               </a:lnSpc>
             </a:pPr>
             <a:r>
-              <a:rPr lang="en-CA" sz="2000" b="1" dirty="0" err="1">
+              <a:rPr lang="en-CA" sz="2000" b="1" err="1">
                 <a:solidFill>
                   <a:schemeClr val="bg1"/>
                 </a:solidFill>
@@ -751,7 +1298,7 @@
               <a:t>DeepMedic</a:t>
             </a:r>
             <a:r>
-              <a:rPr lang="en-CA" sz="2000" b="1" dirty="0">
+              <a:rPr lang="en-CA" sz="2000" b="1">
                 <a:solidFill>
                   <a:schemeClr val="bg1"/>
                 </a:solidFill>
@@ -766,7 +1313,7 @@
               </a:lnSpc>
             </a:pPr>
             <a:r>
-              <a:rPr lang="en-CA" sz="2000" b="1" dirty="0">
+              <a:rPr lang="en-CA" sz="2000" b="1">
                 <a:solidFill>
                   <a:schemeClr val="bg1"/>
                 </a:solidFill>
@@ -780,6 +1327,325 @@
     <p:extLst>
       <p:ext uri="{BB962C8B-B14F-4D97-AF65-F5344CB8AC3E}">
         <p14:creationId xmlns:p14="http://schemas.microsoft.com/office/powerpoint/2010/main" val="3125462118"/>
+      </p:ext>
+    </p:extLst>
+  </p:cSld>
+  <p:clrMapOvr>
+    <a:masterClrMapping/>
+  </p:clrMapOvr>
+</p:sldLayout>
+</file>
+
+<file path=ppt/slideLayouts/slideLayout3.xml><?xml version="1.0" encoding="utf-8"?>
+<p:sldLayout xmlns:a="http://schemas.openxmlformats.org/drawingml/2006/main" xmlns:r="http://schemas.openxmlformats.org/officeDocument/2006/relationships" xmlns:p="http://schemas.openxmlformats.org/presentationml/2006/main" preserve="1" userDrawn="1">
+  <p:cSld name="purple layer">
+    <p:spTree>
+      <p:nvGrpSpPr>
+        <p:cNvPr id="1" name=""/>
+        <p:cNvGrpSpPr/>
+        <p:nvPr/>
+      </p:nvGrpSpPr>
+      <p:grpSpPr>
+        <a:xfrm>
+          <a:off x="0" y="0"/>
+          <a:ext cx="0" cy="0"/>
+          <a:chOff x="0" y="0"/>
+          <a:chExt cx="0" cy="0"/>
+        </a:xfrm>
+      </p:grpSpPr>
+      <p:sp>
+        <p:nvSpPr>
+          <p:cNvPr id="3" name="Rectangle 2">
+            <a:extLst>
+              <a:ext uri="{FF2B5EF4-FFF2-40B4-BE49-F238E27FC236}">
+                <a16:creationId xmlns:a16="http://schemas.microsoft.com/office/drawing/2014/main" id="{04B626FA-C6CF-4660-B92B-52103E8F16C3}"/>
+              </a:ext>
+            </a:extLst>
+          </p:cNvPr>
+          <p:cNvSpPr/>
+          <p:nvPr userDrawn="1"/>
+        </p:nvSpPr>
+        <p:spPr>
+          <a:xfrm>
+            <a:off x="0" y="0"/>
+            <a:ext cx="9144000" cy="6858000"/>
+          </a:xfrm>
+          <a:prstGeom prst="rect">
+            <a:avLst/>
+          </a:prstGeom>
+          <a:solidFill>
+            <a:srgbClr val="4F2D82"/>
+          </a:solidFill>
+          <a:ln>
+            <a:noFill/>
+          </a:ln>
+        </p:spPr>
+        <p:style>
+          <a:lnRef idx="2">
+            <a:schemeClr val="accent1">
+              <a:shade val="50000"/>
+            </a:schemeClr>
+          </a:lnRef>
+          <a:fillRef idx="1">
+            <a:schemeClr val="accent1"/>
+          </a:fillRef>
+          <a:effectRef idx="0">
+            <a:schemeClr val="accent1"/>
+          </a:effectRef>
+          <a:fontRef idx="minor">
+            <a:schemeClr val="lt1"/>
+          </a:fontRef>
+        </p:style>
+        <p:txBody>
+          <a:bodyPr rtlCol="0" anchor="ctr"/>
+          <a:lstStyle/>
+          <a:p>
+            <a:pPr algn="ctr"/>
+            <a:endParaRPr lang="en-CA"/>
+          </a:p>
+        </p:txBody>
+      </p:sp>
+      <p:pic>
+        <p:nvPicPr>
+          <p:cNvPr id="4" name="Picture 2" descr="Western logo, stacked, reversed, full version">
+            <a:extLst>
+              <a:ext uri="{FF2B5EF4-FFF2-40B4-BE49-F238E27FC236}">
+                <a16:creationId xmlns:a16="http://schemas.microsoft.com/office/drawing/2014/main" id="{0AFE5E7A-CB0E-498D-BFF5-E229DC468294}"/>
+              </a:ext>
+            </a:extLst>
+          </p:cNvPr>
+          <p:cNvPicPr>
+            <a:picLocks noChangeAspect="1" noChangeArrowheads="1"/>
+          </p:cNvPicPr>
+          <p:nvPr userDrawn="1"/>
+        </p:nvPicPr>
+        <p:blipFill>
+          <a:blip r:embed="rId2">
+            <a:extLst>
+              <a:ext uri="{28A0092B-C50C-407E-A947-70E740481C1C}">
+                <a14:useLocalDpi xmlns:a14="http://schemas.microsoft.com/office/drawing/2010/main" val="0"/>
+              </a:ext>
+            </a:extLst>
+          </a:blip>
+          <a:srcRect/>
+          <a:stretch>
+            <a:fillRect/>
+          </a:stretch>
+        </p:blipFill>
+        <p:spPr bwMode="auto">
+          <a:xfrm>
+            <a:off x="8127999" y="5645"/>
+            <a:ext cx="893449" cy="1093544"/>
+          </a:xfrm>
+          <a:prstGeom prst="rect">
+            <a:avLst/>
+          </a:prstGeom>
+          <a:noFill/>
+          <a:extLst>
+            <a:ext uri="{909E8E84-426E-40DD-AFC4-6F175D3DCCD1}">
+              <a14:hiddenFill xmlns:a14="http://schemas.microsoft.com/office/drawing/2010/main">
+                <a:solidFill>
+                  <a:srgbClr val="FFFFFF"/>
+                </a:solidFill>
+              </a14:hiddenFill>
+            </a:ext>
+          </a:extLst>
+        </p:spPr>
+      </p:pic>
+      <p:sp>
+        <p:nvSpPr>
+          <p:cNvPr id="5" name="TextBox 4">
+            <a:extLst>
+              <a:ext uri="{FF2B5EF4-FFF2-40B4-BE49-F238E27FC236}">
+                <a16:creationId xmlns:a16="http://schemas.microsoft.com/office/drawing/2014/main" id="{59AD26CC-6536-41EB-BB31-951044965CD6}"/>
+              </a:ext>
+            </a:extLst>
+          </p:cNvPr>
+          <p:cNvSpPr txBox="1"/>
+          <p:nvPr userDrawn="1"/>
+        </p:nvSpPr>
+        <p:spPr>
+          <a:xfrm>
+            <a:off x="273378" y="6297106"/>
+            <a:ext cx="1581587" cy="307777"/>
+          </a:xfrm>
+          <a:prstGeom prst="rect">
+            <a:avLst/>
+          </a:prstGeom>
+          <a:noFill/>
+        </p:spPr>
+        <p:txBody>
+          <a:bodyPr wrap="none" rtlCol="0">
+            <a:spAutoFit/>
+          </a:bodyPr>
+          <a:lstStyle/>
+          <a:p>
+            <a:r>
+              <a:rPr lang="en-CA" sz="1400">
+                <a:solidFill>
+                  <a:schemeClr val="bg1"/>
+                </a:solidFill>
+              </a:rPr>
+              <a:t>29 November 2018</a:t>
+            </a:r>
+          </a:p>
+        </p:txBody>
+      </p:sp>
+      <p:sp>
+        <p:nvSpPr>
+          <p:cNvPr id="6" name="TextBox 5">
+            <a:extLst>
+              <a:ext uri="{FF2B5EF4-FFF2-40B4-BE49-F238E27FC236}">
+                <a16:creationId xmlns:a16="http://schemas.microsoft.com/office/drawing/2014/main" id="{A98EA5BE-573E-4634-9AC4-EC393B4583D0}"/>
+              </a:ext>
+            </a:extLst>
+          </p:cNvPr>
+          <p:cNvSpPr txBox="1"/>
+          <p:nvPr userDrawn="1"/>
+        </p:nvSpPr>
+        <p:spPr>
+          <a:xfrm>
+            <a:off x="3320022" y="6297105"/>
+            <a:ext cx="2503955" cy="307777"/>
+          </a:xfrm>
+          <a:prstGeom prst="rect">
+            <a:avLst/>
+          </a:prstGeom>
+          <a:noFill/>
+        </p:spPr>
+        <p:txBody>
+          <a:bodyPr wrap="none" rtlCol="0">
+            <a:spAutoFit/>
+          </a:bodyPr>
+          <a:lstStyle/>
+          <a:p>
+            <a:r>
+              <a:rPr lang="en-CA" sz="1400">
+                <a:solidFill>
+                  <a:schemeClr val="bg1"/>
+                </a:solidFill>
+              </a:rPr>
+              <a:t>ECE 9063/9603 – Data Analytics</a:t>
+            </a:r>
+          </a:p>
+        </p:txBody>
+      </p:sp>
+      <p:sp>
+        <p:nvSpPr>
+          <p:cNvPr id="7" name="TextBox 6">
+            <a:extLst>
+              <a:ext uri="{FF2B5EF4-FFF2-40B4-BE49-F238E27FC236}">
+                <a16:creationId xmlns:a16="http://schemas.microsoft.com/office/drawing/2014/main" id="{F586E520-8447-4535-BF75-37197961B6CE}"/>
+              </a:ext>
+            </a:extLst>
+          </p:cNvPr>
+          <p:cNvSpPr txBox="1"/>
+          <p:nvPr userDrawn="1"/>
+        </p:nvSpPr>
+        <p:spPr>
+          <a:xfrm>
+            <a:off x="8474360" y="6297106"/>
+            <a:ext cx="396262" cy="307777"/>
+          </a:xfrm>
+          <a:prstGeom prst="rect">
+            <a:avLst/>
+          </a:prstGeom>
+          <a:noFill/>
+        </p:spPr>
+        <p:txBody>
+          <a:bodyPr wrap="none" rtlCol="0">
+            <a:spAutoFit/>
+          </a:bodyPr>
+          <a:lstStyle/>
+          <a:p>
+            <a:pPr algn="r"/>
+            <a:fld id="{49D20D91-51F0-4B8C-9B7D-D548D405EFD4}" type="slidenum">
+              <a:rPr lang="en-CA" sz="1400" smtClean="0">
+                <a:solidFill>
+                  <a:schemeClr val="bg1"/>
+                </a:solidFill>
+              </a:rPr>
+              <a:t>‹#›</a:t>
+            </a:fld>
+            <a:endParaRPr lang="en-CA" sz="1400">
+              <a:solidFill>
+                <a:schemeClr val="bg1"/>
+              </a:solidFill>
+            </a:endParaRPr>
+          </a:p>
+        </p:txBody>
+      </p:sp>
+      <p:sp>
+        <p:nvSpPr>
+          <p:cNvPr id="8" name="TextBox 7">
+            <a:extLst>
+              <a:ext uri="{FF2B5EF4-FFF2-40B4-BE49-F238E27FC236}">
+                <a16:creationId xmlns:a16="http://schemas.microsoft.com/office/drawing/2014/main" id="{3013F01F-45C0-4DD6-B4E5-4C2BDA6A4C6A}"/>
+              </a:ext>
+            </a:extLst>
+          </p:cNvPr>
+          <p:cNvSpPr txBox="1"/>
+          <p:nvPr userDrawn="1"/>
+        </p:nvSpPr>
+        <p:spPr>
+          <a:xfrm>
+            <a:off x="-1" y="62775"/>
+            <a:ext cx="8088197" cy="967957"/>
+          </a:xfrm>
+          <a:prstGeom prst="rect">
+            <a:avLst/>
+          </a:prstGeom>
+          <a:noFill/>
+        </p:spPr>
+        <p:txBody>
+          <a:bodyPr wrap="square" rtlCol="0">
+            <a:spAutoFit/>
+          </a:bodyPr>
+          <a:lstStyle/>
+          <a:p>
+            <a:pPr algn="ctr">
+              <a:lnSpc>
+                <a:spcPct val="150000"/>
+              </a:lnSpc>
+            </a:pPr>
+            <a:r>
+              <a:rPr lang="en-CA" sz="2000" b="1" err="1">
+                <a:solidFill>
+                  <a:schemeClr val="bg1"/>
+                </a:solidFill>
+              </a:rPr>
+              <a:t>DeepMedic</a:t>
+            </a:r>
+            <a:r>
+              <a:rPr lang="en-CA" sz="2000" b="1">
+                <a:solidFill>
+                  <a:schemeClr val="bg1"/>
+                </a:solidFill>
+              </a:rPr>
+              <a:t> and U-Net neuronal network architectures </a:t>
+            </a:r>
+          </a:p>
+          <a:p>
+            <a:pPr algn="ctr">
+              <a:lnSpc>
+                <a:spcPct val="150000"/>
+              </a:lnSpc>
+            </a:pPr>
+            <a:r>
+              <a:rPr lang="en-CA" sz="2000" b="1">
+                <a:solidFill>
+                  <a:schemeClr val="bg1"/>
+                </a:solidFill>
+              </a:rPr>
+              <a:t>for lung segmentation in CT scans</a:t>
+            </a:r>
+          </a:p>
+        </p:txBody>
+      </p:sp>
+    </p:spTree>
+    <p:extLst>
+      <p:ext uri="{BB962C8B-B14F-4D97-AF65-F5344CB8AC3E}">
+        <p14:creationId xmlns:p14="http://schemas.microsoft.com/office/powerpoint/2010/main" val="253528827"/>
       </p:ext>
     </p:extLst>
   </p:cSld>
@@ -834,6 +1700,9 @@
           <a:solidFill>
             <a:srgbClr val="4F2D82"/>
           </a:solidFill>
+          <a:ln>
+            <a:noFill/>
+          </a:ln>
         </p:spPr>
         <p:style>
           <a:lnRef idx="2">
@@ -875,7 +1744,7 @@
           <p:nvPr userDrawn="1"/>
         </p:nvPicPr>
         <p:blipFill>
-          <a:blip r:embed="rId4">
+          <a:blip r:embed="rId5">
             <a:extLst>
               <a:ext uri="{28A0092B-C50C-407E-A947-70E740481C1C}">
                 <a14:useLocalDpi xmlns:a14="http://schemas.microsoft.com/office/drawing/2010/main" val="0"/>
@@ -936,7 +1805,7 @@
           <a:lstStyle/>
           <a:p>
             <a:r>
-              <a:rPr lang="en-CA" sz="1400" dirty="0"/>
+              <a:rPr lang="en-CA" sz="1400"/>
               <a:t>29 November 2018</a:t>
             </a:r>
           </a:p>
@@ -971,7 +1840,7 @@
           <a:lstStyle/>
           <a:p>
             <a:r>
-              <a:rPr lang="en-CA" sz="1400" dirty="0"/>
+              <a:rPr lang="en-CA" sz="1400"/>
               <a:t>ECE 9063/9603 – Data Analytics</a:t>
             </a:r>
           </a:p>
@@ -1010,7 +1879,7 @@
               <a:rPr lang="en-CA" sz="1400" smtClean="0"/>
               <a:t>‹#›</a:t>
             </a:fld>
-            <a:endParaRPr lang="en-CA" sz="1400" dirty="0"/>
+            <a:endParaRPr lang="en-CA" sz="1400"/>
           </a:p>
         </p:txBody>
       </p:sp>
@@ -1025,6 +1894,7 @@
   <p:sldLayoutIdLst>
     <p:sldLayoutId id="2147483661" r:id="rId1"/>
     <p:sldLayoutId id="2147483662" r:id="rId2"/>
+    <p:sldLayoutId id="2147483663" r:id="rId3"/>
   </p:sldLayoutIdLst>
   <p:txStyles>
     <p:titleStyle>
@@ -1360,11 +2230,11 @@
               </a:lnSpc>
             </a:pPr>
             <a:r>
-              <a:rPr lang="en-CA" sz="2800" b="1" dirty="0" err="1"/>
+              <a:rPr lang="en-CA" sz="2800" b="1" err="1"/>
               <a:t>DeepMedic</a:t>
             </a:r>
             <a:r>
-              <a:rPr lang="en-CA" sz="2800" b="1" dirty="0"/>
+              <a:rPr lang="en-CA" sz="2800" b="1"/>
               <a:t> and U-Net neuronal network architectures </a:t>
             </a:r>
           </a:p>
@@ -1375,7 +2245,7 @@
               </a:lnSpc>
             </a:pPr>
             <a:r>
-              <a:rPr lang="en-CA" sz="2800" b="1" dirty="0"/>
+              <a:rPr lang="en-CA" sz="2800" b="1"/>
               <a:t>for lung segmentation in CT scans</a:t>
             </a:r>
           </a:p>
@@ -1435,7 +2305,6 @@
               <a:rPr lang="en-CA"/>
               <a:t>Steffen Bleher</a:t>
             </a:r>
-            <a:endParaRPr lang="en-CA" dirty="0"/>
           </a:p>
         </p:txBody>
       </p:sp>
@@ -1532,6 +2401,2640 @@
     <p:extLst>
       <p:ext uri="{BB962C8B-B14F-4D97-AF65-F5344CB8AC3E}">
         <p14:creationId xmlns:p14="http://schemas.microsoft.com/office/powerpoint/2010/main" val="1913221834"/>
+      </p:ext>
+    </p:extLst>
+  </p:cSld>
+  <p:clrMapOvr>
+    <a:masterClrMapping/>
+  </p:clrMapOvr>
+</p:sld>
+</file>
+
+<file path=ppt/slides/slide10.xml><?xml version="1.0" encoding="utf-8"?>
+<p:sld xmlns:a="http://schemas.openxmlformats.org/drawingml/2006/main" xmlns:r="http://schemas.openxmlformats.org/officeDocument/2006/relationships" xmlns:p="http://schemas.openxmlformats.org/presentationml/2006/main">
+  <p:cSld>
+    <p:spTree>
+      <p:nvGrpSpPr>
+        <p:cNvPr id="1" name=""/>
+        <p:cNvGrpSpPr/>
+        <p:nvPr/>
+      </p:nvGrpSpPr>
+      <p:grpSpPr>
+        <a:xfrm>
+          <a:off x="0" y="0"/>
+          <a:ext cx="0" cy="0"/>
+          <a:chOff x="0" y="0"/>
+          <a:chExt cx="0" cy="0"/>
+        </a:xfrm>
+      </p:grpSpPr>
+      <p:sp>
+        <p:nvSpPr>
+          <p:cNvPr id="2" name="ZoneTexte 1">
+            <a:extLst>
+              <a:ext uri="{FF2B5EF4-FFF2-40B4-BE49-F238E27FC236}">
+                <a16:creationId xmlns:a16="http://schemas.microsoft.com/office/drawing/2014/main" id="{34700970-B48B-4BAB-92A2-E14534130BA4}"/>
+              </a:ext>
+            </a:extLst>
+          </p:cNvPr>
+          <p:cNvSpPr txBox="1"/>
+          <p:nvPr/>
+        </p:nvSpPr>
+        <p:spPr>
+          <a:xfrm>
+            <a:off x="2452064" y="2998113"/>
+            <a:ext cx="4239880" cy="584775"/>
+          </a:xfrm>
+          <a:prstGeom prst="rect">
+            <a:avLst/>
+          </a:prstGeom>
+          <a:noFill/>
+        </p:spPr>
+        <p:txBody>
+          <a:bodyPr wrap="none" rtlCol="0">
+            <a:spAutoFit/>
+          </a:bodyPr>
+          <a:lstStyle/>
+          <a:p>
+            <a:pPr algn="ctr"/>
+            <a:r>
+              <a:rPr lang="en-US" sz="3200" dirty="0">
+                <a:solidFill>
+                  <a:schemeClr val="bg1"/>
+                </a:solidFill>
+              </a:rPr>
+              <a:t>3. Process and problems</a:t>
+            </a:r>
+          </a:p>
+        </p:txBody>
+      </p:sp>
+    </p:spTree>
+    <p:extLst>
+      <p:ext uri="{BB962C8B-B14F-4D97-AF65-F5344CB8AC3E}">
+        <p14:creationId xmlns:p14="http://schemas.microsoft.com/office/powerpoint/2010/main" val="112652351"/>
+      </p:ext>
+    </p:extLst>
+  </p:cSld>
+  <p:clrMapOvr>
+    <a:masterClrMapping/>
+  </p:clrMapOvr>
+</p:sld>
+</file>
+
+<file path=ppt/slides/slide11.xml><?xml version="1.0" encoding="utf-8"?>
+<p:sld xmlns:a="http://schemas.openxmlformats.org/drawingml/2006/main" xmlns:r="http://schemas.openxmlformats.org/officeDocument/2006/relationships" xmlns:p="http://schemas.openxmlformats.org/presentationml/2006/main">
+  <p:cSld>
+    <p:spTree>
+      <p:nvGrpSpPr>
+        <p:cNvPr id="1" name=""/>
+        <p:cNvGrpSpPr/>
+        <p:nvPr/>
+      </p:nvGrpSpPr>
+      <p:grpSpPr>
+        <a:xfrm>
+          <a:off x="0" y="0"/>
+          <a:ext cx="0" cy="0"/>
+          <a:chOff x="0" y="0"/>
+          <a:chExt cx="0" cy="0"/>
+        </a:xfrm>
+      </p:grpSpPr>
+      <p:sp>
+        <p:nvSpPr>
+          <p:cNvPr id="2" name="TextBox 1">
+            <a:extLst>
+              <a:ext uri="{FF2B5EF4-FFF2-40B4-BE49-F238E27FC236}">
+                <a16:creationId xmlns:a16="http://schemas.microsoft.com/office/drawing/2014/main" id="{D1B82586-1C68-4B8E-BA0B-79E3B0F6852B}"/>
+              </a:ext>
+            </a:extLst>
+          </p:cNvPr>
+          <p:cNvSpPr txBox="1"/>
+          <p:nvPr/>
+        </p:nvSpPr>
+        <p:spPr>
+          <a:xfrm>
+            <a:off x="452487" y="1470582"/>
+            <a:ext cx="3280513" cy="461665"/>
+          </a:xfrm>
+          <a:prstGeom prst="rect">
+            <a:avLst/>
+          </a:prstGeom>
+          <a:noFill/>
+        </p:spPr>
+        <p:txBody>
+          <a:bodyPr wrap="none" rtlCol="0">
+            <a:spAutoFit/>
+          </a:bodyPr>
+          <a:lstStyle/>
+          <a:p>
+            <a:r>
+              <a:rPr lang="en-CA" sz="2400" b="1"/>
+              <a:t>3. Process and problems</a:t>
+            </a:r>
+          </a:p>
+        </p:txBody>
+      </p:sp>
+      <p:sp>
+        <p:nvSpPr>
+          <p:cNvPr id="3" name="TextBox 2">
+            <a:extLst>
+              <a:ext uri="{FF2B5EF4-FFF2-40B4-BE49-F238E27FC236}">
+                <a16:creationId xmlns:a16="http://schemas.microsoft.com/office/drawing/2014/main" id="{1CF21870-6F18-4FEC-A50F-DF05F9344E1B}"/>
+              </a:ext>
+            </a:extLst>
+          </p:cNvPr>
+          <p:cNvSpPr txBox="1"/>
+          <p:nvPr/>
+        </p:nvSpPr>
+        <p:spPr>
+          <a:xfrm>
+            <a:off x="718874" y="2196445"/>
+            <a:ext cx="8172878" cy="4339650"/>
+          </a:xfrm>
+          <a:prstGeom prst="rect">
+            <a:avLst/>
+          </a:prstGeom>
+          <a:noFill/>
+        </p:spPr>
+        <p:txBody>
+          <a:bodyPr wrap="square" rtlCol="0">
+            <a:spAutoFit/>
+          </a:bodyPr>
+          <a:lstStyle/>
+          <a:p>
+            <a:pPr marL="342900" indent="-342900">
+              <a:buFont typeface="Arial" panose="020B0604020202020204" pitchFamily="34" charset="0"/>
+              <a:buChar char="•"/>
+            </a:pPr>
+            <a:r>
+              <a:rPr lang="en-CA" sz="2800"/>
+              <a:t>Preprocessing</a:t>
+            </a:r>
+          </a:p>
+          <a:p>
+            <a:endParaRPr lang="en-CA" sz="2800"/>
+          </a:p>
+          <a:p>
+            <a:pPr marL="342900" indent="-342900">
+              <a:buFont typeface="Arial" panose="020B0604020202020204" pitchFamily="34" charset="0"/>
+              <a:buChar char="•"/>
+            </a:pPr>
+            <a:r>
+              <a:rPr lang="en-CA" sz="2800"/>
+              <a:t>Training and Validation</a:t>
+            </a:r>
+          </a:p>
+          <a:p>
+            <a:pPr marL="342900" indent="-342900">
+              <a:buFont typeface="Arial" panose="020B0604020202020204" pitchFamily="34" charset="0"/>
+              <a:buChar char="•"/>
+            </a:pPr>
+            <a:endParaRPr lang="en-CA" sz="2800"/>
+          </a:p>
+          <a:p>
+            <a:r>
+              <a:rPr lang="de-DE" sz="2400"/>
+              <a:t>↯ 	</a:t>
+            </a:r>
+            <a:r>
+              <a:rPr lang="en-CA" sz="2800"/>
+              <a:t>Issues with huge dataset</a:t>
+            </a:r>
+          </a:p>
+          <a:p>
+            <a:pPr lvl="1"/>
+            <a:endParaRPr lang="en-CA" sz="2800">
+              <a:sym typeface="Wingdings" panose="05000000000000000000" pitchFamily="2" charset="2"/>
+            </a:endParaRPr>
+          </a:p>
+          <a:p>
+            <a:r>
+              <a:rPr lang="de-DE" sz="2400"/>
+              <a:t>↯ 	</a:t>
+            </a:r>
+            <a:r>
+              <a:rPr lang="en-CA" sz="2800">
+                <a:sym typeface="Wingdings" panose="05000000000000000000" pitchFamily="2" charset="2"/>
+              </a:rPr>
+              <a:t>Recognition of different labels</a:t>
+            </a:r>
+            <a:endParaRPr lang="en-CA" sz="2800"/>
+          </a:p>
+          <a:p>
+            <a:pPr marL="800100" lvl="1" indent="-342900">
+              <a:buFont typeface="Arial" panose="020B0604020202020204" pitchFamily="34" charset="0"/>
+              <a:buChar char="•"/>
+            </a:pPr>
+            <a:endParaRPr lang="en-CA" sz="2000"/>
+          </a:p>
+          <a:p>
+            <a:pPr marL="342900" indent="-342900">
+              <a:buFont typeface="Arial" panose="020B0604020202020204" pitchFamily="34" charset="0"/>
+              <a:buChar char="•"/>
+            </a:pPr>
+            <a:endParaRPr lang="en-CA" sz="2000"/>
+          </a:p>
+          <a:p>
+            <a:pPr marL="342900" indent="-342900">
+              <a:buFont typeface="Arial" panose="020B0604020202020204" pitchFamily="34" charset="0"/>
+              <a:buChar char="•"/>
+            </a:pPr>
+            <a:endParaRPr lang="en-CA" sz="2000"/>
+          </a:p>
+          <a:p>
+            <a:pPr marL="342900" indent="-342900">
+              <a:buFont typeface="Arial" panose="020B0604020202020204" pitchFamily="34" charset="0"/>
+              <a:buChar char="•"/>
+            </a:pPr>
+            <a:endParaRPr lang="en-CA" sz="2000"/>
+          </a:p>
+        </p:txBody>
+      </p:sp>
+    </p:spTree>
+    <p:extLst>
+      <p:ext uri="{BB962C8B-B14F-4D97-AF65-F5344CB8AC3E}">
+        <p14:creationId xmlns:p14="http://schemas.microsoft.com/office/powerpoint/2010/main" val="645898843"/>
+      </p:ext>
+    </p:extLst>
+  </p:cSld>
+  <p:clrMapOvr>
+    <a:masterClrMapping/>
+  </p:clrMapOvr>
+</p:sld>
+</file>
+
+<file path=ppt/slides/slide12.xml><?xml version="1.0" encoding="utf-8"?>
+<p:sld xmlns:a="http://schemas.openxmlformats.org/drawingml/2006/main" xmlns:r="http://schemas.openxmlformats.org/officeDocument/2006/relationships" xmlns:p="http://schemas.openxmlformats.org/presentationml/2006/main">
+  <p:cSld>
+    <p:spTree>
+      <p:nvGrpSpPr>
+        <p:cNvPr id="1" name=""/>
+        <p:cNvGrpSpPr/>
+        <p:nvPr/>
+      </p:nvGrpSpPr>
+      <p:grpSpPr>
+        <a:xfrm>
+          <a:off x="0" y="0"/>
+          <a:ext cx="0" cy="0"/>
+          <a:chOff x="0" y="0"/>
+          <a:chExt cx="0" cy="0"/>
+        </a:xfrm>
+      </p:grpSpPr>
+      <p:sp>
+        <p:nvSpPr>
+          <p:cNvPr id="3" name="TextBox 2">
+            <a:extLst>
+              <a:ext uri="{FF2B5EF4-FFF2-40B4-BE49-F238E27FC236}">
+                <a16:creationId xmlns:a16="http://schemas.microsoft.com/office/drawing/2014/main" id="{1CF21870-6F18-4FEC-A50F-DF05F9344E1B}"/>
+              </a:ext>
+            </a:extLst>
+          </p:cNvPr>
+          <p:cNvSpPr txBox="1"/>
+          <p:nvPr/>
+        </p:nvSpPr>
+        <p:spPr>
+          <a:xfrm>
+            <a:off x="718874" y="2017770"/>
+            <a:ext cx="8172878" cy="4938275"/>
+          </a:xfrm>
+          <a:prstGeom prst="rect">
+            <a:avLst/>
+          </a:prstGeom>
+          <a:noFill/>
+        </p:spPr>
+        <p:txBody>
+          <a:bodyPr wrap="square" rtlCol="0">
+            <a:spAutoFit/>
+          </a:bodyPr>
+          <a:lstStyle/>
+          <a:p>
+            <a:pPr marL="342900" indent="-342900">
+              <a:lnSpc>
+                <a:spcPct val="150000"/>
+              </a:lnSpc>
+              <a:buFont typeface="Arial" panose="020B0604020202020204" pitchFamily="34" charset="0"/>
+              <a:buChar char="•"/>
+            </a:pPr>
+            <a:r>
+              <a:rPr lang="en-CA" sz="2800"/>
+              <a:t>Preprocessing</a:t>
+            </a:r>
+          </a:p>
+          <a:p>
+            <a:pPr marL="800100" lvl="1" indent="-342900">
+              <a:lnSpc>
+                <a:spcPct val="150000"/>
+              </a:lnSpc>
+              <a:buFont typeface="Arial" panose="020B0604020202020204" pitchFamily="34" charset="0"/>
+              <a:buChar char="•"/>
+            </a:pPr>
+            <a:r>
+              <a:rPr lang="en-CA" sz="2400"/>
+              <a:t>Data type conversions (</a:t>
+            </a:r>
+            <a:r>
+              <a:rPr lang="en-CA" sz="2400" err="1"/>
+              <a:t>mhd</a:t>
+            </a:r>
+            <a:r>
+              <a:rPr lang="en-CA" sz="2400"/>
+              <a:t>/raw </a:t>
+            </a:r>
+            <a:r>
+              <a:rPr lang="en-CA" sz="2400">
+                <a:sym typeface="Wingdings" panose="05000000000000000000" pitchFamily="2" charset="2"/>
+              </a:rPr>
+              <a:t> nii.gz)</a:t>
+            </a:r>
+          </a:p>
+          <a:p>
+            <a:pPr lvl="1">
+              <a:lnSpc>
+                <a:spcPct val="150000"/>
+              </a:lnSpc>
+            </a:pPr>
+            <a:endParaRPr lang="en-CA" sz="2400"/>
+          </a:p>
+          <a:p>
+            <a:pPr lvl="1">
+              <a:lnSpc>
+                <a:spcPct val="150000"/>
+              </a:lnSpc>
+            </a:pPr>
+            <a:endParaRPr lang="en-CA" sz="2400"/>
+          </a:p>
+          <a:p>
+            <a:pPr marL="800100" lvl="1" indent="-342900">
+              <a:lnSpc>
+                <a:spcPct val="150000"/>
+              </a:lnSpc>
+              <a:buFont typeface="Arial" panose="020B0604020202020204" pitchFamily="34" charset="0"/>
+              <a:buChar char="•"/>
+            </a:pPr>
+            <a:r>
+              <a:rPr lang="en-CA" sz="2400"/>
+              <a:t>Manual check of dataset </a:t>
+            </a:r>
+          </a:p>
+          <a:p>
+            <a:pPr marL="800100" lvl="1" indent="-342900">
+              <a:lnSpc>
+                <a:spcPct val="150000"/>
+              </a:lnSpc>
+              <a:buFont typeface="Arial" panose="020B0604020202020204" pitchFamily="34" charset="0"/>
+              <a:buChar char="•"/>
+            </a:pPr>
+            <a:endParaRPr lang="en-CA" sz="2400"/>
+          </a:p>
+          <a:p>
+            <a:pPr marL="800100" lvl="1" indent="-342900">
+              <a:lnSpc>
+                <a:spcPct val="150000"/>
+              </a:lnSpc>
+              <a:buFont typeface="Arial" panose="020B0604020202020204" pitchFamily="34" charset="0"/>
+              <a:buChar char="•"/>
+            </a:pPr>
+            <a:r>
+              <a:rPr lang="en-CA" sz="2400"/>
+              <a:t>Normalization: </a:t>
+            </a:r>
+            <a:r>
+              <a:rPr lang="el-GR" sz="2400"/>
+              <a:t>μ = 0</a:t>
+            </a:r>
+            <a:r>
+              <a:rPr lang="de-DE" sz="2400"/>
+              <a:t> and </a:t>
+            </a:r>
+            <a:r>
+              <a:rPr lang="el-GR" sz="2400"/>
+              <a:t>σ = 1</a:t>
+            </a:r>
+            <a:r>
+              <a:rPr lang="de-DE" sz="2400"/>
+              <a:t> (ITK library)</a:t>
+            </a:r>
+            <a:endParaRPr lang="en-CA"/>
+          </a:p>
+          <a:p>
+            <a:pPr marL="342900" indent="-342900">
+              <a:lnSpc>
+                <a:spcPct val="150000"/>
+              </a:lnSpc>
+              <a:buFont typeface="Arial" panose="020B0604020202020204" pitchFamily="34" charset="0"/>
+              <a:buChar char="•"/>
+            </a:pPr>
+            <a:endParaRPr lang="en-CA" sz="2000"/>
+          </a:p>
+          <a:p>
+            <a:pPr marL="342900" indent="-342900">
+              <a:lnSpc>
+                <a:spcPct val="150000"/>
+              </a:lnSpc>
+              <a:buFont typeface="Arial" panose="020B0604020202020204" pitchFamily="34" charset="0"/>
+              <a:buChar char="•"/>
+            </a:pPr>
+            <a:endParaRPr lang="en-CA" sz="2000"/>
+          </a:p>
+        </p:txBody>
+      </p:sp>
+      <p:pic>
+        <p:nvPicPr>
+          <p:cNvPr id="2050" name="Picture 2" descr="Image result for gaussian distribution">
+            <a:extLst>
+              <a:ext uri="{FF2B5EF4-FFF2-40B4-BE49-F238E27FC236}">
+                <a16:creationId xmlns:a16="http://schemas.microsoft.com/office/drawing/2014/main" id="{0EA7D4F8-4BE7-416D-A9D6-A2C9D44DEE76}"/>
+              </a:ext>
+            </a:extLst>
+          </p:cNvPr>
+          <p:cNvPicPr>
+            <a:picLocks noChangeAspect="1" noChangeArrowheads="1"/>
+          </p:cNvPicPr>
+          <p:nvPr/>
+        </p:nvPicPr>
+        <p:blipFill>
+          <a:blip r:embed="rId3">
+            <a:duotone>
+              <a:schemeClr val="accent3">
+                <a:shade val="45000"/>
+                <a:satMod val="135000"/>
+              </a:schemeClr>
+              <a:prstClr val="white"/>
+            </a:duotone>
+            <a:extLst>
+              <a:ext uri="{28A0092B-C50C-407E-A947-70E740481C1C}">
+                <a14:useLocalDpi xmlns:a14="http://schemas.microsoft.com/office/drawing/2010/main" val="0"/>
+              </a:ext>
+            </a:extLst>
+          </a:blip>
+          <a:srcRect/>
+          <a:stretch>
+            <a:fillRect/>
+          </a:stretch>
+        </p:blipFill>
+        <p:spPr bwMode="auto">
+          <a:xfrm>
+            <a:off x="6764318" y="3511166"/>
+            <a:ext cx="2127434" cy="1951481"/>
+          </a:xfrm>
+          <a:prstGeom prst="rect">
+            <a:avLst/>
+          </a:prstGeom>
+          <a:noFill/>
+          <a:extLst>
+            <a:ext uri="{909E8E84-426E-40DD-AFC4-6F175D3DCCD1}">
+              <a14:hiddenFill xmlns:a14="http://schemas.microsoft.com/office/drawing/2010/main">
+                <a:solidFill>
+                  <a:srgbClr val="FFFFFF"/>
+                </a:solidFill>
+              </a14:hiddenFill>
+            </a:ext>
+          </a:extLst>
+        </p:spPr>
+      </p:pic>
+      <p:sp>
+        <p:nvSpPr>
+          <p:cNvPr id="2" name="TextBox 1">
+            <a:extLst>
+              <a:ext uri="{FF2B5EF4-FFF2-40B4-BE49-F238E27FC236}">
+                <a16:creationId xmlns:a16="http://schemas.microsoft.com/office/drawing/2014/main" id="{D1B82586-1C68-4B8E-BA0B-79E3B0F6852B}"/>
+              </a:ext>
+            </a:extLst>
+          </p:cNvPr>
+          <p:cNvSpPr txBox="1"/>
+          <p:nvPr/>
+        </p:nvSpPr>
+        <p:spPr>
+          <a:xfrm>
+            <a:off x="452487" y="1470582"/>
+            <a:ext cx="3280513" cy="461665"/>
+          </a:xfrm>
+          <a:prstGeom prst="rect">
+            <a:avLst/>
+          </a:prstGeom>
+          <a:noFill/>
+        </p:spPr>
+        <p:txBody>
+          <a:bodyPr wrap="none" rtlCol="0">
+            <a:spAutoFit/>
+          </a:bodyPr>
+          <a:lstStyle/>
+          <a:p>
+            <a:r>
+              <a:rPr lang="en-CA" sz="2400" b="1"/>
+              <a:t>3. Process and problems</a:t>
+            </a:r>
+          </a:p>
+        </p:txBody>
+      </p:sp>
+      <p:pic>
+        <p:nvPicPr>
+          <p:cNvPr id="4" name="Picture 3">
+            <a:extLst>
+              <a:ext uri="{FF2B5EF4-FFF2-40B4-BE49-F238E27FC236}">
+                <a16:creationId xmlns:a16="http://schemas.microsoft.com/office/drawing/2014/main" id="{8F3A7700-0DDC-43B3-A844-EBFD9CB3B089}"/>
+              </a:ext>
+            </a:extLst>
+          </p:cNvPr>
+          <p:cNvPicPr>
+            <a:picLocks noChangeAspect="1"/>
+          </p:cNvPicPr>
+          <p:nvPr/>
+        </p:nvPicPr>
+        <p:blipFill rotWithShape="1">
+          <a:blip r:embed="rId4"/>
+          <a:srcRect l="458"/>
+          <a:stretch/>
+        </p:blipFill>
+        <p:spPr>
+          <a:xfrm>
+            <a:off x="1671093" y="3397470"/>
+            <a:ext cx="4561540" cy="959020"/>
+          </a:xfrm>
+          <a:prstGeom prst="rect">
+            <a:avLst/>
+          </a:prstGeom>
+        </p:spPr>
+      </p:pic>
+    </p:spTree>
+    <p:extLst>
+      <p:ext uri="{BB962C8B-B14F-4D97-AF65-F5344CB8AC3E}">
+        <p14:creationId xmlns:p14="http://schemas.microsoft.com/office/powerpoint/2010/main" val="3433943188"/>
+      </p:ext>
+    </p:extLst>
+  </p:cSld>
+  <p:clrMapOvr>
+    <a:masterClrMapping/>
+  </p:clrMapOvr>
+</p:sld>
+</file>
+
+<file path=ppt/slides/slide13.xml><?xml version="1.0" encoding="utf-8"?>
+<p:sld xmlns:a="http://schemas.openxmlformats.org/drawingml/2006/main" xmlns:r="http://schemas.openxmlformats.org/officeDocument/2006/relationships" xmlns:p="http://schemas.openxmlformats.org/presentationml/2006/main">
+  <p:cSld>
+    <p:spTree>
+      <p:nvGrpSpPr>
+        <p:cNvPr id="1" name=""/>
+        <p:cNvGrpSpPr/>
+        <p:nvPr/>
+      </p:nvGrpSpPr>
+      <p:grpSpPr>
+        <a:xfrm>
+          <a:off x="0" y="0"/>
+          <a:ext cx="0" cy="0"/>
+          <a:chOff x="0" y="0"/>
+          <a:chExt cx="0" cy="0"/>
+        </a:xfrm>
+      </p:grpSpPr>
+      <p:sp>
+        <p:nvSpPr>
+          <p:cNvPr id="2" name="TextBox 1">
+            <a:extLst>
+              <a:ext uri="{FF2B5EF4-FFF2-40B4-BE49-F238E27FC236}">
+                <a16:creationId xmlns:a16="http://schemas.microsoft.com/office/drawing/2014/main" id="{D1B82586-1C68-4B8E-BA0B-79E3B0F6852B}"/>
+              </a:ext>
+            </a:extLst>
+          </p:cNvPr>
+          <p:cNvSpPr txBox="1"/>
+          <p:nvPr/>
+        </p:nvSpPr>
+        <p:spPr>
+          <a:xfrm>
+            <a:off x="452487" y="1470582"/>
+            <a:ext cx="3280513" cy="461665"/>
+          </a:xfrm>
+          <a:prstGeom prst="rect">
+            <a:avLst/>
+          </a:prstGeom>
+          <a:noFill/>
+        </p:spPr>
+        <p:txBody>
+          <a:bodyPr wrap="none" rtlCol="0">
+            <a:spAutoFit/>
+          </a:bodyPr>
+          <a:lstStyle/>
+          <a:p>
+            <a:r>
+              <a:rPr lang="en-CA" sz="2400" b="1"/>
+              <a:t>3. Process and problems</a:t>
+            </a:r>
+          </a:p>
+        </p:txBody>
+      </p:sp>
+      <p:sp>
+        <p:nvSpPr>
+          <p:cNvPr id="3" name="TextBox 2">
+            <a:extLst>
+              <a:ext uri="{FF2B5EF4-FFF2-40B4-BE49-F238E27FC236}">
+                <a16:creationId xmlns:a16="http://schemas.microsoft.com/office/drawing/2014/main" id="{1CF21870-6F18-4FEC-A50F-DF05F9344E1B}"/>
+              </a:ext>
+            </a:extLst>
+          </p:cNvPr>
+          <p:cNvSpPr txBox="1"/>
+          <p:nvPr/>
+        </p:nvSpPr>
+        <p:spPr>
+          <a:xfrm>
+            <a:off x="252248" y="2177612"/>
+            <a:ext cx="8271557" cy="3416320"/>
+          </a:xfrm>
+          <a:prstGeom prst="rect">
+            <a:avLst/>
+          </a:prstGeom>
+          <a:noFill/>
+        </p:spPr>
+        <p:txBody>
+          <a:bodyPr wrap="square" rtlCol="0">
+            <a:spAutoFit/>
+          </a:bodyPr>
+          <a:lstStyle/>
+          <a:p>
+            <a:pPr marL="800100" lvl="1" indent="-342900">
+              <a:buFont typeface="Arial" panose="020B0604020202020204" pitchFamily="34" charset="0"/>
+              <a:buChar char="•"/>
+            </a:pPr>
+            <a:r>
+              <a:rPr lang="en-CA" sz="2800">
+                <a:solidFill>
+                  <a:prstClr val="black"/>
+                </a:solidFill>
+              </a:rPr>
+              <a:t>Training</a:t>
+            </a:r>
+          </a:p>
+          <a:p>
+            <a:pPr marL="1257300" lvl="2" indent="-342900">
+              <a:lnSpc>
+                <a:spcPct val="150000"/>
+              </a:lnSpc>
+              <a:buFont typeface="Arial" panose="020B0604020202020204" pitchFamily="34" charset="0"/>
+              <a:buChar char="•"/>
+            </a:pPr>
+            <a:r>
+              <a:rPr lang="en-CA" sz="2400">
+                <a:solidFill>
+                  <a:prstClr val="black"/>
+                </a:solidFill>
+              </a:rPr>
+              <a:t>Setup</a:t>
+            </a:r>
+            <a:r>
+              <a:rPr lang="en-CA" sz="2000"/>
+              <a:t> </a:t>
+            </a:r>
+          </a:p>
+          <a:p>
+            <a:pPr lvl="1"/>
+            <a:endParaRPr lang="en-CA" sz="2000"/>
+          </a:p>
+          <a:p>
+            <a:pPr marL="800100" lvl="1" indent="-342900">
+              <a:buFont typeface="Arial" panose="020B0604020202020204" pitchFamily="34" charset="0"/>
+              <a:buChar char="•"/>
+            </a:pPr>
+            <a:endParaRPr lang="en-CA" sz="2000"/>
+          </a:p>
+          <a:p>
+            <a:pPr marL="800100" lvl="1" indent="-342900">
+              <a:buFont typeface="Arial" panose="020B0604020202020204" pitchFamily="34" charset="0"/>
+              <a:buChar char="•"/>
+            </a:pPr>
+            <a:endParaRPr lang="en-CA" sz="2000"/>
+          </a:p>
+          <a:p>
+            <a:pPr lvl="2"/>
+            <a:endParaRPr lang="en-CA" sz="2400">
+              <a:solidFill>
+                <a:prstClr val="black"/>
+              </a:solidFill>
+            </a:endParaRPr>
+          </a:p>
+          <a:p>
+            <a:pPr marL="1257300" lvl="2" indent="-342900">
+              <a:buFont typeface="Arial" panose="020B0604020202020204" pitchFamily="34" charset="0"/>
+              <a:buChar char="•"/>
+            </a:pPr>
+            <a:r>
+              <a:rPr lang="en-CA" sz="2400">
+                <a:solidFill>
+                  <a:prstClr val="black"/>
+                </a:solidFill>
+              </a:rPr>
+              <a:t>U-net 		-&gt; 	implementation</a:t>
+            </a:r>
+          </a:p>
+          <a:p>
+            <a:pPr marL="1257300" lvl="2" indent="-342900">
+              <a:buFont typeface="Arial" panose="020B0604020202020204" pitchFamily="34" charset="0"/>
+              <a:buChar char="•"/>
+            </a:pPr>
+            <a:r>
+              <a:rPr lang="en-CA" sz="2400" err="1">
+                <a:solidFill>
+                  <a:prstClr val="black"/>
+                </a:solidFill>
+              </a:rPr>
+              <a:t>DeepMedic</a:t>
+            </a:r>
+            <a:r>
+              <a:rPr lang="en-CA" sz="2400">
+                <a:solidFill>
+                  <a:prstClr val="black"/>
+                </a:solidFill>
+              </a:rPr>
+              <a:t> -&gt; 	open-source code</a:t>
+            </a:r>
+          </a:p>
+          <a:p>
+            <a:pPr marL="1257300" lvl="2" indent="-342900">
+              <a:buFont typeface="Arial" panose="020B0604020202020204" pitchFamily="34" charset="0"/>
+              <a:buChar char="•"/>
+            </a:pPr>
+            <a:endParaRPr lang="en-CA" sz="2000"/>
+          </a:p>
+        </p:txBody>
+      </p:sp>
+      <p:pic>
+        <p:nvPicPr>
+          <p:cNvPr id="5" name="Image 4">
+            <a:extLst>
+              <a:ext uri="{FF2B5EF4-FFF2-40B4-BE49-F238E27FC236}">
+                <a16:creationId xmlns:a16="http://schemas.microsoft.com/office/drawing/2014/main" id="{49A8B5B1-1CF2-47D2-8969-F544A40A407C}"/>
+              </a:ext>
+            </a:extLst>
+          </p:cNvPr>
+          <p:cNvPicPr>
+            <a:picLocks noChangeAspect="1"/>
+          </p:cNvPicPr>
+          <p:nvPr/>
+        </p:nvPicPr>
+        <p:blipFill>
+          <a:blip r:embed="rId2">
+            <a:extLst>
+              <a:ext uri="{28A0092B-C50C-407E-A947-70E740481C1C}">
+                <a14:useLocalDpi xmlns:a14="http://schemas.microsoft.com/office/drawing/2010/main" val="0"/>
+              </a:ext>
+            </a:extLst>
+          </a:blip>
+          <a:stretch>
+            <a:fillRect/>
+          </a:stretch>
+        </p:blipFill>
+        <p:spPr>
+          <a:xfrm>
+            <a:off x="3744551" y="3154019"/>
+            <a:ext cx="1060762" cy="883824"/>
+          </a:xfrm>
+          <a:prstGeom prst="rect">
+            <a:avLst/>
+          </a:prstGeom>
+        </p:spPr>
+      </p:pic>
+      <p:pic>
+        <p:nvPicPr>
+          <p:cNvPr id="7" name="Image 6">
+            <a:extLst>
+              <a:ext uri="{FF2B5EF4-FFF2-40B4-BE49-F238E27FC236}">
+                <a16:creationId xmlns:a16="http://schemas.microsoft.com/office/drawing/2014/main" id="{E7A3106D-A698-4F18-8E3B-CC8D1F67A660}"/>
+              </a:ext>
+            </a:extLst>
+          </p:cNvPr>
+          <p:cNvPicPr>
+            <a:picLocks noChangeAspect="1"/>
+          </p:cNvPicPr>
+          <p:nvPr/>
+        </p:nvPicPr>
+        <p:blipFill>
+          <a:blip r:embed="rId3">
+            <a:extLst>
+              <a:ext uri="{28A0092B-C50C-407E-A947-70E740481C1C}">
+                <a14:useLocalDpi xmlns:a14="http://schemas.microsoft.com/office/drawing/2010/main" val="0"/>
+              </a:ext>
+            </a:extLst>
+          </a:blip>
+          <a:stretch>
+            <a:fillRect/>
+          </a:stretch>
+        </p:blipFill>
+        <p:spPr>
+          <a:xfrm>
+            <a:off x="7245862" y="3428998"/>
+            <a:ext cx="1277943" cy="333863"/>
+          </a:xfrm>
+          <a:prstGeom prst="rect">
+            <a:avLst/>
+          </a:prstGeom>
+        </p:spPr>
+      </p:pic>
+      <p:pic>
+        <p:nvPicPr>
+          <p:cNvPr id="9" name="Image 8">
+            <a:extLst>
+              <a:ext uri="{FF2B5EF4-FFF2-40B4-BE49-F238E27FC236}">
+                <a16:creationId xmlns:a16="http://schemas.microsoft.com/office/drawing/2014/main" id="{DF4995BD-C4F7-41D1-BD3F-4CE067C3CBCE}"/>
+              </a:ext>
+            </a:extLst>
+          </p:cNvPr>
+          <p:cNvPicPr>
+            <a:picLocks noChangeAspect="1"/>
+          </p:cNvPicPr>
+          <p:nvPr/>
+        </p:nvPicPr>
+        <p:blipFill>
+          <a:blip r:embed="rId4">
+            <a:extLst>
+              <a:ext uri="{28A0092B-C50C-407E-A947-70E740481C1C}">
+                <a14:useLocalDpi xmlns:a14="http://schemas.microsoft.com/office/drawing/2010/main" val="0"/>
+              </a:ext>
+            </a:extLst>
+          </a:blip>
+          <a:stretch>
+            <a:fillRect/>
+          </a:stretch>
+        </p:blipFill>
+        <p:spPr>
+          <a:xfrm>
+            <a:off x="2625738" y="3154019"/>
+            <a:ext cx="789549" cy="883824"/>
+          </a:xfrm>
+          <a:prstGeom prst="rect">
+            <a:avLst/>
+          </a:prstGeom>
+        </p:spPr>
+      </p:pic>
+      <p:pic>
+        <p:nvPicPr>
+          <p:cNvPr id="13" name="Image 12">
+            <a:extLst>
+              <a:ext uri="{FF2B5EF4-FFF2-40B4-BE49-F238E27FC236}">
+                <a16:creationId xmlns:a16="http://schemas.microsoft.com/office/drawing/2014/main" id="{F89100A3-C888-4F54-917A-2D5062C84C2C}"/>
+              </a:ext>
+            </a:extLst>
+          </p:cNvPr>
+          <p:cNvPicPr>
+            <a:picLocks noChangeAspect="1"/>
+          </p:cNvPicPr>
+          <p:nvPr/>
+        </p:nvPicPr>
+        <p:blipFill>
+          <a:blip r:embed="rId5">
+            <a:extLst>
+              <a:ext uri="{28A0092B-C50C-407E-A947-70E740481C1C}">
+                <a14:useLocalDpi xmlns:a14="http://schemas.microsoft.com/office/drawing/2010/main" val="0"/>
+              </a:ext>
+            </a:extLst>
+          </a:blip>
+          <a:stretch>
+            <a:fillRect/>
+          </a:stretch>
+        </p:blipFill>
+        <p:spPr>
+          <a:xfrm>
+            <a:off x="5179130" y="3336866"/>
+            <a:ext cx="1698785" cy="518129"/>
+          </a:xfrm>
+          <a:prstGeom prst="rect">
+            <a:avLst/>
+          </a:prstGeom>
+        </p:spPr>
+      </p:pic>
+    </p:spTree>
+    <p:extLst>
+      <p:ext uri="{BB962C8B-B14F-4D97-AF65-F5344CB8AC3E}">
+        <p14:creationId xmlns:p14="http://schemas.microsoft.com/office/powerpoint/2010/main" val="2045134112"/>
+      </p:ext>
+    </p:extLst>
+  </p:cSld>
+  <p:clrMapOvr>
+    <a:masterClrMapping/>
+  </p:clrMapOvr>
+</p:sld>
+</file>
+
+<file path=ppt/slides/slide14.xml><?xml version="1.0" encoding="utf-8"?>
+<p:sld xmlns:a="http://schemas.openxmlformats.org/drawingml/2006/main" xmlns:r="http://schemas.openxmlformats.org/officeDocument/2006/relationships" xmlns:p="http://schemas.openxmlformats.org/presentationml/2006/main">
+  <p:cSld>
+    <p:spTree>
+      <p:nvGrpSpPr>
+        <p:cNvPr id="1" name=""/>
+        <p:cNvGrpSpPr/>
+        <p:nvPr/>
+      </p:nvGrpSpPr>
+      <p:grpSpPr>
+        <a:xfrm>
+          <a:off x="0" y="0"/>
+          <a:ext cx="0" cy="0"/>
+          <a:chOff x="0" y="0"/>
+          <a:chExt cx="0" cy="0"/>
+        </a:xfrm>
+      </p:grpSpPr>
+      <p:sp>
+        <p:nvSpPr>
+          <p:cNvPr id="2" name="TextBox 1">
+            <a:extLst>
+              <a:ext uri="{FF2B5EF4-FFF2-40B4-BE49-F238E27FC236}">
+                <a16:creationId xmlns:a16="http://schemas.microsoft.com/office/drawing/2014/main" id="{D1B82586-1C68-4B8E-BA0B-79E3B0F6852B}"/>
+              </a:ext>
+            </a:extLst>
+          </p:cNvPr>
+          <p:cNvSpPr txBox="1"/>
+          <p:nvPr/>
+        </p:nvSpPr>
+        <p:spPr>
+          <a:xfrm>
+            <a:off x="452487" y="1470582"/>
+            <a:ext cx="3280513" cy="461665"/>
+          </a:xfrm>
+          <a:prstGeom prst="rect">
+            <a:avLst/>
+          </a:prstGeom>
+          <a:noFill/>
+        </p:spPr>
+        <p:txBody>
+          <a:bodyPr wrap="none" rtlCol="0">
+            <a:spAutoFit/>
+          </a:bodyPr>
+          <a:lstStyle/>
+          <a:p>
+            <a:r>
+              <a:rPr lang="en-CA" sz="2400" b="1"/>
+              <a:t>3. Process and problems</a:t>
+            </a:r>
+          </a:p>
+        </p:txBody>
+      </p:sp>
+      <mc:AlternateContent xmlns:mc="http://schemas.openxmlformats.org/markup-compatibility/2006" xmlns:a14="http://schemas.microsoft.com/office/drawing/2010/main">
+        <mc:Choice Requires="a14">
+          <p:sp>
+            <p:nvSpPr>
+              <p:cNvPr id="3" name="TextBox 2">
+                <a:extLst>
+                  <a:ext uri="{FF2B5EF4-FFF2-40B4-BE49-F238E27FC236}">
+                    <a16:creationId xmlns:a16="http://schemas.microsoft.com/office/drawing/2014/main" id="{1CF21870-6F18-4FEC-A50F-DF05F9344E1B}"/>
+                  </a:ext>
+                </a:extLst>
+              </p:cNvPr>
+              <p:cNvSpPr txBox="1"/>
+              <p:nvPr/>
+            </p:nvSpPr>
+            <p:spPr>
+              <a:xfrm>
+                <a:off x="252248" y="2177612"/>
+                <a:ext cx="8271557" cy="3338158"/>
+              </a:xfrm>
+              <a:prstGeom prst="rect">
+                <a:avLst/>
+              </a:prstGeom>
+              <a:noFill/>
+            </p:spPr>
+            <p:txBody>
+              <a:bodyPr wrap="square" rtlCol="0">
+                <a:spAutoFit/>
+              </a:bodyPr>
+              <a:lstStyle/>
+              <a:p>
+                <a:pPr marL="800100" lvl="1" indent="-342900">
+                  <a:buFont typeface="Arial" panose="020B0604020202020204" pitchFamily="34" charset="0"/>
+                  <a:buChar char="•"/>
+                </a:pPr>
+                <a:r>
+                  <a:rPr lang="en-CA" sz="2800">
+                    <a:solidFill>
+                      <a:prstClr val="black"/>
+                    </a:solidFill>
+                  </a:rPr>
+                  <a:t>Validation</a:t>
+                </a:r>
+              </a:p>
+              <a:p>
+                <a:pPr marL="1257300" lvl="2" indent="-342900">
+                  <a:buFont typeface="Arial" panose="020B0604020202020204" pitchFamily="34" charset="0"/>
+                  <a:buChar char="•"/>
+                </a:pPr>
+                <a:r>
+                  <a:rPr lang="en-CA" sz="2400">
+                    <a:solidFill>
+                      <a:prstClr val="black"/>
+                    </a:solidFill>
+                  </a:rPr>
+                  <a:t>Metrics</a:t>
+                </a:r>
+              </a:p>
+              <a:p>
+                <a:pPr marL="1714500" lvl="3" indent="-342900">
+                  <a:buFont typeface="Arial" panose="020B0604020202020204" pitchFamily="34" charset="0"/>
+                  <a:buChar char="•"/>
+                </a:pPr>
+                <a:r>
+                  <a:rPr lang="en-CA" sz="2400">
+                    <a:solidFill>
+                      <a:prstClr val="black"/>
+                    </a:solidFill>
+                  </a:rPr>
+                  <a:t>Dice coefficient:  </a:t>
+                </a:r>
+                <a14:m>
+                  <m:oMath xmlns:m="http://schemas.openxmlformats.org/officeDocument/2006/math">
+                    <m:f>
+                      <m:fPr>
+                        <m:ctrlPr>
+                          <a:rPr lang="fr-FR" sz="2400" b="0" i="1" smtClean="0">
+                            <a:latin typeface="Cambria Math" panose="02040503050406030204" pitchFamily="18" charset="0"/>
+                          </a:rPr>
+                        </m:ctrlPr>
+                      </m:fPr>
+                      <m:num>
+                        <m:r>
+                          <m:rPr>
+                            <m:nor/>
+                          </m:rPr>
+                          <a:rPr lang="fr-FR" sz="2400" b="0" i="1" smtClean="0">
+                            <a:latin typeface="Cambria Math" panose="02040503050406030204" pitchFamily="18" charset="0"/>
+                          </a:rPr>
+                          <m:t>2</m:t>
+                        </m:r>
+                        <m:r>
+                          <a:rPr lang="fr-FR" sz="2400" b="0" i="1" smtClean="0">
+                            <a:latin typeface="Cambria Math" panose="02040503050406030204" pitchFamily="18" charset="0"/>
+                          </a:rPr>
+                          <m:t> </m:t>
+                        </m:r>
+                        <m:r>
+                          <a:rPr lang="fr-FR" sz="2400" b="0" i="1" smtClean="0">
+                            <a:latin typeface="Cambria Math" panose="02040503050406030204" pitchFamily="18" charset="0"/>
+                            <a:ea typeface="Cambria Math" panose="02040503050406030204" pitchFamily="18" charset="0"/>
+                          </a:rPr>
+                          <m:t>×</m:t>
+                        </m:r>
+                        <m:r>
+                          <m:rPr>
+                            <m:nor/>
+                          </m:rPr>
+                          <a:rPr lang="fr-FR" sz="2400" b="0" i="1" smtClean="0">
+                            <a:latin typeface="Cambria Math" panose="02040503050406030204" pitchFamily="18" charset="0"/>
+                          </a:rPr>
+                          <m:t>(</m:t>
+                        </m:r>
+                        <m:r>
+                          <m:rPr>
+                            <m:nor/>
+                          </m:rPr>
+                          <a:rPr lang="fr-FR" sz="2400" i="1"/>
+                          <m:t>Y</m:t>
+                        </m:r>
+                        <m:r>
+                          <m:rPr>
+                            <m:nor/>
+                          </m:rPr>
+                          <a:rPr lang="fr-FR" sz="2400" i="1" baseline="-25000"/>
+                          <m:t>true</m:t>
+                        </m:r>
+                        <m:r>
+                          <m:rPr>
+                            <m:nor/>
+                          </m:rPr>
+                          <a:rPr lang="en-US" sz="2400"/>
+                          <m:t> ∩ </m:t>
+                        </m:r>
+                        <m:r>
+                          <m:rPr>
+                            <m:nor/>
+                          </m:rPr>
+                          <a:rPr lang="fr-FR" sz="2400" i="1"/>
+                          <m:t>Y</m:t>
+                        </m:r>
+                        <m:r>
+                          <m:rPr>
+                            <m:nor/>
+                          </m:rPr>
+                          <a:rPr lang="fr-FR" sz="2400" i="1" baseline="-25000"/>
+                          <m:t>pred</m:t>
+                        </m:r>
+                        <m:r>
+                          <m:rPr>
+                            <m:nor/>
+                          </m:rPr>
+                          <a:rPr lang="fr-FR" sz="2400" b="0" i="1" smtClean="0"/>
+                          <m:t> + 1)</m:t>
+                        </m:r>
+                      </m:num>
+                      <m:den>
+                        <m:r>
+                          <m:rPr>
+                            <m:nor/>
+                          </m:rPr>
+                          <a:rPr lang="fr-FR" sz="2400"/>
+                          <m:t>|</m:t>
+                        </m:r>
+                        <m:r>
+                          <m:rPr>
+                            <m:nor/>
+                          </m:rPr>
+                          <a:rPr lang="fr-FR" sz="2400" i="1" smtClean="0"/>
+                          <m:t>Y</m:t>
+                        </m:r>
+                        <m:r>
+                          <m:rPr>
+                            <m:nor/>
+                          </m:rPr>
+                          <a:rPr lang="fr-FR" sz="2400" i="1" baseline="-25000"/>
+                          <m:t>true</m:t>
+                        </m:r>
+                        <m:r>
+                          <m:rPr>
+                            <m:nor/>
+                          </m:rPr>
+                          <a:rPr lang="fr-FR" sz="2400" b="0" i="0" smtClean="0"/>
+                          <m:t>|+</m:t>
+                        </m:r>
+                        <m:r>
+                          <m:rPr>
+                            <m:nor/>
+                          </m:rPr>
+                          <a:rPr lang="fr-FR" sz="2400"/>
+                          <m:t>|</m:t>
+                        </m:r>
+                        <m:r>
+                          <m:rPr>
+                            <m:nor/>
+                          </m:rPr>
+                          <a:rPr lang="fr-FR" sz="2400" i="1"/>
+                          <m:t>Y</m:t>
+                        </m:r>
+                        <m:r>
+                          <m:rPr>
+                            <m:nor/>
+                          </m:rPr>
+                          <a:rPr lang="fr-FR" sz="2400" i="1" baseline="-25000"/>
+                          <m:t>pred</m:t>
+                        </m:r>
+                        <m:r>
+                          <m:rPr>
+                            <m:nor/>
+                          </m:rPr>
+                          <a:rPr lang="fr-FR" sz="2400"/>
+                          <m:t>|</m:t>
+                        </m:r>
+                        <m:r>
+                          <m:rPr>
+                            <m:nor/>
+                          </m:rPr>
+                          <a:rPr lang="fr-FR" sz="2400" i="1"/>
+                          <m:t>+ 1</m:t>
+                        </m:r>
+                      </m:den>
+                    </m:f>
+                    <m:r>
+                      <a:rPr lang="fr-FR" sz="2400" b="0" i="1" smtClean="0">
+                        <a:latin typeface="Cambria Math" panose="02040503050406030204" pitchFamily="18" charset="0"/>
+                      </a:rPr>
+                      <m:t> </m:t>
+                    </m:r>
+                  </m:oMath>
+                </a14:m>
+                <a:endParaRPr lang="fr-FR" sz="2400" b="0"/>
+              </a:p>
+              <a:p>
+                <a:pPr marL="1714500" lvl="3" indent="-342900">
+                  <a:buFont typeface="Arial" panose="020B0604020202020204" pitchFamily="34" charset="0"/>
+                  <a:buChar char="•"/>
+                </a:pPr>
+                <a14:m>
+                  <m:oMath xmlns:m="http://schemas.openxmlformats.org/officeDocument/2006/math">
+                    <m:r>
+                      <a:rPr lang="fr-FR" sz="2400" b="0" i="1" smtClean="0">
+                        <a:solidFill>
+                          <a:prstClr val="black"/>
+                        </a:solidFill>
+                        <a:latin typeface="Cambria Math" panose="02040503050406030204" pitchFamily="18" charset="0"/>
+                      </a:rPr>
+                      <m:t>𝑀𝑒𝑡𝑟𝑖𝑐𝑠</m:t>
+                    </m:r>
+                    <m:r>
+                      <a:rPr lang="fr-FR" sz="2400" b="0" i="1" smtClean="0">
+                        <a:solidFill>
+                          <a:prstClr val="black"/>
+                        </a:solidFill>
+                        <a:latin typeface="Cambria Math" panose="02040503050406030204" pitchFamily="18" charset="0"/>
+                      </a:rPr>
+                      <m:t>= 1 −</m:t>
+                    </m:r>
+                    <m:r>
+                      <a:rPr lang="fr-FR" sz="2400" b="0" i="1" smtClean="0">
+                        <a:solidFill>
+                          <a:prstClr val="black"/>
+                        </a:solidFill>
+                        <a:latin typeface="Cambria Math" panose="02040503050406030204" pitchFamily="18" charset="0"/>
+                      </a:rPr>
+                      <m:t>𝑑𝑖𝑐𝑒𝑐𝑜𝑒𝑓𝑓</m:t>
+                    </m:r>
+                  </m:oMath>
+                </a14:m>
+                <a:endParaRPr lang="en-CA" sz="2400">
+                  <a:solidFill>
+                    <a:prstClr val="black"/>
+                  </a:solidFill>
+                </a:endParaRPr>
+              </a:p>
+              <a:p>
+                <a:pPr marL="1257300" lvl="2" indent="-342900">
+                  <a:buFont typeface="Arial" panose="020B0604020202020204" pitchFamily="34" charset="0"/>
+                  <a:buChar char="•"/>
+                </a:pPr>
+                <a:r>
+                  <a:rPr lang="en-CA" sz="2400">
+                    <a:solidFill>
+                      <a:prstClr val="black"/>
+                    </a:solidFill>
+                  </a:rPr>
+                  <a:t>Loss</a:t>
+                </a:r>
+              </a:p>
+              <a:p>
+                <a:pPr marL="1714500" lvl="3" indent="-342900">
+                  <a:buFont typeface="Arial" panose="020B0604020202020204" pitchFamily="34" charset="0"/>
+                  <a:buChar char="•"/>
+                </a:pPr>
+                <a:r>
+                  <a:rPr lang="en-CA" sz="2400">
+                    <a:solidFill>
+                      <a:prstClr val="black"/>
+                    </a:solidFill>
+                  </a:rPr>
+                  <a:t>Binary-cross entropy</a:t>
+                </a:r>
+              </a:p>
+              <a:p>
+                <a:pPr marL="1714500" lvl="3" indent="-342900">
+                  <a:buFont typeface="Arial" panose="020B0604020202020204" pitchFamily="34" charset="0"/>
+                  <a:buChar char="•"/>
+                </a:pPr>
+                <a14:m>
+                  <m:oMath xmlns:m="http://schemas.openxmlformats.org/officeDocument/2006/math">
+                    <m:r>
+                      <m:rPr>
+                        <m:sty m:val="p"/>
+                      </m:rPr>
+                      <a:rPr lang="fr-FR" sz="2400" b="0" i="0" smtClean="0">
+                        <a:solidFill>
+                          <a:prstClr val="black"/>
+                        </a:solidFill>
+                        <a:latin typeface="Cambria Math" panose="02040503050406030204" pitchFamily="18" charset="0"/>
+                      </a:rPr>
+                      <m:t>Loss</m:t>
+                    </m:r>
+                    <m:r>
+                      <a:rPr lang="fr-FR" sz="2400" b="0" i="0" smtClean="0">
+                        <a:solidFill>
+                          <a:prstClr val="black"/>
+                        </a:solidFill>
+                        <a:latin typeface="Cambria Math" panose="02040503050406030204" pitchFamily="18" charset="0"/>
+                      </a:rPr>
+                      <m:t>= </m:t>
+                    </m:r>
+                    <m:r>
+                      <a:rPr lang="fr-FR" sz="2400" b="0" i="1" smtClean="0">
+                        <a:solidFill>
+                          <a:prstClr val="black"/>
+                        </a:solidFill>
+                        <a:latin typeface="Cambria Math" panose="02040503050406030204" pitchFamily="18" charset="0"/>
+                      </a:rPr>
+                      <m:t>𝐵𝐶𝐸</m:t>
+                    </m:r>
+                    <m:r>
+                      <a:rPr lang="fr-FR" sz="2400" b="0" i="1" smtClean="0">
+                        <a:solidFill>
+                          <a:prstClr val="black"/>
+                        </a:solidFill>
+                        <a:latin typeface="Cambria Math" panose="02040503050406030204" pitchFamily="18" charset="0"/>
+                      </a:rPr>
+                      <m:t>+</m:t>
+                    </m:r>
+                    <m:r>
+                      <a:rPr lang="fr-FR" sz="2400" b="0" i="1" smtClean="0">
+                        <a:solidFill>
+                          <a:prstClr val="black"/>
+                        </a:solidFill>
+                        <a:latin typeface="Cambria Math" panose="02040503050406030204" pitchFamily="18" charset="0"/>
+                      </a:rPr>
+                      <m:t>𝑑𝑖𝑐𝑒𝑐𝑜𝑒𝑓𝑓</m:t>
+                    </m:r>
+                  </m:oMath>
+                </a14:m>
+                <a:endParaRPr lang="en-CA" sz="2400">
+                  <a:solidFill>
+                    <a:prstClr val="black"/>
+                  </a:solidFill>
+                </a:endParaRPr>
+              </a:p>
+              <a:p>
+                <a:pPr marL="1714500" lvl="3" indent="-342900">
+                  <a:buFont typeface="Arial" panose="020B0604020202020204" pitchFamily="34" charset="0"/>
+                  <a:buChar char="•"/>
+                </a:pPr>
+                <a:endParaRPr lang="en-CA" sz="2000">
+                  <a:solidFill>
+                    <a:prstClr val="black"/>
+                  </a:solidFill>
+                </a:endParaRPr>
+              </a:p>
+            </p:txBody>
+          </p:sp>
+        </mc:Choice>
+        <mc:Fallback xmlns="">
+          <p:sp>
+            <p:nvSpPr>
+              <p:cNvPr id="3" name="TextBox 2">
+                <a:extLst>
+                  <a:ext uri="{FF2B5EF4-FFF2-40B4-BE49-F238E27FC236}">
+                    <a16:creationId xmlns:a16="http://schemas.microsoft.com/office/drawing/2014/main" id="{1CF21870-6F18-4FEC-A50F-DF05F9344E1B}"/>
+                  </a:ext>
+                </a:extLst>
+              </p:cNvPr>
+              <p:cNvSpPr txBox="1">
+                <a:spLocks noRot="1" noChangeAspect="1" noMove="1" noResize="1" noEditPoints="1" noAdjustHandles="1" noChangeArrowheads="1" noChangeShapeType="1" noTextEdit="1"/>
+              </p:cNvSpPr>
+              <p:nvPr/>
+            </p:nvSpPr>
+            <p:spPr>
+              <a:xfrm>
+                <a:off x="252248" y="2177612"/>
+                <a:ext cx="8271557" cy="3338158"/>
+              </a:xfrm>
+              <a:prstGeom prst="rect">
+                <a:avLst/>
+              </a:prstGeom>
+              <a:blipFill>
+                <a:blip r:embed="rId3"/>
+                <a:stretch>
+                  <a:fillRect t="-1642"/>
+                </a:stretch>
+              </a:blipFill>
+            </p:spPr>
+            <p:txBody>
+              <a:bodyPr/>
+              <a:lstStyle/>
+              <a:p>
+                <a:r>
+                  <a:rPr lang="en-US">
+                    <a:noFill/>
+                  </a:rPr>
+                  <a:t> </a:t>
+                </a:r>
+              </a:p>
+            </p:txBody>
+          </p:sp>
+        </mc:Fallback>
+      </mc:AlternateContent>
+    </p:spTree>
+    <p:extLst>
+      <p:ext uri="{BB962C8B-B14F-4D97-AF65-F5344CB8AC3E}">
+        <p14:creationId xmlns:p14="http://schemas.microsoft.com/office/powerpoint/2010/main" val="4282634245"/>
+      </p:ext>
+    </p:extLst>
+  </p:cSld>
+  <p:clrMapOvr>
+    <a:masterClrMapping/>
+  </p:clrMapOvr>
+</p:sld>
+</file>
+
+<file path=ppt/slides/slide15.xml><?xml version="1.0" encoding="utf-8"?>
+<p:sld xmlns:a="http://schemas.openxmlformats.org/drawingml/2006/main" xmlns:r="http://schemas.openxmlformats.org/officeDocument/2006/relationships" xmlns:p="http://schemas.openxmlformats.org/presentationml/2006/main">
+  <p:cSld>
+    <p:spTree>
+      <p:nvGrpSpPr>
+        <p:cNvPr id="1" name=""/>
+        <p:cNvGrpSpPr/>
+        <p:nvPr/>
+      </p:nvGrpSpPr>
+      <p:grpSpPr>
+        <a:xfrm>
+          <a:off x="0" y="0"/>
+          <a:ext cx="0" cy="0"/>
+          <a:chOff x="0" y="0"/>
+          <a:chExt cx="0" cy="0"/>
+        </a:xfrm>
+      </p:grpSpPr>
+      <p:sp>
+        <p:nvSpPr>
+          <p:cNvPr id="2" name="TextBox 1">
+            <a:extLst>
+              <a:ext uri="{FF2B5EF4-FFF2-40B4-BE49-F238E27FC236}">
+                <a16:creationId xmlns:a16="http://schemas.microsoft.com/office/drawing/2014/main" id="{D1B82586-1C68-4B8E-BA0B-79E3B0F6852B}"/>
+              </a:ext>
+            </a:extLst>
+          </p:cNvPr>
+          <p:cNvSpPr txBox="1"/>
+          <p:nvPr/>
+        </p:nvSpPr>
+        <p:spPr>
+          <a:xfrm>
+            <a:off x="452487" y="1470582"/>
+            <a:ext cx="3280513" cy="461665"/>
+          </a:xfrm>
+          <a:prstGeom prst="rect">
+            <a:avLst/>
+          </a:prstGeom>
+          <a:noFill/>
+        </p:spPr>
+        <p:txBody>
+          <a:bodyPr wrap="none" rtlCol="0">
+            <a:spAutoFit/>
+          </a:bodyPr>
+          <a:lstStyle/>
+          <a:p>
+            <a:r>
+              <a:rPr lang="en-CA" sz="2400" b="1"/>
+              <a:t>3. Process and problems</a:t>
+            </a:r>
+          </a:p>
+        </p:txBody>
+      </p:sp>
+      <p:sp>
+        <p:nvSpPr>
+          <p:cNvPr id="3" name="TextBox 2">
+            <a:extLst>
+              <a:ext uri="{FF2B5EF4-FFF2-40B4-BE49-F238E27FC236}">
+                <a16:creationId xmlns:a16="http://schemas.microsoft.com/office/drawing/2014/main" id="{1CF21870-6F18-4FEC-A50F-DF05F9344E1B}"/>
+              </a:ext>
+            </a:extLst>
+          </p:cNvPr>
+          <p:cNvSpPr txBox="1"/>
+          <p:nvPr/>
+        </p:nvSpPr>
+        <p:spPr>
+          <a:xfrm>
+            <a:off x="718874" y="2097589"/>
+            <a:ext cx="8172878" cy="4799775"/>
+          </a:xfrm>
+          <a:prstGeom prst="rect">
+            <a:avLst/>
+          </a:prstGeom>
+          <a:noFill/>
+        </p:spPr>
+        <p:txBody>
+          <a:bodyPr wrap="square" rtlCol="0">
+            <a:spAutoFit/>
+          </a:bodyPr>
+          <a:lstStyle/>
+          <a:p>
+            <a:pPr>
+              <a:lnSpc>
+                <a:spcPct val="150000"/>
+              </a:lnSpc>
+            </a:pPr>
+            <a:r>
+              <a:rPr lang="en-CA" sz="2800"/>
+              <a:t>↯ 	Issues with huge dataset</a:t>
+            </a:r>
+          </a:p>
+          <a:p>
+            <a:pPr marL="800100" lvl="1" indent="-342900">
+              <a:lnSpc>
+                <a:spcPct val="150000"/>
+              </a:lnSpc>
+              <a:buFont typeface="Arial" panose="020B0604020202020204" pitchFamily="34" charset="0"/>
+              <a:buChar char="•"/>
+            </a:pPr>
+            <a:r>
+              <a:rPr lang="de-DE" sz="2400"/>
+              <a:t>Providing images as a matrix with size</a:t>
+            </a:r>
+            <a:br>
+              <a:rPr lang="de-DE" sz="2400"/>
+            </a:br>
+            <a:r>
+              <a:rPr lang="de-DE" sz="2400">
+                <a:latin typeface="Courier New" panose="02070309020205020404" pitchFamily="49" charset="0"/>
+                <a:cs typeface="Courier New" panose="02070309020205020404" pitchFamily="49" charset="0"/>
+              </a:rPr>
+              <a:t>[512, 512, number of slices]</a:t>
+            </a:r>
+          </a:p>
+          <a:p>
+            <a:pPr marL="800100" lvl="1" indent="-342900">
+              <a:lnSpc>
+                <a:spcPct val="150000"/>
+              </a:lnSpc>
+              <a:buFont typeface="Wingdings" panose="05000000000000000000" pitchFamily="2" charset="2"/>
+              <a:buChar char="à"/>
+            </a:pPr>
+            <a:r>
+              <a:rPr lang="de-DE" sz="2400">
+                <a:sym typeface="Wingdings" panose="05000000000000000000" pitchFamily="2" charset="2"/>
+              </a:rPr>
+              <a:t> Generation of dataset in real-time and </a:t>
+            </a:r>
+            <a:br>
+              <a:rPr lang="de-DE" sz="2400">
+                <a:sym typeface="Wingdings" panose="05000000000000000000" pitchFamily="2" charset="2"/>
+              </a:rPr>
+            </a:br>
+            <a:r>
+              <a:rPr lang="de-DE" sz="2400">
+                <a:sym typeface="Wingdings" panose="05000000000000000000" pitchFamily="2" charset="2"/>
+              </a:rPr>
+              <a:t> feeding it right away to the training process</a:t>
+            </a:r>
+            <a:br>
+              <a:rPr lang="de-DE" sz="2400">
+                <a:sym typeface="Wingdings" panose="05000000000000000000" pitchFamily="2" charset="2"/>
+              </a:rPr>
+            </a:br>
+            <a:r>
+              <a:rPr lang="de-DE" sz="2400">
+                <a:sym typeface="Wingdings" panose="05000000000000000000" pitchFamily="2" charset="2"/>
+              </a:rPr>
+              <a:t> </a:t>
+            </a:r>
+            <a:r>
+              <a:rPr lang="de-DE" sz="2400">
+                <a:latin typeface="Courier New" panose="02070309020205020404" pitchFamily="49" charset="0"/>
+                <a:cs typeface="Courier New" panose="02070309020205020404" pitchFamily="49" charset="0"/>
+                <a:sym typeface="Wingdings" panose="05000000000000000000" pitchFamily="2" charset="2"/>
+              </a:rPr>
+              <a:t>Keras DataGenerator</a:t>
+            </a:r>
+            <a:endParaRPr lang="de-DE" sz="2400"/>
+          </a:p>
+          <a:p>
+            <a:pPr marL="800100" lvl="1" indent="-342900">
+              <a:lnSpc>
+                <a:spcPct val="150000"/>
+              </a:lnSpc>
+              <a:buFont typeface="Arial" panose="020B0604020202020204" pitchFamily="34" charset="0"/>
+              <a:buChar char="•"/>
+            </a:pPr>
+            <a:endParaRPr lang="en-CA"/>
+          </a:p>
+          <a:p>
+            <a:pPr marL="342900" indent="-342900">
+              <a:lnSpc>
+                <a:spcPct val="150000"/>
+              </a:lnSpc>
+              <a:buFont typeface="Arial" panose="020B0604020202020204" pitchFamily="34" charset="0"/>
+              <a:buChar char="•"/>
+            </a:pPr>
+            <a:endParaRPr lang="en-CA" sz="2000"/>
+          </a:p>
+          <a:p>
+            <a:pPr marL="342900" indent="-342900">
+              <a:lnSpc>
+                <a:spcPct val="150000"/>
+              </a:lnSpc>
+              <a:buFont typeface="Arial" panose="020B0604020202020204" pitchFamily="34" charset="0"/>
+              <a:buChar char="•"/>
+            </a:pPr>
+            <a:endParaRPr lang="en-CA" sz="2000"/>
+          </a:p>
+        </p:txBody>
+      </p:sp>
+      <p:pic>
+        <p:nvPicPr>
+          <p:cNvPr id="7" name="Picture 6">
+            <a:extLst>
+              <a:ext uri="{FF2B5EF4-FFF2-40B4-BE49-F238E27FC236}">
+                <a16:creationId xmlns:a16="http://schemas.microsoft.com/office/drawing/2014/main" id="{F014674E-2D4A-41CE-B2DE-11398E63C843}"/>
+              </a:ext>
+            </a:extLst>
+          </p:cNvPr>
+          <p:cNvPicPr>
+            <a:picLocks noChangeAspect="1"/>
+          </p:cNvPicPr>
+          <p:nvPr/>
+        </p:nvPicPr>
+        <p:blipFill rotWithShape="1">
+          <a:blip r:embed="rId2"/>
+          <a:srcRect b="1886"/>
+          <a:stretch/>
+        </p:blipFill>
+        <p:spPr>
+          <a:xfrm>
+            <a:off x="6633098" y="1399795"/>
+            <a:ext cx="2058415" cy="1614817"/>
+          </a:xfrm>
+          <a:prstGeom prst="rect">
+            <a:avLst/>
+          </a:prstGeom>
+          <a:solidFill>
+            <a:srgbClr val="FFFFFF">
+              <a:shade val="85000"/>
+            </a:srgbClr>
+          </a:solidFill>
+          <a:ln w="101600" cap="sq">
+            <a:noFill/>
+            <a:miter lim="800000"/>
+          </a:ln>
+          <a:effectLst>
+            <a:outerShdw blurRad="57150" dist="37500" dir="7560000" sy="98000" kx="110000" ky="200000" algn="tl" rotWithShape="0">
+              <a:srgbClr val="000000">
+                <a:alpha val="20000"/>
+              </a:srgbClr>
+            </a:outerShdw>
+          </a:effectLst>
+          <a:scene3d>
+            <a:camera prst="perspectiveRelaxed">
+              <a:rot lat="18960000" lon="0" rev="0"/>
+            </a:camera>
+            <a:lightRig rig="twoPt" dir="t">
+              <a:rot lat="0" lon="0" rev="7200000"/>
+            </a:lightRig>
+          </a:scene3d>
+          <a:sp3d prstMaterial="matte">
+            <a:bevelT w="22860" h="12700"/>
+            <a:contourClr>
+              <a:srgbClr val="FFFFFF"/>
+            </a:contourClr>
+          </a:sp3d>
+        </p:spPr>
+      </p:pic>
+      <p:pic>
+        <p:nvPicPr>
+          <p:cNvPr id="8" name="Picture 7">
+            <a:extLst>
+              <a:ext uri="{FF2B5EF4-FFF2-40B4-BE49-F238E27FC236}">
+                <a16:creationId xmlns:a16="http://schemas.microsoft.com/office/drawing/2014/main" id="{84FA2CCD-34BB-4C55-8905-5B76F86B18B9}"/>
+              </a:ext>
+            </a:extLst>
+          </p:cNvPr>
+          <p:cNvPicPr>
+            <a:picLocks noChangeAspect="1"/>
+          </p:cNvPicPr>
+          <p:nvPr/>
+        </p:nvPicPr>
+        <p:blipFill>
+          <a:blip r:embed="rId3"/>
+          <a:stretch>
+            <a:fillRect/>
+          </a:stretch>
+        </p:blipFill>
+        <p:spPr>
+          <a:xfrm>
+            <a:off x="6448473" y="1261470"/>
+            <a:ext cx="2049741" cy="1614817"/>
+          </a:xfrm>
+          <a:prstGeom prst="rect">
+            <a:avLst/>
+          </a:prstGeom>
+          <a:solidFill>
+            <a:srgbClr val="FFFFFF">
+              <a:shade val="85000"/>
+            </a:srgbClr>
+          </a:solidFill>
+          <a:ln w="101600" cap="sq">
+            <a:noFill/>
+            <a:miter lim="800000"/>
+          </a:ln>
+          <a:effectLst>
+            <a:outerShdw blurRad="57150" dist="37500" dir="7560000" sy="98000" kx="110000" ky="200000" algn="tl" rotWithShape="0">
+              <a:srgbClr val="000000">
+                <a:alpha val="20000"/>
+              </a:srgbClr>
+            </a:outerShdw>
+          </a:effectLst>
+          <a:scene3d>
+            <a:camera prst="perspectiveRelaxed">
+              <a:rot lat="18960000" lon="0" rev="0"/>
+            </a:camera>
+            <a:lightRig rig="twoPt" dir="t">
+              <a:rot lat="0" lon="0" rev="7200000"/>
+            </a:lightRig>
+          </a:scene3d>
+          <a:sp3d prstMaterial="matte">
+            <a:bevelT w="22860" h="12700"/>
+            <a:contourClr>
+              <a:srgbClr val="FFFFFF"/>
+            </a:contourClr>
+          </a:sp3d>
+        </p:spPr>
+      </p:pic>
+      <p:pic>
+        <p:nvPicPr>
+          <p:cNvPr id="6" name="Picture 5">
+            <a:extLst>
+              <a:ext uri="{FF2B5EF4-FFF2-40B4-BE49-F238E27FC236}">
+                <a16:creationId xmlns:a16="http://schemas.microsoft.com/office/drawing/2014/main" id="{42323B42-7A7C-48C9-A4E9-93BF484FCABE}"/>
+              </a:ext>
+            </a:extLst>
+          </p:cNvPr>
+          <p:cNvPicPr>
+            <a:picLocks noChangeAspect="1"/>
+          </p:cNvPicPr>
+          <p:nvPr/>
+        </p:nvPicPr>
+        <p:blipFill>
+          <a:blip r:embed="rId4"/>
+          <a:stretch>
+            <a:fillRect/>
+          </a:stretch>
+        </p:blipFill>
+        <p:spPr>
+          <a:xfrm>
+            <a:off x="6263848" y="1126531"/>
+            <a:ext cx="2049741" cy="1611432"/>
+          </a:xfrm>
+          <a:prstGeom prst="rect">
+            <a:avLst/>
+          </a:prstGeom>
+          <a:solidFill>
+            <a:srgbClr val="FFFFFF">
+              <a:shade val="85000"/>
+            </a:srgbClr>
+          </a:solidFill>
+          <a:ln w="101600" cap="sq">
+            <a:noFill/>
+            <a:miter lim="800000"/>
+          </a:ln>
+          <a:effectLst>
+            <a:outerShdw blurRad="57150" dist="37500" dir="7560000" sy="98000" kx="110000" ky="200000" algn="tl" rotWithShape="0">
+              <a:srgbClr val="000000">
+                <a:alpha val="20000"/>
+              </a:srgbClr>
+            </a:outerShdw>
+          </a:effectLst>
+          <a:scene3d>
+            <a:camera prst="perspectiveRelaxed">
+              <a:rot lat="18960000" lon="0" rev="0"/>
+            </a:camera>
+            <a:lightRig rig="twoPt" dir="t">
+              <a:rot lat="0" lon="0" rev="7200000"/>
+            </a:lightRig>
+          </a:scene3d>
+          <a:sp3d prstMaterial="matte">
+            <a:bevelT w="22860" h="12700"/>
+            <a:contourClr>
+              <a:srgbClr val="FFFFFF"/>
+            </a:contourClr>
+          </a:sp3d>
+        </p:spPr>
+      </p:pic>
+    </p:spTree>
+    <p:extLst>
+      <p:ext uri="{BB962C8B-B14F-4D97-AF65-F5344CB8AC3E}">
+        <p14:creationId xmlns:p14="http://schemas.microsoft.com/office/powerpoint/2010/main" val="2847334064"/>
+      </p:ext>
+    </p:extLst>
+  </p:cSld>
+  <p:clrMapOvr>
+    <a:masterClrMapping/>
+  </p:clrMapOvr>
+</p:sld>
+</file>
+
+<file path=ppt/slides/slide16.xml><?xml version="1.0" encoding="utf-8"?>
+<p:sld xmlns:a="http://schemas.openxmlformats.org/drawingml/2006/main" xmlns:r="http://schemas.openxmlformats.org/officeDocument/2006/relationships" xmlns:p="http://schemas.openxmlformats.org/presentationml/2006/main">
+  <p:cSld>
+    <p:spTree>
+      <p:nvGrpSpPr>
+        <p:cNvPr id="1" name=""/>
+        <p:cNvGrpSpPr/>
+        <p:nvPr/>
+      </p:nvGrpSpPr>
+      <p:grpSpPr>
+        <a:xfrm>
+          <a:off x="0" y="0"/>
+          <a:ext cx="0" cy="0"/>
+          <a:chOff x="0" y="0"/>
+          <a:chExt cx="0" cy="0"/>
+        </a:xfrm>
+      </p:grpSpPr>
+      <p:sp>
+        <p:nvSpPr>
+          <p:cNvPr id="2" name="TextBox 1">
+            <a:extLst>
+              <a:ext uri="{FF2B5EF4-FFF2-40B4-BE49-F238E27FC236}">
+                <a16:creationId xmlns:a16="http://schemas.microsoft.com/office/drawing/2014/main" id="{D1B82586-1C68-4B8E-BA0B-79E3B0F6852B}"/>
+              </a:ext>
+            </a:extLst>
+          </p:cNvPr>
+          <p:cNvSpPr txBox="1"/>
+          <p:nvPr/>
+        </p:nvSpPr>
+        <p:spPr>
+          <a:xfrm>
+            <a:off x="452487" y="1470582"/>
+            <a:ext cx="3280513" cy="461665"/>
+          </a:xfrm>
+          <a:prstGeom prst="rect">
+            <a:avLst/>
+          </a:prstGeom>
+          <a:noFill/>
+        </p:spPr>
+        <p:txBody>
+          <a:bodyPr wrap="none" rtlCol="0">
+            <a:spAutoFit/>
+          </a:bodyPr>
+          <a:lstStyle/>
+          <a:p>
+            <a:r>
+              <a:rPr lang="en-CA" sz="2400" b="1"/>
+              <a:t>3. Process and problems</a:t>
+            </a:r>
+          </a:p>
+        </p:txBody>
+      </p:sp>
+      <p:sp>
+        <p:nvSpPr>
+          <p:cNvPr id="3" name="TextBox 2">
+            <a:extLst>
+              <a:ext uri="{FF2B5EF4-FFF2-40B4-BE49-F238E27FC236}">
+                <a16:creationId xmlns:a16="http://schemas.microsoft.com/office/drawing/2014/main" id="{1CF21870-6F18-4FEC-A50F-DF05F9344E1B}"/>
+              </a:ext>
+            </a:extLst>
+          </p:cNvPr>
+          <p:cNvSpPr txBox="1"/>
+          <p:nvPr/>
+        </p:nvSpPr>
+        <p:spPr>
+          <a:xfrm>
+            <a:off x="718874" y="2097589"/>
+            <a:ext cx="8172878" cy="3830279"/>
+          </a:xfrm>
+          <a:prstGeom prst="rect">
+            <a:avLst/>
+          </a:prstGeom>
+          <a:noFill/>
+        </p:spPr>
+        <p:txBody>
+          <a:bodyPr wrap="square" rtlCol="0">
+            <a:spAutoFit/>
+          </a:bodyPr>
+          <a:lstStyle/>
+          <a:p>
+            <a:pPr>
+              <a:lnSpc>
+                <a:spcPct val="150000"/>
+              </a:lnSpc>
+            </a:pPr>
+            <a:r>
+              <a:rPr lang="en-CA" sz="2800"/>
+              <a:t>↯ 	Issues with huge dataset</a:t>
+            </a:r>
+          </a:p>
+          <a:p>
+            <a:pPr marL="800100" lvl="1" indent="-342900">
+              <a:lnSpc>
+                <a:spcPct val="150000"/>
+              </a:lnSpc>
+              <a:buFont typeface="Arial" panose="020B0604020202020204" pitchFamily="34" charset="0"/>
+              <a:buChar char="•"/>
+            </a:pPr>
+            <a:r>
+              <a:rPr lang="de-DE" sz="2400"/>
+              <a:t>Providing images as a matrix with size</a:t>
+            </a:r>
+            <a:br>
+              <a:rPr lang="de-DE" sz="2400"/>
+            </a:br>
+            <a:r>
+              <a:rPr lang="de-DE" sz="2400">
+                <a:latin typeface="Courier New" panose="02070309020205020404" pitchFamily="49" charset="0"/>
+                <a:cs typeface="Courier New" panose="02070309020205020404" pitchFamily="49" charset="0"/>
+              </a:rPr>
+              <a:t>[512, 512, number of slices]</a:t>
+            </a:r>
+          </a:p>
+          <a:p>
+            <a:pPr lvl="1">
+              <a:lnSpc>
+                <a:spcPct val="150000"/>
+              </a:lnSpc>
+            </a:pPr>
+            <a:r>
+              <a:rPr lang="en-CA" sz="2400"/>
+              <a:t>↯ 	RAM problem</a:t>
+            </a:r>
+          </a:p>
+          <a:p>
+            <a:pPr lvl="1">
+              <a:lnSpc>
+                <a:spcPct val="150000"/>
+              </a:lnSpc>
+            </a:pPr>
+            <a:r>
+              <a:rPr lang="en-CA" sz="2400">
+                <a:sym typeface="Wingdings" panose="05000000000000000000" pitchFamily="2" charset="2"/>
+              </a:rPr>
+              <a:t> 	just loading reference to image data</a:t>
+            </a:r>
+            <a:r>
+              <a:rPr lang="en-CA" sz="2400"/>
+              <a:t> </a:t>
+            </a:r>
+          </a:p>
+          <a:p>
+            <a:pPr marL="342900" indent="-342900">
+              <a:lnSpc>
+                <a:spcPct val="150000"/>
+              </a:lnSpc>
+              <a:buFont typeface="Arial" panose="020B0604020202020204" pitchFamily="34" charset="0"/>
+              <a:buChar char="•"/>
+            </a:pPr>
+            <a:endParaRPr lang="en-CA" sz="2000"/>
+          </a:p>
+          <a:p>
+            <a:pPr marL="342900" indent="-342900">
+              <a:lnSpc>
+                <a:spcPct val="150000"/>
+              </a:lnSpc>
+              <a:buFont typeface="Arial" panose="020B0604020202020204" pitchFamily="34" charset="0"/>
+              <a:buChar char="•"/>
+            </a:pPr>
+            <a:endParaRPr lang="en-CA" sz="2000"/>
+          </a:p>
+        </p:txBody>
+      </p:sp>
+      <p:pic>
+        <p:nvPicPr>
+          <p:cNvPr id="7" name="Picture 6">
+            <a:extLst>
+              <a:ext uri="{FF2B5EF4-FFF2-40B4-BE49-F238E27FC236}">
+                <a16:creationId xmlns:a16="http://schemas.microsoft.com/office/drawing/2014/main" id="{F014674E-2D4A-41CE-B2DE-11398E63C843}"/>
+              </a:ext>
+            </a:extLst>
+          </p:cNvPr>
+          <p:cNvPicPr>
+            <a:picLocks noChangeAspect="1"/>
+          </p:cNvPicPr>
+          <p:nvPr/>
+        </p:nvPicPr>
+        <p:blipFill rotWithShape="1">
+          <a:blip r:embed="rId2"/>
+          <a:srcRect b="1886"/>
+          <a:stretch/>
+        </p:blipFill>
+        <p:spPr>
+          <a:xfrm>
+            <a:off x="6633098" y="1399795"/>
+            <a:ext cx="2058415" cy="1614817"/>
+          </a:xfrm>
+          <a:prstGeom prst="rect">
+            <a:avLst/>
+          </a:prstGeom>
+          <a:solidFill>
+            <a:srgbClr val="FFFFFF">
+              <a:shade val="85000"/>
+            </a:srgbClr>
+          </a:solidFill>
+          <a:ln w="101600" cap="sq">
+            <a:noFill/>
+            <a:miter lim="800000"/>
+          </a:ln>
+          <a:effectLst>
+            <a:outerShdw blurRad="57150" dist="37500" dir="7560000" sy="98000" kx="110000" ky="200000" algn="tl" rotWithShape="0">
+              <a:srgbClr val="000000">
+                <a:alpha val="20000"/>
+              </a:srgbClr>
+            </a:outerShdw>
+          </a:effectLst>
+          <a:scene3d>
+            <a:camera prst="perspectiveRelaxed">
+              <a:rot lat="18960000" lon="0" rev="0"/>
+            </a:camera>
+            <a:lightRig rig="twoPt" dir="t">
+              <a:rot lat="0" lon="0" rev="7200000"/>
+            </a:lightRig>
+          </a:scene3d>
+          <a:sp3d prstMaterial="matte">
+            <a:bevelT w="22860" h="12700"/>
+            <a:contourClr>
+              <a:srgbClr val="FFFFFF"/>
+            </a:contourClr>
+          </a:sp3d>
+        </p:spPr>
+      </p:pic>
+      <p:pic>
+        <p:nvPicPr>
+          <p:cNvPr id="8" name="Picture 7">
+            <a:extLst>
+              <a:ext uri="{FF2B5EF4-FFF2-40B4-BE49-F238E27FC236}">
+                <a16:creationId xmlns:a16="http://schemas.microsoft.com/office/drawing/2014/main" id="{84FA2CCD-34BB-4C55-8905-5B76F86B18B9}"/>
+              </a:ext>
+            </a:extLst>
+          </p:cNvPr>
+          <p:cNvPicPr>
+            <a:picLocks noChangeAspect="1"/>
+          </p:cNvPicPr>
+          <p:nvPr/>
+        </p:nvPicPr>
+        <p:blipFill>
+          <a:blip r:embed="rId3"/>
+          <a:stretch>
+            <a:fillRect/>
+          </a:stretch>
+        </p:blipFill>
+        <p:spPr>
+          <a:xfrm>
+            <a:off x="6448473" y="1261470"/>
+            <a:ext cx="2049741" cy="1614817"/>
+          </a:xfrm>
+          <a:prstGeom prst="rect">
+            <a:avLst/>
+          </a:prstGeom>
+          <a:solidFill>
+            <a:srgbClr val="FFFFFF">
+              <a:shade val="85000"/>
+            </a:srgbClr>
+          </a:solidFill>
+          <a:ln w="101600" cap="sq">
+            <a:noFill/>
+            <a:miter lim="800000"/>
+          </a:ln>
+          <a:effectLst>
+            <a:outerShdw blurRad="57150" dist="37500" dir="7560000" sy="98000" kx="110000" ky="200000" algn="tl" rotWithShape="0">
+              <a:srgbClr val="000000">
+                <a:alpha val="20000"/>
+              </a:srgbClr>
+            </a:outerShdw>
+          </a:effectLst>
+          <a:scene3d>
+            <a:camera prst="perspectiveRelaxed">
+              <a:rot lat="18960000" lon="0" rev="0"/>
+            </a:camera>
+            <a:lightRig rig="twoPt" dir="t">
+              <a:rot lat="0" lon="0" rev="7200000"/>
+            </a:lightRig>
+          </a:scene3d>
+          <a:sp3d prstMaterial="matte">
+            <a:bevelT w="22860" h="12700"/>
+            <a:contourClr>
+              <a:srgbClr val="FFFFFF"/>
+            </a:contourClr>
+          </a:sp3d>
+        </p:spPr>
+      </p:pic>
+      <p:pic>
+        <p:nvPicPr>
+          <p:cNvPr id="6" name="Picture 5">
+            <a:extLst>
+              <a:ext uri="{FF2B5EF4-FFF2-40B4-BE49-F238E27FC236}">
+                <a16:creationId xmlns:a16="http://schemas.microsoft.com/office/drawing/2014/main" id="{42323B42-7A7C-48C9-A4E9-93BF484FCABE}"/>
+              </a:ext>
+            </a:extLst>
+          </p:cNvPr>
+          <p:cNvPicPr>
+            <a:picLocks noChangeAspect="1"/>
+          </p:cNvPicPr>
+          <p:nvPr/>
+        </p:nvPicPr>
+        <p:blipFill>
+          <a:blip r:embed="rId4"/>
+          <a:stretch>
+            <a:fillRect/>
+          </a:stretch>
+        </p:blipFill>
+        <p:spPr>
+          <a:xfrm>
+            <a:off x="6263848" y="1126531"/>
+            <a:ext cx="2049741" cy="1611432"/>
+          </a:xfrm>
+          <a:prstGeom prst="rect">
+            <a:avLst/>
+          </a:prstGeom>
+          <a:solidFill>
+            <a:srgbClr val="FFFFFF">
+              <a:shade val="85000"/>
+            </a:srgbClr>
+          </a:solidFill>
+          <a:ln w="101600" cap="sq">
+            <a:noFill/>
+            <a:miter lim="800000"/>
+          </a:ln>
+          <a:effectLst>
+            <a:outerShdw blurRad="57150" dist="37500" dir="7560000" sy="98000" kx="110000" ky="200000" algn="tl" rotWithShape="0">
+              <a:srgbClr val="000000">
+                <a:alpha val="20000"/>
+              </a:srgbClr>
+            </a:outerShdw>
+          </a:effectLst>
+          <a:scene3d>
+            <a:camera prst="perspectiveRelaxed">
+              <a:rot lat="18960000" lon="0" rev="0"/>
+            </a:camera>
+            <a:lightRig rig="twoPt" dir="t">
+              <a:rot lat="0" lon="0" rev="7200000"/>
+            </a:lightRig>
+          </a:scene3d>
+          <a:sp3d prstMaterial="matte">
+            <a:bevelT w="22860" h="12700"/>
+            <a:contourClr>
+              <a:srgbClr val="FFFFFF"/>
+            </a:contourClr>
+          </a:sp3d>
+        </p:spPr>
+      </p:pic>
+    </p:spTree>
+    <p:extLst>
+      <p:ext uri="{BB962C8B-B14F-4D97-AF65-F5344CB8AC3E}">
+        <p14:creationId xmlns:p14="http://schemas.microsoft.com/office/powerpoint/2010/main" val="345830882"/>
+      </p:ext>
+    </p:extLst>
+  </p:cSld>
+  <p:clrMapOvr>
+    <a:masterClrMapping/>
+  </p:clrMapOvr>
+</p:sld>
+</file>
+
+<file path=ppt/slides/slide17.xml><?xml version="1.0" encoding="utf-8"?>
+<p:sld xmlns:a="http://schemas.openxmlformats.org/drawingml/2006/main" xmlns:r="http://schemas.openxmlformats.org/officeDocument/2006/relationships" xmlns:p="http://schemas.openxmlformats.org/presentationml/2006/main">
+  <p:cSld>
+    <p:spTree>
+      <p:nvGrpSpPr>
+        <p:cNvPr id="1" name=""/>
+        <p:cNvGrpSpPr/>
+        <p:nvPr/>
+      </p:nvGrpSpPr>
+      <p:grpSpPr>
+        <a:xfrm>
+          <a:off x="0" y="0"/>
+          <a:ext cx="0" cy="0"/>
+          <a:chOff x="0" y="0"/>
+          <a:chExt cx="0" cy="0"/>
+        </a:xfrm>
+      </p:grpSpPr>
+      <p:sp>
+        <p:nvSpPr>
+          <p:cNvPr id="2" name="TextBox 1">
+            <a:extLst>
+              <a:ext uri="{FF2B5EF4-FFF2-40B4-BE49-F238E27FC236}">
+                <a16:creationId xmlns:a16="http://schemas.microsoft.com/office/drawing/2014/main" id="{D1B82586-1C68-4B8E-BA0B-79E3B0F6852B}"/>
+              </a:ext>
+            </a:extLst>
+          </p:cNvPr>
+          <p:cNvSpPr txBox="1"/>
+          <p:nvPr/>
+        </p:nvSpPr>
+        <p:spPr>
+          <a:xfrm>
+            <a:off x="452487" y="1470582"/>
+            <a:ext cx="3280513" cy="461665"/>
+          </a:xfrm>
+          <a:prstGeom prst="rect">
+            <a:avLst/>
+          </a:prstGeom>
+          <a:noFill/>
+        </p:spPr>
+        <p:txBody>
+          <a:bodyPr wrap="none" rtlCol="0">
+            <a:spAutoFit/>
+          </a:bodyPr>
+          <a:lstStyle/>
+          <a:p>
+            <a:r>
+              <a:rPr lang="en-CA" sz="2400" b="1"/>
+              <a:t>3. Process and problems</a:t>
+            </a:r>
+          </a:p>
+        </p:txBody>
+      </p:sp>
+      <p:sp>
+        <p:nvSpPr>
+          <p:cNvPr id="3" name="TextBox 2">
+            <a:extLst>
+              <a:ext uri="{FF2B5EF4-FFF2-40B4-BE49-F238E27FC236}">
+                <a16:creationId xmlns:a16="http://schemas.microsoft.com/office/drawing/2014/main" id="{1CF21870-6F18-4FEC-A50F-DF05F9344E1B}"/>
+              </a:ext>
+            </a:extLst>
+          </p:cNvPr>
+          <p:cNvSpPr txBox="1"/>
+          <p:nvPr/>
+        </p:nvSpPr>
+        <p:spPr>
+          <a:xfrm>
+            <a:off x="718874" y="2109946"/>
+            <a:ext cx="8172878" cy="4522777"/>
+          </a:xfrm>
+          <a:prstGeom prst="rect">
+            <a:avLst/>
+          </a:prstGeom>
+          <a:noFill/>
+        </p:spPr>
+        <p:txBody>
+          <a:bodyPr wrap="square" rtlCol="0">
+            <a:spAutoFit/>
+          </a:bodyPr>
+          <a:lstStyle/>
+          <a:p>
+            <a:pPr>
+              <a:lnSpc>
+                <a:spcPct val="150000"/>
+              </a:lnSpc>
+            </a:pPr>
+            <a:r>
+              <a:rPr lang="en-CA" sz="2800"/>
+              <a:t>↯ 	Recognition of different labels</a:t>
+            </a:r>
+          </a:p>
+          <a:p>
+            <a:pPr marL="800100" lvl="1" indent="-342900">
+              <a:lnSpc>
+                <a:spcPct val="150000"/>
+              </a:lnSpc>
+              <a:buFont typeface="Arial" panose="020B0604020202020204" pitchFamily="34" charset="0"/>
+              <a:buChar char="•"/>
+            </a:pPr>
+            <a:r>
+              <a:rPr lang="de-DE" sz="2400"/>
+              <a:t>Network </a:t>
+            </a:r>
+            <a:r>
+              <a:rPr lang="de-DE" sz="2400" err="1"/>
+              <a:t>architectures</a:t>
+            </a:r>
+            <a:r>
+              <a:rPr lang="de-DE" sz="2400"/>
+              <a:t> not </a:t>
+            </a:r>
+            <a:r>
+              <a:rPr lang="de-DE" sz="2400" err="1"/>
+              <a:t>suitable</a:t>
+            </a:r>
+            <a:r>
+              <a:rPr lang="de-DE" sz="2400"/>
+              <a:t> </a:t>
+            </a:r>
+            <a:r>
+              <a:rPr lang="de-DE" sz="2400" err="1"/>
+              <a:t>for</a:t>
+            </a:r>
+            <a:r>
+              <a:rPr lang="de-DE" sz="2400"/>
+              <a:t> </a:t>
+            </a:r>
+            <a:r>
+              <a:rPr lang="de-DE" sz="2400" err="1"/>
+              <a:t>recognizing</a:t>
+            </a:r>
+            <a:r>
+              <a:rPr lang="de-DE" sz="2400"/>
+              <a:t> </a:t>
+            </a:r>
+            <a:r>
+              <a:rPr lang="de-DE" sz="2400" err="1"/>
+              <a:t>positional</a:t>
+            </a:r>
+            <a:r>
+              <a:rPr lang="de-DE" sz="2400"/>
+              <a:t> </a:t>
+            </a:r>
+            <a:r>
+              <a:rPr lang="de-DE" sz="2400" err="1"/>
+              <a:t>information</a:t>
+            </a:r>
+            <a:r>
+              <a:rPr lang="de-DE" sz="2400"/>
+              <a:t> </a:t>
+            </a:r>
+            <a:endParaRPr lang="de-DE" sz="2400">
+              <a:latin typeface="Courier New" panose="02070309020205020404" pitchFamily="49" charset="0"/>
+              <a:cs typeface="Courier New" panose="02070309020205020404" pitchFamily="49" charset="0"/>
+            </a:endParaRPr>
+          </a:p>
+          <a:p>
+            <a:pPr>
+              <a:lnSpc>
+                <a:spcPct val="150000"/>
+              </a:lnSpc>
+            </a:pPr>
+            <a:endParaRPr lang="en-CA" sz="3200"/>
+          </a:p>
+          <a:p>
+            <a:pPr>
+              <a:lnSpc>
+                <a:spcPct val="150000"/>
+              </a:lnSpc>
+            </a:pPr>
+            <a:r>
+              <a:rPr lang="en-CA" sz="2800"/>
+              <a:t>								  </a:t>
+            </a:r>
+            <a:r>
+              <a:rPr lang="en-CA" sz="2800">
+                <a:sym typeface="Wingdings" panose="05000000000000000000" pitchFamily="2" charset="2"/>
+              </a:rPr>
+              <a:t></a:t>
+            </a:r>
+            <a:endParaRPr lang="en-CA" sz="2800"/>
+          </a:p>
+          <a:p>
+            <a:pPr marL="800100" lvl="1" indent="-342900">
+              <a:lnSpc>
+                <a:spcPct val="150000"/>
+              </a:lnSpc>
+              <a:buFont typeface="Arial" panose="020B0604020202020204" pitchFamily="34" charset="0"/>
+              <a:buChar char="•"/>
+            </a:pPr>
+            <a:endParaRPr lang="en-CA"/>
+          </a:p>
+          <a:p>
+            <a:pPr marL="342900" indent="-342900">
+              <a:lnSpc>
+                <a:spcPct val="150000"/>
+              </a:lnSpc>
+              <a:buFont typeface="Arial" panose="020B0604020202020204" pitchFamily="34" charset="0"/>
+              <a:buChar char="•"/>
+            </a:pPr>
+            <a:endParaRPr lang="en-CA" sz="2000"/>
+          </a:p>
+          <a:p>
+            <a:pPr marL="342900" indent="-342900">
+              <a:lnSpc>
+                <a:spcPct val="150000"/>
+              </a:lnSpc>
+              <a:buFont typeface="Arial" panose="020B0604020202020204" pitchFamily="34" charset="0"/>
+              <a:buChar char="•"/>
+            </a:pPr>
+            <a:endParaRPr lang="en-CA" sz="2000"/>
+          </a:p>
+        </p:txBody>
+      </p:sp>
+      <p:pic>
+        <p:nvPicPr>
+          <p:cNvPr id="9" name="Picture 8">
+            <a:extLst>
+              <a:ext uri="{FF2B5EF4-FFF2-40B4-BE49-F238E27FC236}">
+                <a16:creationId xmlns:a16="http://schemas.microsoft.com/office/drawing/2014/main" id="{D6FB8B92-3AF8-42CF-9712-EC705751BDF2}"/>
+              </a:ext>
+            </a:extLst>
+          </p:cNvPr>
+          <p:cNvPicPr>
+            <a:picLocks noChangeAspect="1"/>
+          </p:cNvPicPr>
+          <p:nvPr/>
+        </p:nvPicPr>
+        <p:blipFill rotWithShape="1">
+          <a:blip r:embed="rId3"/>
+          <a:srcRect t="10591" r="54540" b="53297"/>
+          <a:stretch/>
+        </p:blipFill>
+        <p:spPr>
+          <a:xfrm>
+            <a:off x="1411836" y="4011667"/>
+            <a:ext cx="2962455" cy="2010789"/>
+          </a:xfrm>
+          <a:prstGeom prst="rect">
+            <a:avLst/>
+          </a:prstGeom>
+        </p:spPr>
+      </p:pic>
+      <p:pic>
+        <p:nvPicPr>
+          <p:cNvPr id="10" name="Picture 9">
+            <a:extLst>
+              <a:ext uri="{FF2B5EF4-FFF2-40B4-BE49-F238E27FC236}">
+                <a16:creationId xmlns:a16="http://schemas.microsoft.com/office/drawing/2014/main" id="{66B612C1-9D60-4156-85B1-05DDF8AF9D0B}"/>
+              </a:ext>
+            </a:extLst>
+          </p:cNvPr>
+          <p:cNvPicPr>
+            <a:picLocks noChangeAspect="1"/>
+          </p:cNvPicPr>
+          <p:nvPr/>
+        </p:nvPicPr>
+        <p:blipFill rotWithShape="1">
+          <a:blip r:embed="rId4">
+            <a:extLst>
+              <a:ext uri="{28A0092B-C50C-407E-A947-70E740481C1C}">
+                <a14:useLocalDpi xmlns:a14="http://schemas.microsoft.com/office/drawing/2010/main" val="0"/>
+              </a:ext>
+            </a:extLst>
+          </a:blip>
+          <a:srcRect t="1686" r="49929" b="49369"/>
+          <a:stretch/>
+        </p:blipFill>
+        <p:spPr>
+          <a:xfrm>
+            <a:off x="5302033" y="4007685"/>
+            <a:ext cx="2962455" cy="2018755"/>
+          </a:xfrm>
+          <a:prstGeom prst="rect">
+            <a:avLst/>
+          </a:prstGeom>
+        </p:spPr>
+      </p:pic>
+    </p:spTree>
+    <p:extLst>
+      <p:ext uri="{BB962C8B-B14F-4D97-AF65-F5344CB8AC3E}">
+        <p14:creationId xmlns:p14="http://schemas.microsoft.com/office/powerpoint/2010/main" val="3441691429"/>
+      </p:ext>
+    </p:extLst>
+  </p:cSld>
+  <p:clrMapOvr>
+    <a:masterClrMapping/>
+  </p:clrMapOvr>
+</p:sld>
+</file>
+
+<file path=ppt/slides/slide18.xml><?xml version="1.0" encoding="utf-8"?>
+<p:sld xmlns:a="http://schemas.openxmlformats.org/drawingml/2006/main" xmlns:r="http://schemas.openxmlformats.org/officeDocument/2006/relationships" xmlns:p="http://schemas.openxmlformats.org/presentationml/2006/main">
+  <p:cSld>
+    <p:spTree>
+      <p:nvGrpSpPr>
+        <p:cNvPr id="1" name=""/>
+        <p:cNvGrpSpPr/>
+        <p:nvPr/>
+      </p:nvGrpSpPr>
+      <p:grpSpPr>
+        <a:xfrm>
+          <a:off x="0" y="0"/>
+          <a:ext cx="0" cy="0"/>
+          <a:chOff x="0" y="0"/>
+          <a:chExt cx="0" cy="0"/>
+        </a:xfrm>
+      </p:grpSpPr>
+      <p:sp>
+        <p:nvSpPr>
+          <p:cNvPr id="2" name="ZoneTexte 1">
+            <a:extLst>
+              <a:ext uri="{FF2B5EF4-FFF2-40B4-BE49-F238E27FC236}">
+                <a16:creationId xmlns:a16="http://schemas.microsoft.com/office/drawing/2014/main" id="{961A227E-1FDC-4856-BC57-95A9A577752D}"/>
+              </a:ext>
+            </a:extLst>
+          </p:cNvPr>
+          <p:cNvSpPr txBox="1"/>
+          <p:nvPr/>
+        </p:nvSpPr>
+        <p:spPr>
+          <a:xfrm>
+            <a:off x="3408160" y="2998113"/>
+            <a:ext cx="2327688" cy="584775"/>
+          </a:xfrm>
+          <a:prstGeom prst="rect">
+            <a:avLst/>
+          </a:prstGeom>
+          <a:noFill/>
+        </p:spPr>
+        <p:txBody>
+          <a:bodyPr wrap="none" rtlCol="0">
+            <a:spAutoFit/>
+          </a:bodyPr>
+          <a:lstStyle/>
+          <a:p>
+            <a:pPr algn="ctr"/>
+            <a:r>
+              <a:rPr lang="en-US" sz="3200">
+                <a:solidFill>
+                  <a:schemeClr val="bg1"/>
+                </a:solidFill>
+              </a:rPr>
+              <a:t>4. Evaluation</a:t>
+            </a:r>
+          </a:p>
+        </p:txBody>
+      </p:sp>
+    </p:spTree>
+    <p:extLst>
+      <p:ext uri="{BB962C8B-B14F-4D97-AF65-F5344CB8AC3E}">
+        <p14:creationId xmlns:p14="http://schemas.microsoft.com/office/powerpoint/2010/main" val="4131348655"/>
+      </p:ext>
+    </p:extLst>
+  </p:cSld>
+  <p:clrMapOvr>
+    <a:masterClrMapping/>
+  </p:clrMapOvr>
+</p:sld>
+</file>
+
+<file path=ppt/slides/slide19.xml><?xml version="1.0" encoding="utf-8"?>
+<p:sld xmlns:a="http://schemas.openxmlformats.org/drawingml/2006/main" xmlns:r="http://schemas.openxmlformats.org/officeDocument/2006/relationships" xmlns:p="http://schemas.openxmlformats.org/presentationml/2006/main">
+  <p:cSld>
+    <p:spTree>
+      <p:nvGrpSpPr>
+        <p:cNvPr id="1" name=""/>
+        <p:cNvGrpSpPr/>
+        <p:nvPr/>
+      </p:nvGrpSpPr>
+      <p:grpSpPr>
+        <a:xfrm>
+          <a:off x="0" y="0"/>
+          <a:ext cx="0" cy="0"/>
+          <a:chOff x="0" y="0"/>
+          <a:chExt cx="0" cy="0"/>
+        </a:xfrm>
+      </p:grpSpPr>
+      <p:sp>
+        <p:nvSpPr>
+          <p:cNvPr id="2" name="TextBox 1">
+            <a:extLst>
+              <a:ext uri="{FF2B5EF4-FFF2-40B4-BE49-F238E27FC236}">
+                <a16:creationId xmlns:a16="http://schemas.microsoft.com/office/drawing/2014/main" id="{D1B82586-1C68-4B8E-BA0B-79E3B0F6852B}"/>
+              </a:ext>
+            </a:extLst>
+          </p:cNvPr>
+          <p:cNvSpPr txBox="1"/>
+          <p:nvPr/>
+        </p:nvSpPr>
+        <p:spPr>
+          <a:xfrm>
+            <a:off x="452487" y="1470582"/>
+            <a:ext cx="1830053" cy="461665"/>
+          </a:xfrm>
+          <a:prstGeom prst="rect">
+            <a:avLst/>
+          </a:prstGeom>
+          <a:noFill/>
+        </p:spPr>
+        <p:txBody>
+          <a:bodyPr wrap="none" rtlCol="0">
+            <a:spAutoFit/>
+          </a:bodyPr>
+          <a:lstStyle/>
+          <a:p>
+            <a:r>
+              <a:rPr lang="en-CA" sz="2400" b="1"/>
+              <a:t>4. Evaluation</a:t>
+            </a:r>
+          </a:p>
+        </p:txBody>
+      </p:sp>
+      <p:sp>
+        <p:nvSpPr>
+          <p:cNvPr id="3" name="TextBox 2">
+            <a:extLst>
+              <a:ext uri="{FF2B5EF4-FFF2-40B4-BE49-F238E27FC236}">
+                <a16:creationId xmlns:a16="http://schemas.microsoft.com/office/drawing/2014/main" id="{1CF21870-6F18-4FEC-A50F-DF05F9344E1B}"/>
+              </a:ext>
+            </a:extLst>
+          </p:cNvPr>
+          <p:cNvSpPr txBox="1"/>
+          <p:nvPr/>
+        </p:nvSpPr>
+        <p:spPr>
+          <a:xfrm>
+            <a:off x="718874" y="2196445"/>
+            <a:ext cx="7503977" cy="2400657"/>
+          </a:xfrm>
+          <a:prstGeom prst="rect">
+            <a:avLst/>
+          </a:prstGeom>
+          <a:noFill/>
+        </p:spPr>
+        <p:txBody>
+          <a:bodyPr wrap="square" rtlCol="0">
+            <a:spAutoFit/>
+          </a:bodyPr>
+          <a:lstStyle/>
+          <a:p>
+            <a:pPr marL="342900" indent="-342900">
+              <a:lnSpc>
+                <a:spcPct val="150000"/>
+              </a:lnSpc>
+              <a:buFont typeface="Arial" panose="020B0604020202020204" pitchFamily="34" charset="0"/>
+              <a:buChar char="•"/>
+            </a:pPr>
+            <a:r>
+              <a:rPr lang="en-CA" sz="2000" dirty="0"/>
+              <a:t>Training process</a:t>
+            </a:r>
+          </a:p>
+          <a:p>
+            <a:pPr marL="342900" indent="-342900">
+              <a:lnSpc>
+                <a:spcPct val="150000"/>
+              </a:lnSpc>
+              <a:buFont typeface="Arial" panose="020B0604020202020204" pitchFamily="34" charset="0"/>
+              <a:buChar char="•"/>
+            </a:pPr>
+            <a:endParaRPr lang="en-CA" sz="2000" dirty="0"/>
+          </a:p>
+          <a:p>
+            <a:pPr lvl="2">
+              <a:lnSpc>
+                <a:spcPct val="150000"/>
+              </a:lnSpc>
+            </a:pPr>
+            <a:r>
+              <a:rPr lang="en-CA" sz="2000" dirty="0"/>
+              <a:t>graphs</a:t>
+            </a:r>
+          </a:p>
+          <a:p>
+            <a:pPr marL="342900" indent="-342900">
+              <a:buFont typeface="Arial" panose="020B0604020202020204" pitchFamily="34" charset="0"/>
+              <a:buChar char="•"/>
+            </a:pPr>
+            <a:endParaRPr lang="en-CA" sz="2000" dirty="0"/>
+          </a:p>
+          <a:p>
+            <a:pPr marL="342900" indent="-342900">
+              <a:buFont typeface="Arial" panose="020B0604020202020204" pitchFamily="34" charset="0"/>
+              <a:buChar char="•"/>
+            </a:pPr>
+            <a:endParaRPr lang="en-CA" sz="2000" dirty="0"/>
+          </a:p>
+          <a:p>
+            <a:pPr marL="342900" indent="-342900">
+              <a:buFont typeface="Arial" panose="020B0604020202020204" pitchFamily="34" charset="0"/>
+              <a:buChar char="•"/>
+            </a:pPr>
+            <a:endParaRPr lang="en-CA" sz="2000" dirty="0"/>
+          </a:p>
+        </p:txBody>
+      </p:sp>
+    </p:spTree>
+    <p:extLst>
+      <p:ext uri="{BB962C8B-B14F-4D97-AF65-F5344CB8AC3E}">
+        <p14:creationId xmlns:p14="http://schemas.microsoft.com/office/powerpoint/2010/main" val="3245343907"/>
       </p:ext>
     </p:extLst>
   </p:cSld>
@@ -1587,7 +5090,7 @@
           <a:lstStyle/>
           <a:p>
             <a:r>
-              <a:rPr lang="en-CA" sz="3200" b="1" dirty="0"/>
+              <a:rPr lang="en-CA" sz="3200" b="1"/>
               <a:t>Outline</a:t>
             </a:r>
           </a:p>
@@ -1629,7 +5132,7 @@
               <a:buAutoNum type="arabicPeriod"/>
             </a:pPr>
             <a:r>
-              <a:rPr lang="en-CA" sz="2800" dirty="0"/>
+              <a:rPr lang="en-CA" sz="2800"/>
               <a:t>Lung segmentation and LUNA16 dataset</a:t>
             </a:r>
           </a:p>
@@ -1642,7 +5145,7 @@
               <a:buAutoNum type="arabicPeriod"/>
             </a:pPr>
             <a:r>
-              <a:rPr lang="en-CA" sz="2800" dirty="0"/>
+              <a:rPr lang="en-CA" sz="2800"/>
               <a:t>CNN architectures</a:t>
             </a:r>
           </a:p>
@@ -1652,10 +5155,10 @@
               <a:buChar char="•"/>
             </a:pPr>
             <a:r>
-              <a:rPr lang="en-CA" sz="2400" dirty="0" err="1"/>
+              <a:rPr lang="en-CA" sz="2400" err="1"/>
               <a:t>DeepMedic</a:t>
             </a:r>
-            <a:endParaRPr lang="en-CA" sz="2400" dirty="0"/>
+            <a:endParaRPr lang="en-CA" sz="2400"/>
           </a:p>
           <a:p>
             <a:pPr marL="914400" lvl="1" indent="-457200">
@@ -1663,7 +5166,7 @@
               <a:buChar char="•"/>
             </a:pPr>
             <a:r>
-              <a:rPr lang="en-CA" sz="2400" dirty="0"/>
+              <a:rPr lang="en-CA" sz="2400"/>
               <a:t>U-Net</a:t>
             </a:r>
           </a:p>
@@ -1676,7 +5179,7 @@
               <a:buAutoNum type="arabicPeriod"/>
             </a:pPr>
             <a:r>
-              <a:rPr lang="en-CA" sz="2800" dirty="0"/>
+              <a:rPr lang="en-CA" sz="2800"/>
               <a:t>Process and problems</a:t>
             </a:r>
           </a:p>
@@ -1689,7 +5192,7 @@
               <a:buAutoNum type="arabicPeriod"/>
             </a:pPr>
             <a:r>
-              <a:rPr lang="en-CA" sz="2800" dirty="0"/>
+              <a:rPr lang="en-CA" sz="2800"/>
               <a:t>Results</a:t>
             </a:r>
           </a:p>
@@ -1702,7 +5205,7 @@
               <a:buAutoNum type="arabicPeriod"/>
             </a:pPr>
             <a:r>
-              <a:rPr lang="en-CA" sz="2800" dirty="0"/>
+              <a:rPr lang="en-CA" sz="2800"/>
               <a:t>Conclusion</a:t>
             </a:r>
           </a:p>
@@ -1712,6 +5215,2439 @@
     <p:extLst>
       <p:ext uri="{BB962C8B-B14F-4D97-AF65-F5344CB8AC3E}">
         <p14:creationId xmlns:p14="http://schemas.microsoft.com/office/powerpoint/2010/main" val="1567904759"/>
+      </p:ext>
+    </p:extLst>
+  </p:cSld>
+  <p:clrMapOvr>
+    <a:masterClrMapping/>
+  </p:clrMapOvr>
+</p:sld>
+</file>
+
+<file path=ppt/slides/slide20.xml><?xml version="1.0" encoding="utf-8"?>
+<p:sld xmlns:a="http://schemas.openxmlformats.org/drawingml/2006/main" xmlns:r="http://schemas.openxmlformats.org/officeDocument/2006/relationships" xmlns:p="http://schemas.openxmlformats.org/presentationml/2006/main">
+  <p:cSld>
+    <p:spTree>
+      <p:nvGrpSpPr>
+        <p:cNvPr id="1" name=""/>
+        <p:cNvGrpSpPr/>
+        <p:nvPr/>
+      </p:nvGrpSpPr>
+      <p:grpSpPr>
+        <a:xfrm>
+          <a:off x="0" y="0"/>
+          <a:ext cx="0" cy="0"/>
+          <a:chOff x="0" y="0"/>
+          <a:chExt cx="0" cy="0"/>
+        </a:xfrm>
+      </p:grpSpPr>
+      <p:sp>
+        <p:nvSpPr>
+          <p:cNvPr id="2" name="TextBox 1">
+            <a:extLst>
+              <a:ext uri="{FF2B5EF4-FFF2-40B4-BE49-F238E27FC236}">
+                <a16:creationId xmlns:a16="http://schemas.microsoft.com/office/drawing/2014/main" id="{D1B82586-1C68-4B8E-BA0B-79E3B0F6852B}"/>
+              </a:ext>
+            </a:extLst>
+          </p:cNvPr>
+          <p:cNvSpPr txBox="1"/>
+          <p:nvPr/>
+        </p:nvSpPr>
+        <p:spPr>
+          <a:xfrm>
+            <a:off x="452487" y="1470582"/>
+            <a:ext cx="1830053" cy="461665"/>
+          </a:xfrm>
+          <a:prstGeom prst="rect">
+            <a:avLst/>
+          </a:prstGeom>
+          <a:noFill/>
+        </p:spPr>
+        <p:txBody>
+          <a:bodyPr wrap="none" rtlCol="0">
+            <a:spAutoFit/>
+          </a:bodyPr>
+          <a:lstStyle/>
+          <a:p>
+            <a:r>
+              <a:rPr lang="en-CA" sz="2400" b="1"/>
+              <a:t>4. Evaluation</a:t>
+            </a:r>
+          </a:p>
+        </p:txBody>
+      </p:sp>
+      <p:sp>
+        <p:nvSpPr>
+          <p:cNvPr id="3" name="TextBox 2">
+            <a:extLst>
+              <a:ext uri="{FF2B5EF4-FFF2-40B4-BE49-F238E27FC236}">
+                <a16:creationId xmlns:a16="http://schemas.microsoft.com/office/drawing/2014/main" id="{1CF21870-6F18-4FEC-A50F-DF05F9344E1B}"/>
+              </a:ext>
+            </a:extLst>
+          </p:cNvPr>
+          <p:cNvSpPr txBox="1"/>
+          <p:nvPr/>
+        </p:nvSpPr>
+        <p:spPr>
+          <a:xfrm>
+            <a:off x="718874" y="2091515"/>
+            <a:ext cx="4240328" cy="2062103"/>
+          </a:xfrm>
+          <a:prstGeom prst="rect">
+            <a:avLst/>
+          </a:prstGeom>
+          <a:noFill/>
+        </p:spPr>
+        <p:txBody>
+          <a:bodyPr wrap="none" rtlCol="0">
+            <a:spAutoFit/>
+          </a:bodyPr>
+          <a:lstStyle/>
+          <a:p>
+            <a:r>
+              <a:rPr lang="en-CA" sz="2800"/>
+              <a:t>Prediction with </a:t>
+            </a:r>
+            <a:r>
+              <a:rPr lang="en-CA" sz="2800" err="1"/>
+              <a:t>DeepMedic</a:t>
+            </a:r>
+            <a:endParaRPr lang="en-CA" sz="2800"/>
+          </a:p>
+          <a:p>
+            <a:pPr marL="800100" lvl="1" indent="-342900">
+              <a:buFont typeface="Arial" panose="020B0604020202020204" pitchFamily="34" charset="0"/>
+              <a:buChar char="•"/>
+            </a:pPr>
+            <a:endParaRPr lang="en-CA" sz="2000" dirty="0"/>
+          </a:p>
+          <a:p>
+            <a:pPr marL="800100" lvl="1" indent="-342900">
+              <a:buFont typeface="Arial" panose="020B0604020202020204" pitchFamily="34" charset="0"/>
+              <a:buChar char="•"/>
+            </a:pPr>
+            <a:endParaRPr lang="en-CA" sz="2000" dirty="0"/>
+          </a:p>
+          <a:p>
+            <a:pPr marL="342900" indent="-342900">
+              <a:buFont typeface="Arial" panose="020B0604020202020204" pitchFamily="34" charset="0"/>
+              <a:buChar char="•"/>
+            </a:pPr>
+            <a:endParaRPr lang="en-CA" sz="2000" dirty="0"/>
+          </a:p>
+          <a:p>
+            <a:pPr marL="342900" indent="-342900">
+              <a:buFont typeface="Arial" panose="020B0604020202020204" pitchFamily="34" charset="0"/>
+              <a:buChar char="•"/>
+            </a:pPr>
+            <a:endParaRPr lang="en-CA" sz="2000" dirty="0"/>
+          </a:p>
+          <a:p>
+            <a:pPr marL="342900" indent="-342900">
+              <a:buFont typeface="Arial" panose="020B0604020202020204" pitchFamily="34" charset="0"/>
+              <a:buChar char="•"/>
+            </a:pPr>
+            <a:endParaRPr lang="en-CA" sz="2000" dirty="0"/>
+          </a:p>
+        </p:txBody>
+      </p:sp>
+      <p:pic>
+        <p:nvPicPr>
+          <p:cNvPr id="5" name="Picture 4">
+            <a:extLst>
+              <a:ext uri="{FF2B5EF4-FFF2-40B4-BE49-F238E27FC236}">
+                <a16:creationId xmlns:a16="http://schemas.microsoft.com/office/drawing/2014/main" id="{938D6E2E-17CB-4A39-9EFC-1E2FBE42DE9C}"/>
+              </a:ext>
+            </a:extLst>
+          </p:cNvPr>
+          <p:cNvPicPr>
+            <a:picLocks noChangeAspect="1"/>
+          </p:cNvPicPr>
+          <p:nvPr/>
+        </p:nvPicPr>
+        <p:blipFill>
+          <a:blip r:embed="rId2">
+            <a:extLst>
+              <a:ext uri="{28A0092B-C50C-407E-A947-70E740481C1C}">
+                <a14:useLocalDpi xmlns:a14="http://schemas.microsoft.com/office/drawing/2010/main" val="0"/>
+              </a:ext>
+            </a:extLst>
+          </a:blip>
+          <a:stretch>
+            <a:fillRect/>
+          </a:stretch>
+        </p:blipFill>
+        <p:spPr>
+          <a:xfrm>
+            <a:off x="4572000" y="2619289"/>
+            <a:ext cx="4572000" cy="3092239"/>
+          </a:xfrm>
+          <a:prstGeom prst="rect">
+            <a:avLst/>
+          </a:prstGeom>
+        </p:spPr>
+      </p:pic>
+      <p:pic>
+        <p:nvPicPr>
+          <p:cNvPr id="7" name="Picture 6">
+            <a:extLst>
+              <a:ext uri="{FF2B5EF4-FFF2-40B4-BE49-F238E27FC236}">
+                <a16:creationId xmlns:a16="http://schemas.microsoft.com/office/drawing/2014/main" id="{0E8E25F0-A1B2-43C9-BAB4-1BDDFE3869C5}"/>
+              </a:ext>
+            </a:extLst>
+          </p:cNvPr>
+          <p:cNvPicPr>
+            <a:picLocks noChangeAspect="1"/>
+          </p:cNvPicPr>
+          <p:nvPr/>
+        </p:nvPicPr>
+        <p:blipFill rotWithShape="1">
+          <a:blip r:embed="rId3">
+            <a:extLst>
+              <a:ext uri="{28A0092B-C50C-407E-A947-70E740481C1C}">
+                <a14:useLocalDpi xmlns:a14="http://schemas.microsoft.com/office/drawing/2010/main" val="0"/>
+              </a:ext>
+            </a:extLst>
+          </a:blip>
+          <a:srcRect l="7508" t="5947" r="4413" b="6068"/>
+          <a:stretch/>
+        </p:blipFill>
+        <p:spPr>
+          <a:xfrm>
+            <a:off x="1" y="2619289"/>
+            <a:ext cx="4572000" cy="3089002"/>
+          </a:xfrm>
+          <a:prstGeom prst="rect">
+            <a:avLst/>
+          </a:prstGeom>
+        </p:spPr>
+      </p:pic>
+      <p:sp>
+        <p:nvSpPr>
+          <p:cNvPr id="6" name="TextBox 5">
+            <a:extLst>
+              <a:ext uri="{FF2B5EF4-FFF2-40B4-BE49-F238E27FC236}">
+                <a16:creationId xmlns:a16="http://schemas.microsoft.com/office/drawing/2014/main" id="{3B353454-593C-4144-96E8-D8E1145ED8C2}"/>
+              </a:ext>
+            </a:extLst>
+          </p:cNvPr>
+          <p:cNvSpPr txBox="1"/>
+          <p:nvPr/>
+        </p:nvSpPr>
+        <p:spPr>
+          <a:xfrm>
+            <a:off x="1765538" y="5783574"/>
+            <a:ext cx="1119217" cy="461665"/>
+          </a:xfrm>
+          <a:prstGeom prst="rect">
+            <a:avLst/>
+          </a:prstGeom>
+          <a:noFill/>
+        </p:spPr>
+        <p:txBody>
+          <a:bodyPr wrap="none" rtlCol="0">
+            <a:spAutoFit/>
+          </a:bodyPr>
+          <a:lstStyle/>
+          <a:p>
+            <a:r>
+              <a:rPr lang="en-CA" sz="2400"/>
+              <a:t>original</a:t>
+            </a:r>
+            <a:endParaRPr lang="en-CA" sz="2400" dirty="0"/>
+          </a:p>
+        </p:txBody>
+      </p:sp>
+      <p:sp>
+        <p:nvSpPr>
+          <p:cNvPr id="8" name="TextBox 7">
+            <a:extLst>
+              <a:ext uri="{FF2B5EF4-FFF2-40B4-BE49-F238E27FC236}">
+                <a16:creationId xmlns:a16="http://schemas.microsoft.com/office/drawing/2014/main" id="{4E25BF7C-0E5D-4CCB-B427-1F8DD667FB1E}"/>
+              </a:ext>
+            </a:extLst>
+          </p:cNvPr>
+          <p:cNvSpPr txBox="1"/>
+          <p:nvPr/>
+        </p:nvSpPr>
+        <p:spPr>
+          <a:xfrm>
+            <a:off x="6413135" y="5783574"/>
+            <a:ext cx="1463029" cy="461665"/>
+          </a:xfrm>
+          <a:prstGeom prst="rect">
+            <a:avLst/>
+          </a:prstGeom>
+          <a:noFill/>
+        </p:spPr>
+        <p:txBody>
+          <a:bodyPr wrap="none" rtlCol="0">
+            <a:spAutoFit/>
+          </a:bodyPr>
+          <a:lstStyle/>
+          <a:p>
+            <a:r>
+              <a:rPr lang="en-CA" sz="2400"/>
+              <a:t>prediction</a:t>
+            </a:r>
+            <a:endParaRPr lang="en-CA" sz="2400" dirty="0"/>
+          </a:p>
+        </p:txBody>
+      </p:sp>
+    </p:spTree>
+    <p:extLst>
+      <p:ext uri="{BB962C8B-B14F-4D97-AF65-F5344CB8AC3E}">
+        <p14:creationId xmlns:p14="http://schemas.microsoft.com/office/powerpoint/2010/main" val="1665466885"/>
+      </p:ext>
+    </p:extLst>
+  </p:cSld>
+  <p:clrMapOvr>
+    <a:masterClrMapping/>
+  </p:clrMapOvr>
+</p:sld>
+</file>
+
+<file path=ppt/slides/slide21.xml><?xml version="1.0" encoding="utf-8"?>
+<p:sld xmlns:a="http://schemas.openxmlformats.org/drawingml/2006/main" xmlns:r="http://schemas.openxmlformats.org/officeDocument/2006/relationships" xmlns:p="http://schemas.openxmlformats.org/presentationml/2006/main">
+  <p:cSld>
+    <p:spTree>
+      <p:nvGrpSpPr>
+        <p:cNvPr id="1" name=""/>
+        <p:cNvGrpSpPr/>
+        <p:nvPr/>
+      </p:nvGrpSpPr>
+      <p:grpSpPr>
+        <a:xfrm>
+          <a:off x="0" y="0"/>
+          <a:ext cx="0" cy="0"/>
+          <a:chOff x="0" y="0"/>
+          <a:chExt cx="0" cy="0"/>
+        </a:xfrm>
+      </p:grpSpPr>
+      <p:sp>
+        <p:nvSpPr>
+          <p:cNvPr id="2" name="TextBox 1">
+            <a:extLst>
+              <a:ext uri="{FF2B5EF4-FFF2-40B4-BE49-F238E27FC236}">
+                <a16:creationId xmlns:a16="http://schemas.microsoft.com/office/drawing/2014/main" id="{D1B82586-1C68-4B8E-BA0B-79E3B0F6852B}"/>
+              </a:ext>
+            </a:extLst>
+          </p:cNvPr>
+          <p:cNvSpPr txBox="1"/>
+          <p:nvPr/>
+        </p:nvSpPr>
+        <p:spPr>
+          <a:xfrm>
+            <a:off x="452487" y="1470582"/>
+            <a:ext cx="1830053" cy="461665"/>
+          </a:xfrm>
+          <a:prstGeom prst="rect">
+            <a:avLst/>
+          </a:prstGeom>
+          <a:noFill/>
+        </p:spPr>
+        <p:txBody>
+          <a:bodyPr wrap="none" rtlCol="0">
+            <a:spAutoFit/>
+          </a:bodyPr>
+          <a:lstStyle/>
+          <a:p>
+            <a:r>
+              <a:rPr lang="en-CA" sz="2400" b="1"/>
+              <a:t>4. Evaluation</a:t>
+            </a:r>
+          </a:p>
+        </p:txBody>
+      </p:sp>
+      <p:sp>
+        <p:nvSpPr>
+          <p:cNvPr id="3" name="TextBox 2">
+            <a:extLst>
+              <a:ext uri="{FF2B5EF4-FFF2-40B4-BE49-F238E27FC236}">
+                <a16:creationId xmlns:a16="http://schemas.microsoft.com/office/drawing/2014/main" id="{1CF21870-6F18-4FEC-A50F-DF05F9344E1B}"/>
+              </a:ext>
+            </a:extLst>
+          </p:cNvPr>
+          <p:cNvSpPr txBox="1"/>
+          <p:nvPr/>
+        </p:nvSpPr>
+        <p:spPr>
+          <a:xfrm>
+            <a:off x="718874" y="2091515"/>
+            <a:ext cx="3310265" cy="2062103"/>
+          </a:xfrm>
+          <a:prstGeom prst="rect">
+            <a:avLst/>
+          </a:prstGeom>
+          <a:noFill/>
+        </p:spPr>
+        <p:txBody>
+          <a:bodyPr wrap="none" rtlCol="0">
+            <a:spAutoFit/>
+          </a:bodyPr>
+          <a:lstStyle/>
+          <a:p>
+            <a:r>
+              <a:rPr lang="en-CA" sz="2800"/>
+              <a:t>Prediction with U-net</a:t>
+            </a:r>
+          </a:p>
+          <a:p>
+            <a:pPr marL="800100" lvl="1" indent="-342900">
+              <a:buFont typeface="Arial" panose="020B0604020202020204" pitchFamily="34" charset="0"/>
+              <a:buChar char="•"/>
+            </a:pPr>
+            <a:endParaRPr lang="en-CA" sz="2000"/>
+          </a:p>
+          <a:p>
+            <a:pPr marL="800100" lvl="1" indent="-342900">
+              <a:buFont typeface="Arial" panose="020B0604020202020204" pitchFamily="34" charset="0"/>
+              <a:buChar char="•"/>
+            </a:pPr>
+            <a:endParaRPr lang="en-CA" sz="2000"/>
+          </a:p>
+          <a:p>
+            <a:pPr marL="342900" indent="-342900">
+              <a:buFont typeface="Arial" panose="020B0604020202020204" pitchFamily="34" charset="0"/>
+              <a:buChar char="•"/>
+            </a:pPr>
+            <a:endParaRPr lang="en-CA" sz="2000"/>
+          </a:p>
+          <a:p>
+            <a:pPr marL="342900" indent="-342900">
+              <a:buFont typeface="Arial" panose="020B0604020202020204" pitchFamily="34" charset="0"/>
+              <a:buChar char="•"/>
+            </a:pPr>
+            <a:endParaRPr lang="en-CA" sz="2000"/>
+          </a:p>
+          <a:p>
+            <a:pPr marL="342900" indent="-342900">
+              <a:buFont typeface="Arial" panose="020B0604020202020204" pitchFamily="34" charset="0"/>
+              <a:buChar char="•"/>
+            </a:pPr>
+            <a:endParaRPr lang="en-CA" sz="2000"/>
+          </a:p>
+        </p:txBody>
+      </p:sp>
+      <p:pic>
+        <p:nvPicPr>
+          <p:cNvPr id="5" name="Picture 4">
+            <a:extLst>
+              <a:ext uri="{FF2B5EF4-FFF2-40B4-BE49-F238E27FC236}">
+                <a16:creationId xmlns:a16="http://schemas.microsoft.com/office/drawing/2014/main" id="{938D6E2E-17CB-4A39-9EFC-1E2FBE42DE9C}"/>
+              </a:ext>
+            </a:extLst>
+          </p:cNvPr>
+          <p:cNvPicPr>
+            <a:picLocks noChangeAspect="1"/>
+          </p:cNvPicPr>
+          <p:nvPr/>
+        </p:nvPicPr>
+        <p:blipFill>
+          <a:blip r:embed="rId2">
+            <a:alphaModFix amt="20000"/>
+            <a:extLst>
+              <a:ext uri="{28A0092B-C50C-407E-A947-70E740481C1C}">
+                <a14:useLocalDpi xmlns:a14="http://schemas.microsoft.com/office/drawing/2010/main" val="0"/>
+              </a:ext>
+            </a:extLst>
+          </a:blip>
+          <a:stretch>
+            <a:fillRect/>
+          </a:stretch>
+        </p:blipFill>
+        <p:spPr>
+          <a:xfrm>
+            <a:off x="4572000" y="2619289"/>
+            <a:ext cx="4572000" cy="3092239"/>
+          </a:xfrm>
+          <a:prstGeom prst="rect">
+            <a:avLst/>
+          </a:prstGeom>
+        </p:spPr>
+      </p:pic>
+      <p:pic>
+        <p:nvPicPr>
+          <p:cNvPr id="7" name="Picture 6">
+            <a:extLst>
+              <a:ext uri="{FF2B5EF4-FFF2-40B4-BE49-F238E27FC236}">
+                <a16:creationId xmlns:a16="http://schemas.microsoft.com/office/drawing/2014/main" id="{0E8E25F0-A1B2-43C9-BAB4-1BDDFE3869C5}"/>
+              </a:ext>
+            </a:extLst>
+          </p:cNvPr>
+          <p:cNvPicPr>
+            <a:picLocks noChangeAspect="1"/>
+          </p:cNvPicPr>
+          <p:nvPr/>
+        </p:nvPicPr>
+        <p:blipFill rotWithShape="1">
+          <a:blip r:embed="rId3">
+            <a:alphaModFix amt="20000"/>
+            <a:extLst>
+              <a:ext uri="{28A0092B-C50C-407E-A947-70E740481C1C}">
+                <a14:useLocalDpi xmlns:a14="http://schemas.microsoft.com/office/drawing/2010/main" val="0"/>
+              </a:ext>
+            </a:extLst>
+          </a:blip>
+          <a:srcRect l="7508" t="5947" r="4413" b="6068"/>
+          <a:stretch/>
+        </p:blipFill>
+        <p:spPr>
+          <a:xfrm>
+            <a:off x="1" y="2619289"/>
+            <a:ext cx="4572000" cy="3089002"/>
+          </a:xfrm>
+          <a:prstGeom prst="rect">
+            <a:avLst/>
+          </a:prstGeom>
+        </p:spPr>
+      </p:pic>
+      <p:sp>
+        <p:nvSpPr>
+          <p:cNvPr id="6" name="TextBox 5">
+            <a:extLst>
+              <a:ext uri="{FF2B5EF4-FFF2-40B4-BE49-F238E27FC236}">
+                <a16:creationId xmlns:a16="http://schemas.microsoft.com/office/drawing/2014/main" id="{3B353454-593C-4144-96E8-D8E1145ED8C2}"/>
+              </a:ext>
+            </a:extLst>
+          </p:cNvPr>
+          <p:cNvSpPr txBox="1"/>
+          <p:nvPr/>
+        </p:nvSpPr>
+        <p:spPr>
+          <a:xfrm>
+            <a:off x="1765538" y="5783574"/>
+            <a:ext cx="1119217" cy="461665"/>
+          </a:xfrm>
+          <a:prstGeom prst="rect">
+            <a:avLst/>
+          </a:prstGeom>
+          <a:noFill/>
+        </p:spPr>
+        <p:txBody>
+          <a:bodyPr wrap="none" rtlCol="0">
+            <a:spAutoFit/>
+          </a:bodyPr>
+          <a:lstStyle/>
+          <a:p>
+            <a:r>
+              <a:rPr lang="en-CA" sz="2400"/>
+              <a:t>original</a:t>
+            </a:r>
+          </a:p>
+        </p:txBody>
+      </p:sp>
+      <p:sp>
+        <p:nvSpPr>
+          <p:cNvPr id="8" name="TextBox 7">
+            <a:extLst>
+              <a:ext uri="{FF2B5EF4-FFF2-40B4-BE49-F238E27FC236}">
+                <a16:creationId xmlns:a16="http://schemas.microsoft.com/office/drawing/2014/main" id="{4E25BF7C-0E5D-4CCB-B427-1F8DD667FB1E}"/>
+              </a:ext>
+            </a:extLst>
+          </p:cNvPr>
+          <p:cNvSpPr txBox="1"/>
+          <p:nvPr/>
+        </p:nvSpPr>
+        <p:spPr>
+          <a:xfrm>
+            <a:off x="6413135" y="5783574"/>
+            <a:ext cx="1463029" cy="461665"/>
+          </a:xfrm>
+          <a:prstGeom prst="rect">
+            <a:avLst/>
+          </a:prstGeom>
+          <a:noFill/>
+        </p:spPr>
+        <p:txBody>
+          <a:bodyPr wrap="none" rtlCol="0">
+            <a:spAutoFit/>
+          </a:bodyPr>
+          <a:lstStyle/>
+          <a:p>
+            <a:r>
+              <a:rPr lang="en-CA" sz="2400"/>
+              <a:t>prediction</a:t>
+            </a:r>
+          </a:p>
+        </p:txBody>
+      </p:sp>
+    </p:spTree>
+    <p:extLst>
+      <p:ext uri="{BB962C8B-B14F-4D97-AF65-F5344CB8AC3E}">
+        <p14:creationId xmlns:p14="http://schemas.microsoft.com/office/powerpoint/2010/main" val="1684824485"/>
+      </p:ext>
+    </p:extLst>
+  </p:cSld>
+  <p:clrMapOvr>
+    <a:masterClrMapping/>
+  </p:clrMapOvr>
+</p:sld>
+</file>
+
+<file path=ppt/slides/slide22.xml><?xml version="1.0" encoding="utf-8"?>
+<p:sld xmlns:a="http://schemas.openxmlformats.org/drawingml/2006/main" xmlns:r="http://schemas.openxmlformats.org/officeDocument/2006/relationships" xmlns:p="http://schemas.openxmlformats.org/presentationml/2006/main">
+  <p:cSld>
+    <p:spTree>
+      <p:nvGrpSpPr>
+        <p:cNvPr id="1" name=""/>
+        <p:cNvGrpSpPr/>
+        <p:nvPr/>
+      </p:nvGrpSpPr>
+      <p:grpSpPr>
+        <a:xfrm>
+          <a:off x="0" y="0"/>
+          <a:ext cx="0" cy="0"/>
+          <a:chOff x="0" y="0"/>
+          <a:chExt cx="0" cy="0"/>
+        </a:xfrm>
+      </p:grpSpPr>
+      <p:sp>
+        <p:nvSpPr>
+          <p:cNvPr id="2" name="TextBox 1">
+            <a:extLst>
+              <a:ext uri="{FF2B5EF4-FFF2-40B4-BE49-F238E27FC236}">
+                <a16:creationId xmlns:a16="http://schemas.microsoft.com/office/drawing/2014/main" id="{D1B82586-1C68-4B8E-BA0B-79E3B0F6852B}"/>
+              </a:ext>
+            </a:extLst>
+          </p:cNvPr>
+          <p:cNvSpPr txBox="1"/>
+          <p:nvPr/>
+        </p:nvSpPr>
+        <p:spPr>
+          <a:xfrm>
+            <a:off x="452487" y="1470582"/>
+            <a:ext cx="1830053" cy="461665"/>
+          </a:xfrm>
+          <a:prstGeom prst="rect">
+            <a:avLst/>
+          </a:prstGeom>
+          <a:noFill/>
+        </p:spPr>
+        <p:txBody>
+          <a:bodyPr wrap="none" rtlCol="0">
+            <a:spAutoFit/>
+          </a:bodyPr>
+          <a:lstStyle/>
+          <a:p>
+            <a:r>
+              <a:rPr lang="en-CA" sz="2400" b="1"/>
+              <a:t>4. Evaluation</a:t>
+            </a:r>
+          </a:p>
+        </p:txBody>
+      </p:sp>
+      <mc:AlternateContent xmlns:mc="http://schemas.openxmlformats.org/markup-compatibility/2006">
+        <mc:Choice xmlns:a14="http://schemas.microsoft.com/office/drawing/2010/main" Requires="a14">
+          <p:sp>
+            <p:nvSpPr>
+              <p:cNvPr id="3" name="TextBox 2">
+                <a:extLst>
+                  <a:ext uri="{FF2B5EF4-FFF2-40B4-BE49-F238E27FC236}">
+                    <a16:creationId xmlns:a16="http://schemas.microsoft.com/office/drawing/2014/main" id="{1CF21870-6F18-4FEC-A50F-DF05F9344E1B}"/>
+                  </a:ext>
+                </a:extLst>
+              </p:cNvPr>
+              <p:cNvSpPr txBox="1"/>
+              <p:nvPr/>
+            </p:nvSpPr>
+            <p:spPr>
+              <a:xfrm>
+                <a:off x="718874" y="2196445"/>
+                <a:ext cx="7503977" cy="4574266"/>
+              </a:xfrm>
+              <a:prstGeom prst="rect">
+                <a:avLst/>
+              </a:prstGeom>
+              <a:noFill/>
+            </p:spPr>
+            <p:txBody>
+              <a:bodyPr wrap="square" rtlCol="0">
+                <a:spAutoFit/>
+              </a:bodyPr>
+              <a:lstStyle/>
+              <a:p>
+                <a:pPr marL="342900" indent="-342900">
+                  <a:lnSpc>
+                    <a:spcPct val="150000"/>
+                  </a:lnSpc>
+                  <a:buFont typeface="Arial" panose="020B0604020202020204" pitchFamily="34" charset="0"/>
+                  <a:buChar char="•"/>
+                </a:pPr>
+                <a:r>
+                  <a:rPr lang="en-CA" sz="2800" dirty="0"/>
+                  <a:t>Metrics for evaluation</a:t>
+                </a:r>
+              </a:p>
+              <a:p>
+                <a:pPr marL="800100" lvl="1" indent="-342900">
+                  <a:lnSpc>
+                    <a:spcPct val="150000"/>
+                  </a:lnSpc>
+                  <a:buFont typeface="Arial" panose="020B0604020202020204" pitchFamily="34" charset="0"/>
+                  <a:buChar char="•"/>
+                </a:pPr>
+                <a:r>
+                  <a:rPr lang="en-CA" sz="2000" b="1" dirty="0" err="1"/>
+                  <a:t>Hausdorff</a:t>
+                </a:r>
+                <a:r>
+                  <a:rPr lang="en-CA" sz="2000" b="1" dirty="0"/>
+                  <a:t> distance</a:t>
+                </a:r>
+                <a:br>
+                  <a:rPr lang="en-CA" sz="2000" dirty="0"/>
+                </a:br>
+                <a:r>
+                  <a:rPr lang="en-US" sz="2000" i="1" dirty="0"/>
+                  <a:t>maximum distance of a </a:t>
+                </a:r>
+                <a:br>
+                  <a:rPr lang="en-US" sz="2000" i="1" dirty="0"/>
+                </a:br>
+                <a:r>
+                  <a:rPr lang="en-US" sz="2000" i="1" dirty="0"/>
+                  <a:t>element in a set to the </a:t>
+                </a:r>
+                <a:br>
+                  <a:rPr lang="en-US" sz="2000" i="1" dirty="0"/>
+                </a:br>
+                <a:r>
+                  <a:rPr lang="en-US" sz="2000" i="1" dirty="0"/>
+                  <a:t>nearest element in the other set</a:t>
+                </a:r>
+              </a:p>
+              <a:p>
+                <a:pPr lvl="1">
+                  <a:lnSpc>
+                    <a:spcPct val="150000"/>
+                  </a:lnSpc>
+                </a:pPr>
+                <a:endParaRPr lang="en-US" sz="2000" i="1" dirty="0"/>
+              </a:p>
+              <a:p>
+                <a:pPr lvl="1">
+                  <a:lnSpc>
+                    <a:spcPct val="150000"/>
+                  </a:lnSpc>
+                </a:pPr>
+                <a:r>
+                  <a:rPr lang="en-US" sz="2000" i="1" dirty="0"/>
+                  <a:t>	</a:t>
+                </a:r>
+                <a14:m>
+                  <m:oMath xmlns:m="http://schemas.openxmlformats.org/officeDocument/2006/math">
+                    <m:sSub>
+                      <m:sSubPr>
+                        <m:ctrlPr>
+                          <a:rPr lang="de-DE" sz="2000" b="0" i="1" smtClean="0">
+                            <a:latin typeface="Cambria Math" panose="02040503050406030204" pitchFamily="18" charset="0"/>
+                          </a:rPr>
+                        </m:ctrlPr>
+                      </m:sSubPr>
+                      <m:e>
+                        <m:r>
+                          <a:rPr lang="de-DE" sz="2000" b="0" i="1" smtClean="0">
+                            <a:latin typeface="Cambria Math" panose="02040503050406030204" pitchFamily="18" charset="0"/>
+                          </a:rPr>
+                          <m:t>𝑑</m:t>
+                        </m:r>
+                      </m:e>
+                      <m:sub>
+                        <m:r>
+                          <a:rPr lang="de-DE" sz="2000" b="0" i="1" smtClean="0">
+                            <a:latin typeface="Cambria Math" panose="02040503050406030204" pitchFamily="18" charset="0"/>
+                          </a:rPr>
+                          <m:t>h𝑎𝑢𝑠𝑑𝑜𝑟𝑓𝑓</m:t>
+                        </m:r>
+                      </m:sub>
+                    </m:sSub>
+                    <m:d>
+                      <m:dPr>
+                        <m:ctrlPr>
+                          <a:rPr lang="de-DE" sz="2000" b="0" i="1" smtClean="0">
+                            <a:latin typeface="Cambria Math" panose="02040503050406030204" pitchFamily="18" charset="0"/>
+                          </a:rPr>
+                        </m:ctrlPr>
+                      </m:dPr>
+                      <m:e>
+                        <m:r>
+                          <a:rPr lang="de-DE" sz="2000" b="0" i="1" smtClean="0">
+                            <a:latin typeface="Cambria Math" panose="02040503050406030204" pitchFamily="18" charset="0"/>
+                          </a:rPr>
+                          <m:t>𝐴</m:t>
+                        </m:r>
+                        <m:r>
+                          <a:rPr lang="de-DE" sz="2000" b="0" i="1" smtClean="0">
+                            <a:latin typeface="Cambria Math" panose="02040503050406030204" pitchFamily="18" charset="0"/>
+                          </a:rPr>
+                          <m:t>,</m:t>
+                        </m:r>
+                        <m:r>
+                          <a:rPr lang="de-DE" sz="2000" b="0" i="1" smtClean="0">
+                            <a:latin typeface="Cambria Math" panose="02040503050406030204" pitchFamily="18" charset="0"/>
+                          </a:rPr>
+                          <m:t>𝐵</m:t>
+                        </m:r>
+                      </m:e>
+                    </m:d>
+                    <m:r>
+                      <a:rPr lang="de-DE" sz="2000" b="0" i="1" smtClean="0">
+                        <a:latin typeface="Cambria Math" panose="02040503050406030204" pitchFamily="18" charset="0"/>
+                      </a:rPr>
+                      <m:t> =</m:t>
+                    </m:r>
+                    <m:func>
+                      <m:funcPr>
+                        <m:ctrlPr>
+                          <a:rPr lang="de-DE" sz="2000" b="0" i="1" smtClean="0">
+                            <a:latin typeface="Cambria Math" panose="02040503050406030204" pitchFamily="18" charset="0"/>
+                          </a:rPr>
+                        </m:ctrlPr>
+                      </m:funcPr>
+                      <m:fName>
+                        <m:limLow>
+                          <m:limLowPr>
+                            <m:ctrlPr>
+                              <a:rPr lang="de-DE" sz="2000" b="0" i="0" smtClean="0">
+                                <a:latin typeface="Cambria Math" panose="02040503050406030204" pitchFamily="18" charset="0"/>
+                              </a:rPr>
+                            </m:ctrlPr>
+                          </m:limLowPr>
+                          <m:e>
+                            <m:r>
+                              <m:rPr>
+                                <m:sty m:val="p"/>
+                              </m:rPr>
+                              <a:rPr lang="de-DE" sz="2000" b="0" i="0" smtClean="0">
+                                <a:latin typeface="Cambria Math" panose="02040503050406030204" pitchFamily="18" charset="0"/>
+                              </a:rPr>
+                              <m:t>max</m:t>
+                            </m:r>
+                          </m:e>
+                          <m:lim>
+                            <m:r>
+                              <a:rPr lang="de-DE" sz="2000" b="0" i="1" smtClean="0">
+                                <a:latin typeface="Cambria Math" panose="02040503050406030204" pitchFamily="18" charset="0"/>
+                              </a:rPr>
+                              <m:t>𝑎</m:t>
+                            </m:r>
+                            <m:r>
+                              <a:rPr lang="de-DE" sz="2000" b="0" i="1" smtClean="0">
+                                <a:latin typeface="Cambria Math" panose="02040503050406030204" pitchFamily="18" charset="0"/>
+                              </a:rPr>
+                              <m:t> ∈ </m:t>
+                            </m:r>
+                            <m:r>
+                              <a:rPr lang="de-DE" sz="2000" b="0" i="1" smtClean="0">
+                                <a:latin typeface="Cambria Math" panose="02040503050406030204" pitchFamily="18" charset="0"/>
+                              </a:rPr>
+                              <m:t>𝐴</m:t>
+                            </m:r>
+                          </m:lim>
+                        </m:limLow>
+                      </m:fName>
+                      <m:e>
+                        <m:r>
+                          <a:rPr lang="de-DE" sz="2000" b="0" i="1" smtClean="0">
+                            <a:latin typeface="Cambria Math" panose="02040503050406030204" pitchFamily="18" charset="0"/>
+                          </a:rPr>
+                          <m:t> ( </m:t>
+                        </m:r>
+                        <m:func>
+                          <m:funcPr>
+                            <m:ctrlPr>
+                              <a:rPr lang="de-DE" sz="2000" b="0" i="1" smtClean="0">
+                                <a:latin typeface="Cambria Math" panose="02040503050406030204" pitchFamily="18" charset="0"/>
+                              </a:rPr>
+                            </m:ctrlPr>
+                          </m:funcPr>
+                          <m:fName>
+                            <m:limLow>
+                              <m:limLowPr>
+                                <m:ctrlPr>
+                                  <a:rPr lang="de-DE" sz="2000" b="0" i="0" smtClean="0">
+                                    <a:latin typeface="Cambria Math" panose="02040503050406030204" pitchFamily="18" charset="0"/>
+                                  </a:rPr>
+                                </m:ctrlPr>
+                              </m:limLowPr>
+                              <m:e>
+                                <m:r>
+                                  <m:rPr>
+                                    <m:sty m:val="p"/>
+                                  </m:rPr>
+                                  <a:rPr lang="de-DE" sz="2000" b="0" i="0" smtClean="0">
+                                    <a:latin typeface="Cambria Math" panose="02040503050406030204" pitchFamily="18" charset="0"/>
+                                  </a:rPr>
+                                  <m:t>min</m:t>
+                                </m:r>
+                              </m:e>
+                              <m:lim>
+                                <m:r>
+                                  <m:rPr>
+                                    <m:sty m:val="p"/>
+                                  </m:rPr>
+                                  <a:rPr lang="de-DE" sz="2000" b="0" i="0" smtClean="0">
+                                    <a:latin typeface="Cambria Math" panose="02040503050406030204" pitchFamily="18" charset="0"/>
+                                  </a:rPr>
+                                  <m:t>b</m:t>
+                                </m:r>
+                                <m:r>
+                                  <a:rPr lang="de-DE" sz="2000" b="0" i="1" smtClean="0">
+                                    <a:latin typeface="Cambria Math" panose="02040503050406030204" pitchFamily="18" charset="0"/>
+                                  </a:rPr>
+                                  <m:t> </m:t>
+                                </m:r>
+                                <m:r>
+                                  <a:rPr lang="de-DE" sz="2000" b="0" i="1" smtClean="0">
+                                    <a:latin typeface="Cambria Math" panose="02040503050406030204" pitchFamily="18" charset="0"/>
+                                    <a:ea typeface="Cambria Math" panose="02040503050406030204" pitchFamily="18" charset="0"/>
+                                  </a:rPr>
+                                  <m:t>∈ </m:t>
+                                </m:r>
+                                <m:r>
+                                  <m:rPr>
+                                    <m:sty m:val="p"/>
+                                  </m:rPr>
+                                  <a:rPr lang="de-DE" sz="2000" b="0" i="0" smtClean="0">
+                                    <a:latin typeface="Cambria Math" panose="02040503050406030204" pitchFamily="18" charset="0"/>
+                                    <a:ea typeface="Cambria Math" panose="02040503050406030204" pitchFamily="18" charset="0"/>
+                                  </a:rPr>
+                                  <m:t>B</m:t>
+                                </m:r>
+                              </m:lim>
+                            </m:limLow>
+                            <m:r>
+                              <a:rPr lang="de-DE" sz="2000" b="0" i="0" smtClean="0">
+                                <a:latin typeface="Cambria Math" panose="02040503050406030204" pitchFamily="18" charset="0"/>
+                              </a:rPr>
+                              <m:t> </m:t>
+                            </m:r>
+                          </m:fName>
+                          <m:e>
+                            <m:r>
+                              <a:rPr lang="de-DE" sz="2000" b="0" i="1" smtClean="0">
+                                <a:latin typeface="Cambria Math" panose="02040503050406030204" pitchFamily="18" charset="0"/>
+                              </a:rPr>
+                              <m:t>𝑑</m:t>
+                            </m:r>
+                            <m:d>
+                              <m:dPr>
+                                <m:ctrlPr>
+                                  <a:rPr lang="de-DE" sz="2000" b="0" i="1" smtClean="0">
+                                    <a:latin typeface="Cambria Math" panose="02040503050406030204" pitchFamily="18" charset="0"/>
+                                  </a:rPr>
+                                </m:ctrlPr>
+                              </m:dPr>
+                              <m:e>
+                                <m:r>
+                                  <a:rPr lang="de-DE" sz="2000" b="0" i="1" smtClean="0">
+                                    <a:latin typeface="Cambria Math" panose="02040503050406030204" pitchFamily="18" charset="0"/>
+                                  </a:rPr>
+                                  <m:t>𝑎</m:t>
+                                </m:r>
+                                <m:r>
+                                  <a:rPr lang="de-DE" sz="2000" b="0" i="1" smtClean="0">
+                                    <a:latin typeface="Cambria Math" panose="02040503050406030204" pitchFamily="18" charset="0"/>
+                                  </a:rPr>
+                                  <m:t>,</m:t>
+                                </m:r>
+                                <m:r>
+                                  <a:rPr lang="de-DE" sz="2000" b="0" i="1" smtClean="0">
+                                    <a:latin typeface="Cambria Math" panose="02040503050406030204" pitchFamily="18" charset="0"/>
+                                  </a:rPr>
+                                  <m:t>𝑏</m:t>
+                                </m:r>
+                              </m:e>
+                            </m:d>
+                            <m:r>
+                              <a:rPr lang="de-DE" sz="2000" b="0" i="1" smtClean="0">
+                                <a:latin typeface="Cambria Math" panose="02040503050406030204" pitchFamily="18" charset="0"/>
+                              </a:rPr>
+                              <m:t> )</m:t>
+                            </m:r>
+                          </m:e>
+                        </m:func>
+                      </m:e>
+                    </m:func>
+                  </m:oMath>
+                </a14:m>
+                <a:endParaRPr lang="en-CA" sz="2000" dirty="0"/>
+              </a:p>
+              <a:p>
+                <a:pPr marL="342900" indent="-342900">
+                  <a:buFont typeface="Arial" panose="020B0604020202020204" pitchFamily="34" charset="0"/>
+                  <a:buChar char="•"/>
+                </a:pPr>
+                <a:endParaRPr lang="en-CA" sz="2000" dirty="0"/>
+              </a:p>
+              <a:p>
+                <a:pPr marL="342900" indent="-342900">
+                  <a:buFont typeface="Arial" panose="020B0604020202020204" pitchFamily="34" charset="0"/>
+                  <a:buChar char="•"/>
+                </a:pPr>
+                <a:endParaRPr lang="en-CA" sz="2000" dirty="0"/>
+              </a:p>
+              <a:p>
+                <a:pPr marL="342900" indent="-342900">
+                  <a:buFont typeface="Arial" panose="020B0604020202020204" pitchFamily="34" charset="0"/>
+                  <a:buChar char="•"/>
+                </a:pPr>
+                <a:endParaRPr lang="en-CA" sz="2000" dirty="0"/>
+              </a:p>
+            </p:txBody>
+          </p:sp>
+        </mc:Choice>
+        <mc:Fallback>
+          <p:sp>
+            <p:nvSpPr>
+              <p:cNvPr id="3" name="TextBox 2">
+                <a:extLst>
+                  <a:ext uri="{FF2B5EF4-FFF2-40B4-BE49-F238E27FC236}">
+                    <a16:creationId xmlns:a16="http://schemas.microsoft.com/office/drawing/2014/main" id="{1CF21870-6F18-4FEC-A50F-DF05F9344E1B}"/>
+                  </a:ext>
+                </a:extLst>
+              </p:cNvPr>
+              <p:cNvSpPr txBox="1">
+                <a:spLocks noRot="1" noChangeAspect="1" noMove="1" noResize="1" noEditPoints="1" noAdjustHandles="1" noChangeArrowheads="1" noChangeShapeType="1" noTextEdit="1"/>
+              </p:cNvSpPr>
+              <p:nvPr/>
+            </p:nvSpPr>
+            <p:spPr>
+              <a:xfrm>
+                <a:off x="718874" y="2196445"/>
+                <a:ext cx="7503977" cy="4574266"/>
+              </a:xfrm>
+              <a:prstGeom prst="rect">
+                <a:avLst/>
+              </a:prstGeom>
+              <a:blipFill>
+                <a:blip r:embed="rId2"/>
+                <a:stretch>
+                  <a:fillRect l="-1462"/>
+                </a:stretch>
+              </a:blipFill>
+            </p:spPr>
+            <p:txBody>
+              <a:bodyPr/>
+              <a:lstStyle/>
+              <a:p>
+                <a:r>
+                  <a:rPr lang="en-CA">
+                    <a:noFill/>
+                  </a:rPr>
+                  <a:t> </a:t>
+                </a:r>
+              </a:p>
+            </p:txBody>
+          </p:sp>
+        </mc:Fallback>
+      </mc:AlternateContent>
+      <p:pic>
+        <p:nvPicPr>
+          <p:cNvPr id="1028" name="Picture 4" descr="Image result for hausdorff distance">
+            <a:extLst>
+              <a:ext uri="{FF2B5EF4-FFF2-40B4-BE49-F238E27FC236}">
+                <a16:creationId xmlns:a16="http://schemas.microsoft.com/office/drawing/2014/main" id="{33EF9816-3849-4C2D-8DCB-7EB86CA67A9A}"/>
+              </a:ext>
+            </a:extLst>
+          </p:cNvPr>
+          <p:cNvPicPr>
+            <a:picLocks noChangeAspect="1" noChangeArrowheads="1"/>
+          </p:cNvPicPr>
+          <p:nvPr/>
+        </p:nvPicPr>
+        <p:blipFill>
+          <a:blip r:embed="rId3">
+            <a:extLst>
+              <a:ext uri="{28A0092B-C50C-407E-A947-70E740481C1C}">
+                <a14:useLocalDpi xmlns:a14="http://schemas.microsoft.com/office/drawing/2010/main" val="0"/>
+              </a:ext>
+            </a:extLst>
+          </a:blip>
+          <a:srcRect/>
+          <a:stretch>
+            <a:fillRect/>
+          </a:stretch>
+        </p:blipFill>
+        <p:spPr bwMode="auto">
+          <a:xfrm>
+            <a:off x="4420919" y="1776334"/>
+            <a:ext cx="4270594" cy="2457850"/>
+          </a:xfrm>
+          <a:prstGeom prst="rect">
+            <a:avLst/>
+          </a:prstGeom>
+          <a:noFill/>
+          <a:extLst>
+            <a:ext uri="{909E8E84-426E-40DD-AFC4-6F175D3DCCD1}">
+              <a14:hiddenFill xmlns:a14="http://schemas.microsoft.com/office/drawing/2010/main">
+                <a:solidFill>
+                  <a:srgbClr val="FFFFFF"/>
+                </a:solidFill>
+              </a14:hiddenFill>
+            </a:ext>
+          </a:extLst>
+        </p:spPr>
+      </p:pic>
+    </p:spTree>
+    <p:extLst>
+      <p:ext uri="{BB962C8B-B14F-4D97-AF65-F5344CB8AC3E}">
+        <p14:creationId xmlns:p14="http://schemas.microsoft.com/office/powerpoint/2010/main" val="2043895752"/>
+      </p:ext>
+    </p:extLst>
+  </p:cSld>
+  <p:clrMapOvr>
+    <a:masterClrMapping/>
+  </p:clrMapOvr>
+</p:sld>
+</file>
+
+<file path=ppt/slides/slide23.xml><?xml version="1.0" encoding="utf-8"?>
+<p:sld xmlns:a="http://schemas.openxmlformats.org/drawingml/2006/main" xmlns:r="http://schemas.openxmlformats.org/officeDocument/2006/relationships" xmlns:p="http://schemas.openxmlformats.org/presentationml/2006/main">
+  <p:cSld>
+    <p:spTree>
+      <p:nvGrpSpPr>
+        <p:cNvPr id="1" name=""/>
+        <p:cNvGrpSpPr/>
+        <p:nvPr/>
+      </p:nvGrpSpPr>
+      <p:grpSpPr>
+        <a:xfrm>
+          <a:off x="0" y="0"/>
+          <a:ext cx="0" cy="0"/>
+          <a:chOff x="0" y="0"/>
+          <a:chExt cx="0" cy="0"/>
+        </a:xfrm>
+      </p:grpSpPr>
+      <p:sp>
+        <p:nvSpPr>
+          <p:cNvPr id="2" name="TextBox 1">
+            <a:extLst>
+              <a:ext uri="{FF2B5EF4-FFF2-40B4-BE49-F238E27FC236}">
+                <a16:creationId xmlns:a16="http://schemas.microsoft.com/office/drawing/2014/main" id="{D1B82586-1C68-4B8E-BA0B-79E3B0F6852B}"/>
+              </a:ext>
+            </a:extLst>
+          </p:cNvPr>
+          <p:cNvSpPr txBox="1"/>
+          <p:nvPr/>
+        </p:nvSpPr>
+        <p:spPr>
+          <a:xfrm>
+            <a:off x="452487" y="1470582"/>
+            <a:ext cx="1830053" cy="461665"/>
+          </a:xfrm>
+          <a:prstGeom prst="rect">
+            <a:avLst/>
+          </a:prstGeom>
+          <a:noFill/>
+        </p:spPr>
+        <p:txBody>
+          <a:bodyPr wrap="none" rtlCol="0">
+            <a:spAutoFit/>
+          </a:bodyPr>
+          <a:lstStyle/>
+          <a:p>
+            <a:r>
+              <a:rPr lang="en-CA" sz="2400" b="1"/>
+              <a:t>4. Evaluation</a:t>
+            </a:r>
+          </a:p>
+        </p:txBody>
+      </p:sp>
+      <mc:AlternateContent xmlns:mc="http://schemas.openxmlformats.org/markup-compatibility/2006">
+        <mc:Choice xmlns:a14="http://schemas.microsoft.com/office/drawing/2010/main" Requires="a14">
+          <p:sp>
+            <p:nvSpPr>
+              <p:cNvPr id="3" name="TextBox 2">
+                <a:extLst>
+                  <a:ext uri="{FF2B5EF4-FFF2-40B4-BE49-F238E27FC236}">
+                    <a16:creationId xmlns:a16="http://schemas.microsoft.com/office/drawing/2014/main" id="{1CF21870-6F18-4FEC-A50F-DF05F9344E1B}"/>
+                  </a:ext>
+                </a:extLst>
+              </p:cNvPr>
+              <p:cNvSpPr txBox="1"/>
+              <p:nvPr/>
+            </p:nvSpPr>
+            <p:spPr>
+              <a:xfrm>
+                <a:off x="718874" y="2196445"/>
+                <a:ext cx="7503977" cy="4924618"/>
+              </a:xfrm>
+              <a:prstGeom prst="rect">
+                <a:avLst/>
+              </a:prstGeom>
+              <a:noFill/>
+            </p:spPr>
+            <p:txBody>
+              <a:bodyPr wrap="square" rtlCol="0">
+                <a:spAutoFit/>
+              </a:bodyPr>
+              <a:lstStyle/>
+              <a:p>
+                <a:pPr marL="342900" indent="-342900">
+                  <a:lnSpc>
+                    <a:spcPct val="150000"/>
+                  </a:lnSpc>
+                  <a:buFont typeface="Arial" panose="020B0604020202020204" pitchFamily="34" charset="0"/>
+                  <a:buChar char="•"/>
+                </a:pPr>
+                <a:r>
+                  <a:rPr lang="en-CA" sz="2800" dirty="0"/>
+                  <a:t>Metrics for evaluation</a:t>
+                </a:r>
+              </a:p>
+              <a:p>
+                <a:pPr marL="800100" lvl="1" indent="-342900">
+                  <a:lnSpc>
+                    <a:spcPct val="150000"/>
+                  </a:lnSpc>
+                  <a:buFont typeface="Arial" panose="020B0604020202020204" pitchFamily="34" charset="0"/>
+                  <a:buChar char="•"/>
+                </a:pPr>
+                <a:r>
+                  <a:rPr lang="en-CA" sz="2000" b="1" dirty="0"/>
+                  <a:t>Mean distance</a:t>
+                </a:r>
+                <a:br>
+                  <a:rPr lang="en-CA" sz="2000" dirty="0"/>
+                </a:br>
+                <a:r>
+                  <a:rPr lang="en-US" sz="2000" i="1" dirty="0"/>
+                  <a:t>average over distances of </a:t>
+                </a:r>
+                <a:br>
+                  <a:rPr lang="en-US" sz="2000" i="1" dirty="0"/>
+                </a:br>
+                <a:r>
+                  <a:rPr lang="en-US" sz="2000" i="1" dirty="0"/>
+                  <a:t>all elements in one set to </a:t>
+                </a:r>
+                <a:br>
+                  <a:rPr lang="en-US" sz="2000" i="1" dirty="0"/>
+                </a:br>
+                <a:r>
+                  <a:rPr lang="en-US" sz="2000" i="1" dirty="0"/>
+                  <a:t>the nearest element in the other set</a:t>
+                </a:r>
+              </a:p>
+              <a:p>
+                <a:pPr marL="800100" lvl="1" indent="-342900">
+                  <a:lnSpc>
+                    <a:spcPct val="150000"/>
+                  </a:lnSpc>
+                  <a:buFont typeface="Arial" panose="020B0604020202020204" pitchFamily="34" charset="0"/>
+                  <a:buChar char="•"/>
+                </a:pPr>
+                <a:endParaRPr lang="en-US" sz="2000" i="1" dirty="0"/>
+              </a:p>
+              <a:p>
+                <a:pPr lvl="1">
+                  <a:lnSpc>
+                    <a:spcPct val="150000"/>
+                  </a:lnSpc>
+                </a:pPr>
+                <a:r>
+                  <a:rPr lang="en-US" sz="2000" i="1" dirty="0"/>
+                  <a:t>	</a:t>
+                </a:r>
+                <a14:m>
+                  <m:oMath xmlns:m="http://schemas.openxmlformats.org/officeDocument/2006/math">
+                    <m:sSub>
+                      <m:sSubPr>
+                        <m:ctrlPr>
+                          <a:rPr lang="de-DE" sz="2000" b="0" i="1" smtClean="0">
+                            <a:latin typeface="Cambria Math" panose="02040503050406030204" pitchFamily="18" charset="0"/>
+                          </a:rPr>
+                        </m:ctrlPr>
+                      </m:sSubPr>
+                      <m:e>
+                        <m:r>
+                          <a:rPr lang="de-DE" sz="2000" b="0" i="1" smtClean="0">
+                            <a:latin typeface="Cambria Math" panose="02040503050406030204" pitchFamily="18" charset="0"/>
+                          </a:rPr>
+                          <m:t>𝑑</m:t>
+                        </m:r>
+                      </m:e>
+                      <m:sub>
+                        <m:r>
+                          <a:rPr lang="de-DE" sz="2000" b="0" i="1" smtClean="0">
+                            <a:latin typeface="Cambria Math" panose="02040503050406030204" pitchFamily="18" charset="0"/>
+                          </a:rPr>
+                          <m:t>𝑚𝑒𝑎𝑛</m:t>
+                        </m:r>
+                      </m:sub>
+                    </m:sSub>
+                    <m:d>
+                      <m:dPr>
+                        <m:ctrlPr>
+                          <a:rPr lang="de-DE" sz="2000" b="0" i="1" smtClean="0">
+                            <a:latin typeface="Cambria Math" panose="02040503050406030204" pitchFamily="18" charset="0"/>
+                          </a:rPr>
+                        </m:ctrlPr>
+                      </m:dPr>
+                      <m:e>
+                        <m:r>
+                          <a:rPr lang="de-DE" sz="2000" b="0" i="1" smtClean="0">
+                            <a:latin typeface="Cambria Math" panose="02040503050406030204" pitchFamily="18" charset="0"/>
+                          </a:rPr>
+                          <m:t>𝐴</m:t>
+                        </m:r>
+                        <m:r>
+                          <a:rPr lang="de-DE" sz="2000" b="0" i="1" smtClean="0">
+                            <a:latin typeface="Cambria Math" panose="02040503050406030204" pitchFamily="18" charset="0"/>
+                          </a:rPr>
+                          <m:t>,</m:t>
+                        </m:r>
+                        <m:r>
+                          <a:rPr lang="de-DE" sz="2000" b="0" i="1" smtClean="0">
+                            <a:latin typeface="Cambria Math" panose="02040503050406030204" pitchFamily="18" charset="0"/>
+                          </a:rPr>
+                          <m:t>𝐵</m:t>
+                        </m:r>
+                      </m:e>
+                    </m:d>
+                    <m:r>
+                      <a:rPr lang="de-DE" sz="2000" b="0" i="1" smtClean="0">
+                        <a:latin typeface="Cambria Math" panose="02040503050406030204" pitchFamily="18" charset="0"/>
+                      </a:rPr>
+                      <m:t> =</m:t>
+                    </m:r>
+                    <m:func>
+                      <m:funcPr>
+                        <m:ctrlPr>
+                          <a:rPr lang="de-DE" sz="2000" b="0" i="1" smtClean="0">
+                            <a:latin typeface="Cambria Math" panose="02040503050406030204" pitchFamily="18" charset="0"/>
+                          </a:rPr>
+                        </m:ctrlPr>
+                      </m:funcPr>
+                      <m:fName>
+                        <m:limLow>
+                          <m:limLowPr>
+                            <m:ctrlPr>
+                              <a:rPr lang="de-DE" sz="2000" b="0" i="0" smtClean="0">
+                                <a:latin typeface="Cambria Math" panose="02040503050406030204" pitchFamily="18" charset="0"/>
+                              </a:rPr>
+                            </m:ctrlPr>
+                          </m:limLowPr>
+                          <m:e>
+                            <m:f>
+                              <m:fPr>
+                                <m:ctrlPr>
+                                  <a:rPr lang="de-DE" sz="2000" b="0" i="1" smtClean="0">
+                                    <a:latin typeface="Cambria Math" panose="02040503050406030204" pitchFamily="18" charset="0"/>
+                                  </a:rPr>
+                                </m:ctrlPr>
+                              </m:fPr>
+                              <m:num>
+                                <m:r>
+                                  <a:rPr lang="de-DE" sz="2000" b="0" i="1" smtClean="0">
+                                    <a:latin typeface="Cambria Math" panose="02040503050406030204" pitchFamily="18" charset="0"/>
+                                  </a:rPr>
+                                  <m:t>1</m:t>
+                                </m:r>
+                              </m:num>
+                              <m:den>
+                                <m:r>
+                                  <a:rPr lang="de-DE" sz="2000" b="0" i="1" smtClean="0">
+                                    <a:latin typeface="Cambria Math" panose="02040503050406030204" pitchFamily="18" charset="0"/>
+                                  </a:rPr>
+                                  <m:t>|</m:t>
+                                </m:r>
+                                <m:r>
+                                  <a:rPr lang="de-DE" sz="2000" b="0" i="1" smtClean="0">
+                                    <a:latin typeface="Cambria Math" panose="02040503050406030204" pitchFamily="18" charset="0"/>
+                                  </a:rPr>
+                                  <m:t>𝐴</m:t>
+                                </m:r>
+                                <m:r>
+                                  <a:rPr lang="de-DE" sz="2000" b="0" i="1" smtClean="0">
+                                    <a:latin typeface="Cambria Math" panose="02040503050406030204" pitchFamily="18" charset="0"/>
+                                  </a:rPr>
+                                  <m:t>|</m:t>
+                                </m:r>
+                              </m:den>
+                            </m:f>
+                            <m:r>
+                              <a:rPr lang="de-DE" sz="2000" b="0" i="1" smtClean="0">
+                                <a:latin typeface="Cambria Math" panose="02040503050406030204" pitchFamily="18" charset="0"/>
+                              </a:rPr>
+                              <m:t> </m:t>
+                            </m:r>
+                            <m:nary>
+                              <m:naryPr>
+                                <m:chr m:val="∑"/>
+                                <m:limLoc m:val="subSup"/>
+                                <m:supHide m:val="on"/>
+                                <m:ctrlPr>
+                                  <a:rPr lang="de-DE" sz="2000" b="0" i="1" smtClean="0">
+                                    <a:latin typeface="Cambria Math" panose="02040503050406030204" pitchFamily="18" charset="0"/>
+                                  </a:rPr>
+                                </m:ctrlPr>
+                              </m:naryPr>
+                              <m:sub>
+                                <m:r>
+                                  <a:rPr lang="de-DE" sz="2000" i="1">
+                                    <a:latin typeface="Cambria Math" panose="02040503050406030204" pitchFamily="18" charset="0"/>
+                                  </a:rPr>
+                                  <m:t>𝑎</m:t>
+                                </m:r>
+                                <m:r>
+                                  <a:rPr lang="de-DE" sz="2000" i="1">
+                                    <a:latin typeface="Cambria Math" panose="02040503050406030204" pitchFamily="18" charset="0"/>
+                                  </a:rPr>
+                                  <m:t> ∈</m:t>
+                                </m:r>
+                                <m:r>
+                                  <a:rPr lang="de-DE" sz="2000" b="0" i="1" smtClean="0">
+                                    <a:latin typeface="Cambria Math" panose="02040503050406030204" pitchFamily="18" charset="0"/>
+                                  </a:rPr>
+                                  <m:t>𝐴</m:t>
+                                </m:r>
+                              </m:sub>
+                              <m:sup/>
+                              <m:e>
+                                <m:r>
+                                  <a:rPr lang="de-DE" sz="2000" b="0" i="1" smtClean="0">
+                                    <a:latin typeface="Cambria Math" panose="02040503050406030204" pitchFamily="18" charset="0"/>
+                                  </a:rPr>
+                                  <m:t> </m:t>
+                                </m:r>
+                                <m:func>
+                                  <m:funcPr>
+                                    <m:ctrlPr>
+                                      <a:rPr lang="de-DE" sz="2000" i="1">
+                                        <a:latin typeface="Cambria Math" panose="02040503050406030204" pitchFamily="18" charset="0"/>
+                                      </a:rPr>
+                                    </m:ctrlPr>
+                                  </m:funcPr>
+                                  <m:fName>
+                                    <m:limLow>
+                                      <m:limLowPr>
+                                        <m:ctrlPr>
+                                          <a:rPr lang="de-DE" sz="2000" i="1">
+                                            <a:latin typeface="Cambria Math" panose="02040503050406030204" pitchFamily="18" charset="0"/>
+                                          </a:rPr>
+                                        </m:ctrlPr>
+                                      </m:limLowPr>
+                                      <m:e>
+                                        <m:r>
+                                          <m:rPr>
+                                            <m:sty m:val="p"/>
+                                          </m:rPr>
+                                          <a:rPr lang="de-DE" sz="2000">
+                                            <a:latin typeface="Cambria Math" panose="02040503050406030204" pitchFamily="18" charset="0"/>
+                                          </a:rPr>
+                                          <m:t>min</m:t>
+                                        </m:r>
+                                      </m:e>
+                                      <m:lim>
+                                        <m:r>
+                                          <m:rPr>
+                                            <m:sty m:val="p"/>
+                                          </m:rPr>
+                                          <a:rPr lang="de-DE" sz="2000">
+                                            <a:latin typeface="Cambria Math" panose="02040503050406030204" pitchFamily="18" charset="0"/>
+                                          </a:rPr>
+                                          <m:t>b</m:t>
+                                        </m:r>
+                                        <m:r>
+                                          <a:rPr lang="de-DE" sz="2000" i="1">
+                                            <a:latin typeface="Cambria Math" panose="02040503050406030204" pitchFamily="18" charset="0"/>
+                                          </a:rPr>
+                                          <m:t> </m:t>
+                                        </m:r>
+                                        <m:r>
+                                          <a:rPr lang="de-DE" sz="2000" i="1">
+                                            <a:latin typeface="Cambria Math" panose="02040503050406030204" pitchFamily="18" charset="0"/>
+                                            <a:ea typeface="Cambria Math" panose="02040503050406030204" pitchFamily="18" charset="0"/>
+                                          </a:rPr>
+                                          <m:t>∈ </m:t>
+                                        </m:r>
+                                        <m:r>
+                                          <m:rPr>
+                                            <m:sty m:val="p"/>
+                                          </m:rPr>
+                                          <a:rPr lang="de-DE" sz="2000">
+                                            <a:latin typeface="Cambria Math" panose="02040503050406030204" pitchFamily="18" charset="0"/>
+                                            <a:ea typeface="Cambria Math" panose="02040503050406030204" pitchFamily="18" charset="0"/>
+                                          </a:rPr>
+                                          <m:t>B</m:t>
+                                        </m:r>
+                                      </m:lim>
+                                    </m:limLow>
+                                    <m:r>
+                                      <a:rPr lang="de-DE" sz="2000">
+                                        <a:latin typeface="Cambria Math" panose="02040503050406030204" pitchFamily="18" charset="0"/>
+                                      </a:rPr>
+                                      <m:t> </m:t>
+                                    </m:r>
+                                  </m:fName>
+                                  <m:e>
+                                    <m:r>
+                                      <a:rPr lang="de-DE" sz="2000" i="1">
+                                        <a:latin typeface="Cambria Math" panose="02040503050406030204" pitchFamily="18" charset="0"/>
+                                      </a:rPr>
+                                      <m:t>𝑑</m:t>
+                                    </m:r>
+                                    <m:d>
+                                      <m:dPr>
+                                        <m:ctrlPr>
+                                          <a:rPr lang="de-DE" sz="2000" i="1">
+                                            <a:latin typeface="Cambria Math" panose="02040503050406030204" pitchFamily="18" charset="0"/>
+                                          </a:rPr>
+                                        </m:ctrlPr>
+                                      </m:dPr>
+                                      <m:e>
+                                        <m:r>
+                                          <a:rPr lang="de-DE" sz="2000" i="1">
+                                            <a:latin typeface="Cambria Math" panose="02040503050406030204" pitchFamily="18" charset="0"/>
+                                          </a:rPr>
+                                          <m:t>𝑎</m:t>
+                                        </m:r>
+                                        <m:r>
+                                          <a:rPr lang="de-DE" sz="2000" i="1">
+                                            <a:latin typeface="Cambria Math" panose="02040503050406030204" pitchFamily="18" charset="0"/>
+                                          </a:rPr>
+                                          <m:t>,</m:t>
+                                        </m:r>
+                                        <m:r>
+                                          <a:rPr lang="de-DE" sz="2000" i="1">
+                                            <a:latin typeface="Cambria Math" panose="02040503050406030204" pitchFamily="18" charset="0"/>
+                                          </a:rPr>
+                                          <m:t>𝑏</m:t>
+                                        </m:r>
+                                      </m:e>
+                                    </m:d>
+                                    <m:r>
+                                      <a:rPr lang="de-DE" sz="2000" i="1">
+                                        <a:latin typeface="Cambria Math" panose="02040503050406030204" pitchFamily="18" charset="0"/>
+                                      </a:rPr>
+                                      <m:t> </m:t>
+                                    </m:r>
+                                  </m:e>
+                                </m:func>
+                              </m:e>
+                            </m:nary>
+                          </m:e>
+                          <m:lim/>
+                        </m:limLow>
+                      </m:fName>
+                      <m:e/>
+                    </m:func>
+                  </m:oMath>
+                </a14:m>
+                <a:endParaRPr lang="en-CA" sz="2000" dirty="0"/>
+              </a:p>
+              <a:p>
+                <a:pPr marL="342900" indent="-342900">
+                  <a:buFont typeface="Arial" panose="020B0604020202020204" pitchFamily="34" charset="0"/>
+                  <a:buChar char="•"/>
+                </a:pPr>
+                <a:endParaRPr lang="en-CA" sz="2000" dirty="0"/>
+              </a:p>
+              <a:p>
+                <a:pPr marL="342900" indent="-342900">
+                  <a:buFont typeface="Arial" panose="020B0604020202020204" pitchFamily="34" charset="0"/>
+                  <a:buChar char="•"/>
+                </a:pPr>
+                <a:endParaRPr lang="en-CA" sz="2000" dirty="0"/>
+              </a:p>
+              <a:p>
+                <a:pPr marL="342900" indent="-342900">
+                  <a:buFont typeface="Arial" panose="020B0604020202020204" pitchFamily="34" charset="0"/>
+                  <a:buChar char="•"/>
+                </a:pPr>
+                <a:endParaRPr lang="en-CA" sz="2000" dirty="0"/>
+              </a:p>
+            </p:txBody>
+          </p:sp>
+        </mc:Choice>
+        <mc:Fallback>
+          <p:sp>
+            <p:nvSpPr>
+              <p:cNvPr id="3" name="TextBox 2">
+                <a:extLst>
+                  <a:ext uri="{FF2B5EF4-FFF2-40B4-BE49-F238E27FC236}">
+                    <a16:creationId xmlns:a16="http://schemas.microsoft.com/office/drawing/2014/main" id="{1CF21870-6F18-4FEC-A50F-DF05F9344E1B}"/>
+                  </a:ext>
+                </a:extLst>
+              </p:cNvPr>
+              <p:cNvSpPr txBox="1">
+                <a:spLocks noRot="1" noChangeAspect="1" noMove="1" noResize="1" noEditPoints="1" noAdjustHandles="1" noChangeArrowheads="1" noChangeShapeType="1" noTextEdit="1"/>
+              </p:cNvSpPr>
+              <p:nvPr/>
+            </p:nvSpPr>
+            <p:spPr>
+              <a:xfrm>
+                <a:off x="718874" y="2196445"/>
+                <a:ext cx="7503977" cy="4924618"/>
+              </a:xfrm>
+              <a:prstGeom prst="rect">
+                <a:avLst/>
+              </a:prstGeom>
+              <a:blipFill>
+                <a:blip r:embed="rId2"/>
+                <a:stretch>
+                  <a:fillRect l="-1462"/>
+                </a:stretch>
+              </a:blipFill>
+            </p:spPr>
+            <p:txBody>
+              <a:bodyPr/>
+              <a:lstStyle/>
+              <a:p>
+                <a:r>
+                  <a:rPr lang="en-CA">
+                    <a:noFill/>
+                  </a:rPr>
+                  <a:t> </a:t>
+                </a:r>
+              </a:p>
+            </p:txBody>
+          </p:sp>
+        </mc:Fallback>
+      </mc:AlternateContent>
+      <p:pic>
+        <p:nvPicPr>
+          <p:cNvPr id="1028" name="Picture 4" descr="Image result for hausdorff distance">
+            <a:extLst>
+              <a:ext uri="{FF2B5EF4-FFF2-40B4-BE49-F238E27FC236}">
+                <a16:creationId xmlns:a16="http://schemas.microsoft.com/office/drawing/2014/main" id="{33EF9816-3849-4C2D-8DCB-7EB86CA67A9A}"/>
+              </a:ext>
+            </a:extLst>
+          </p:cNvPr>
+          <p:cNvPicPr>
+            <a:picLocks noChangeAspect="1" noChangeArrowheads="1"/>
+          </p:cNvPicPr>
+          <p:nvPr/>
+        </p:nvPicPr>
+        <p:blipFill>
+          <a:blip r:embed="rId3">
+            <a:extLst>
+              <a:ext uri="{28A0092B-C50C-407E-A947-70E740481C1C}">
+                <a14:useLocalDpi xmlns:a14="http://schemas.microsoft.com/office/drawing/2010/main" val="0"/>
+              </a:ext>
+            </a:extLst>
+          </a:blip>
+          <a:srcRect/>
+          <a:stretch>
+            <a:fillRect/>
+          </a:stretch>
+        </p:blipFill>
+        <p:spPr bwMode="auto">
+          <a:xfrm>
+            <a:off x="4420919" y="1776334"/>
+            <a:ext cx="4270594" cy="2457850"/>
+          </a:xfrm>
+          <a:prstGeom prst="rect">
+            <a:avLst/>
+          </a:prstGeom>
+          <a:noFill/>
+          <a:extLst>
+            <a:ext uri="{909E8E84-426E-40DD-AFC4-6F175D3DCCD1}">
+              <a14:hiddenFill xmlns:a14="http://schemas.microsoft.com/office/drawing/2010/main">
+                <a:solidFill>
+                  <a:srgbClr val="FFFFFF"/>
+                </a:solidFill>
+              </a14:hiddenFill>
+            </a:ext>
+          </a:extLst>
+        </p:spPr>
+      </p:pic>
+    </p:spTree>
+    <p:extLst>
+      <p:ext uri="{BB962C8B-B14F-4D97-AF65-F5344CB8AC3E}">
+        <p14:creationId xmlns:p14="http://schemas.microsoft.com/office/powerpoint/2010/main" val="673062105"/>
+      </p:ext>
+    </p:extLst>
+  </p:cSld>
+  <p:clrMapOvr>
+    <a:masterClrMapping/>
+  </p:clrMapOvr>
+</p:sld>
+</file>
+
+<file path=ppt/slides/slide24.xml><?xml version="1.0" encoding="utf-8"?>
+<p:sld xmlns:a="http://schemas.openxmlformats.org/drawingml/2006/main" xmlns:r="http://schemas.openxmlformats.org/officeDocument/2006/relationships" xmlns:p="http://schemas.openxmlformats.org/presentationml/2006/main">
+  <p:cSld>
+    <p:spTree>
+      <p:nvGrpSpPr>
+        <p:cNvPr id="1" name=""/>
+        <p:cNvGrpSpPr/>
+        <p:nvPr/>
+      </p:nvGrpSpPr>
+      <p:grpSpPr>
+        <a:xfrm>
+          <a:off x="0" y="0"/>
+          <a:ext cx="0" cy="0"/>
+          <a:chOff x="0" y="0"/>
+          <a:chExt cx="0" cy="0"/>
+        </a:xfrm>
+      </p:grpSpPr>
+      <p:sp>
+        <p:nvSpPr>
+          <p:cNvPr id="2" name="TextBox 1">
+            <a:extLst>
+              <a:ext uri="{FF2B5EF4-FFF2-40B4-BE49-F238E27FC236}">
+                <a16:creationId xmlns:a16="http://schemas.microsoft.com/office/drawing/2014/main" id="{D1B82586-1C68-4B8E-BA0B-79E3B0F6852B}"/>
+              </a:ext>
+            </a:extLst>
+          </p:cNvPr>
+          <p:cNvSpPr txBox="1"/>
+          <p:nvPr/>
+        </p:nvSpPr>
+        <p:spPr>
+          <a:xfrm>
+            <a:off x="452487" y="1470582"/>
+            <a:ext cx="1830053" cy="461665"/>
+          </a:xfrm>
+          <a:prstGeom prst="rect">
+            <a:avLst/>
+          </a:prstGeom>
+          <a:noFill/>
+        </p:spPr>
+        <p:txBody>
+          <a:bodyPr wrap="none" rtlCol="0">
+            <a:spAutoFit/>
+          </a:bodyPr>
+          <a:lstStyle/>
+          <a:p>
+            <a:r>
+              <a:rPr lang="en-CA" sz="2400" b="1"/>
+              <a:t>4. Evaluation</a:t>
+            </a:r>
+          </a:p>
+        </p:txBody>
+      </p:sp>
+      <p:sp>
+        <p:nvSpPr>
+          <p:cNvPr id="3" name="TextBox 2">
+            <a:extLst>
+              <a:ext uri="{FF2B5EF4-FFF2-40B4-BE49-F238E27FC236}">
+                <a16:creationId xmlns:a16="http://schemas.microsoft.com/office/drawing/2014/main" id="{1CF21870-6F18-4FEC-A50F-DF05F9344E1B}"/>
+              </a:ext>
+            </a:extLst>
+          </p:cNvPr>
+          <p:cNvSpPr txBox="1"/>
+          <p:nvPr/>
+        </p:nvSpPr>
+        <p:spPr>
+          <a:xfrm>
+            <a:off x="718874" y="2196445"/>
+            <a:ext cx="7503977" cy="4401205"/>
+          </a:xfrm>
+          <a:prstGeom prst="rect">
+            <a:avLst/>
+          </a:prstGeom>
+          <a:noFill/>
+        </p:spPr>
+        <p:txBody>
+          <a:bodyPr wrap="square" rtlCol="0">
+            <a:spAutoFit/>
+          </a:bodyPr>
+          <a:lstStyle/>
+          <a:p>
+            <a:pPr marL="342900" indent="-342900">
+              <a:lnSpc>
+                <a:spcPct val="150000"/>
+              </a:lnSpc>
+              <a:buFont typeface="Arial" panose="020B0604020202020204" pitchFamily="34" charset="0"/>
+              <a:buChar char="•"/>
+            </a:pPr>
+            <a:r>
+              <a:rPr lang="en-CA" sz="2000" dirty="0"/>
+              <a:t>Comparison in the two metrics </a:t>
+            </a:r>
+          </a:p>
+          <a:p>
+            <a:pPr marL="342900" indent="-342900">
+              <a:lnSpc>
+                <a:spcPct val="150000"/>
+              </a:lnSpc>
+              <a:buFont typeface="Arial" panose="020B0604020202020204" pitchFamily="34" charset="0"/>
+              <a:buChar char="•"/>
+            </a:pPr>
+            <a:endParaRPr lang="en-CA" sz="2000" dirty="0"/>
+          </a:p>
+          <a:p>
+            <a:pPr>
+              <a:lnSpc>
+                <a:spcPct val="150000"/>
+              </a:lnSpc>
+            </a:pPr>
+            <a:r>
+              <a:rPr lang="en-CA" sz="2000" dirty="0"/>
+              <a:t>			graph for the 20 pictures</a:t>
+            </a:r>
+          </a:p>
+          <a:p>
+            <a:pPr>
+              <a:lnSpc>
+                <a:spcPct val="150000"/>
+              </a:lnSpc>
+            </a:pPr>
+            <a:endParaRPr lang="en-CA" sz="2000" dirty="0"/>
+          </a:p>
+          <a:p>
+            <a:pPr>
+              <a:lnSpc>
+                <a:spcPct val="150000"/>
+              </a:lnSpc>
+            </a:pPr>
+            <a:endParaRPr lang="en-CA" sz="2000" dirty="0"/>
+          </a:p>
+          <a:p>
+            <a:pPr>
+              <a:lnSpc>
+                <a:spcPct val="150000"/>
+              </a:lnSpc>
+            </a:pPr>
+            <a:endParaRPr lang="en-CA" sz="2000" dirty="0"/>
+          </a:p>
+          <a:p>
+            <a:pPr>
+              <a:lnSpc>
+                <a:spcPct val="150000"/>
+              </a:lnSpc>
+            </a:pPr>
+            <a:r>
+              <a:rPr lang="en-CA" sz="2000" dirty="0">
+                <a:sym typeface="Wingdings" panose="05000000000000000000" pitchFamily="2" charset="2"/>
+              </a:rPr>
+              <a:t> </a:t>
+            </a:r>
+            <a:r>
+              <a:rPr lang="en-CA" sz="2000" dirty="0"/>
+              <a:t>Superior architecture for the task: </a:t>
+            </a:r>
+          </a:p>
+          <a:p>
+            <a:pPr>
+              <a:lnSpc>
+                <a:spcPct val="150000"/>
+              </a:lnSpc>
+            </a:pPr>
+            <a:endParaRPr lang="en-CA" sz="2000" dirty="0"/>
+          </a:p>
+          <a:p>
+            <a:pPr marL="342900" indent="-342900">
+              <a:buFont typeface="Arial" panose="020B0604020202020204" pitchFamily="34" charset="0"/>
+              <a:buChar char="•"/>
+            </a:pPr>
+            <a:endParaRPr lang="en-CA" sz="2000" dirty="0"/>
+          </a:p>
+          <a:p>
+            <a:pPr marL="342900" indent="-342900">
+              <a:buFont typeface="Arial" panose="020B0604020202020204" pitchFamily="34" charset="0"/>
+              <a:buChar char="•"/>
+            </a:pPr>
+            <a:endParaRPr lang="en-CA" sz="2000" dirty="0"/>
+          </a:p>
+        </p:txBody>
+      </p:sp>
+    </p:spTree>
+    <p:extLst>
+      <p:ext uri="{BB962C8B-B14F-4D97-AF65-F5344CB8AC3E}">
+        <p14:creationId xmlns:p14="http://schemas.microsoft.com/office/powerpoint/2010/main" val="2717923729"/>
+      </p:ext>
+    </p:extLst>
+  </p:cSld>
+  <p:clrMapOvr>
+    <a:masterClrMapping/>
+  </p:clrMapOvr>
+</p:sld>
+</file>
+
+<file path=ppt/slides/slide25.xml><?xml version="1.0" encoding="utf-8"?>
+<p:sld xmlns:a="http://schemas.openxmlformats.org/drawingml/2006/main" xmlns:r="http://schemas.openxmlformats.org/officeDocument/2006/relationships" xmlns:p="http://schemas.openxmlformats.org/presentationml/2006/main">
+  <p:cSld>
+    <p:spTree>
+      <p:nvGrpSpPr>
+        <p:cNvPr id="1" name=""/>
+        <p:cNvGrpSpPr/>
+        <p:nvPr/>
+      </p:nvGrpSpPr>
+      <p:grpSpPr>
+        <a:xfrm>
+          <a:off x="0" y="0"/>
+          <a:ext cx="0" cy="0"/>
+          <a:chOff x="0" y="0"/>
+          <a:chExt cx="0" cy="0"/>
+        </a:xfrm>
+      </p:grpSpPr>
+      <p:sp>
+        <p:nvSpPr>
+          <p:cNvPr id="2" name="ZoneTexte 1">
+            <a:extLst>
+              <a:ext uri="{FF2B5EF4-FFF2-40B4-BE49-F238E27FC236}">
+                <a16:creationId xmlns:a16="http://schemas.microsoft.com/office/drawing/2014/main" id="{C533BC19-D1DF-482D-AA40-4860C8597151}"/>
+              </a:ext>
+            </a:extLst>
+          </p:cNvPr>
+          <p:cNvSpPr txBox="1"/>
+          <p:nvPr/>
+        </p:nvSpPr>
+        <p:spPr>
+          <a:xfrm>
+            <a:off x="3364783" y="2998113"/>
+            <a:ext cx="2414444" cy="584775"/>
+          </a:xfrm>
+          <a:prstGeom prst="rect">
+            <a:avLst/>
+          </a:prstGeom>
+          <a:noFill/>
+        </p:spPr>
+        <p:txBody>
+          <a:bodyPr wrap="none" rtlCol="0">
+            <a:spAutoFit/>
+          </a:bodyPr>
+          <a:lstStyle/>
+          <a:p>
+            <a:pPr algn="ctr"/>
+            <a:r>
+              <a:rPr lang="en-US" sz="3200">
+                <a:solidFill>
+                  <a:schemeClr val="bg1"/>
+                </a:solidFill>
+              </a:rPr>
+              <a:t>5. Conclusion</a:t>
+            </a:r>
+          </a:p>
+        </p:txBody>
+      </p:sp>
+    </p:spTree>
+    <p:extLst>
+      <p:ext uri="{BB962C8B-B14F-4D97-AF65-F5344CB8AC3E}">
+        <p14:creationId xmlns:p14="http://schemas.microsoft.com/office/powerpoint/2010/main" val="4159332808"/>
+      </p:ext>
+    </p:extLst>
+  </p:cSld>
+  <p:clrMapOvr>
+    <a:masterClrMapping/>
+  </p:clrMapOvr>
+</p:sld>
+</file>
+
+<file path=ppt/slides/slide26.xml><?xml version="1.0" encoding="utf-8"?>
+<p:sld xmlns:a="http://schemas.openxmlformats.org/drawingml/2006/main" xmlns:r="http://schemas.openxmlformats.org/officeDocument/2006/relationships" xmlns:p="http://schemas.openxmlformats.org/presentationml/2006/main">
+  <p:cSld>
+    <p:spTree>
+      <p:nvGrpSpPr>
+        <p:cNvPr id="1" name=""/>
+        <p:cNvGrpSpPr/>
+        <p:nvPr/>
+      </p:nvGrpSpPr>
+      <p:grpSpPr>
+        <a:xfrm>
+          <a:off x="0" y="0"/>
+          <a:ext cx="0" cy="0"/>
+          <a:chOff x="0" y="0"/>
+          <a:chExt cx="0" cy="0"/>
+        </a:xfrm>
+      </p:grpSpPr>
+      <p:sp>
+        <p:nvSpPr>
+          <p:cNvPr id="2" name="TextBox 1">
+            <a:extLst>
+              <a:ext uri="{FF2B5EF4-FFF2-40B4-BE49-F238E27FC236}">
+                <a16:creationId xmlns:a16="http://schemas.microsoft.com/office/drawing/2014/main" id="{D1B82586-1C68-4B8E-BA0B-79E3B0F6852B}"/>
+              </a:ext>
+            </a:extLst>
+          </p:cNvPr>
+          <p:cNvSpPr txBox="1"/>
+          <p:nvPr/>
+        </p:nvSpPr>
+        <p:spPr>
+          <a:xfrm>
+            <a:off x="452487" y="1470582"/>
+            <a:ext cx="1882247" cy="461665"/>
+          </a:xfrm>
+          <a:prstGeom prst="rect">
+            <a:avLst/>
+          </a:prstGeom>
+          <a:noFill/>
+        </p:spPr>
+        <p:txBody>
+          <a:bodyPr wrap="none" rtlCol="0">
+            <a:spAutoFit/>
+          </a:bodyPr>
+          <a:lstStyle/>
+          <a:p>
+            <a:r>
+              <a:rPr lang="en-CA" sz="2400" b="1"/>
+              <a:t>5. Conclusion</a:t>
+            </a:r>
+          </a:p>
+        </p:txBody>
+      </p:sp>
+      <p:sp>
+        <p:nvSpPr>
+          <p:cNvPr id="3" name="TextBox 2">
+            <a:extLst>
+              <a:ext uri="{FF2B5EF4-FFF2-40B4-BE49-F238E27FC236}">
+                <a16:creationId xmlns:a16="http://schemas.microsoft.com/office/drawing/2014/main" id="{1CF21870-6F18-4FEC-A50F-DF05F9344E1B}"/>
+              </a:ext>
+            </a:extLst>
+          </p:cNvPr>
+          <p:cNvSpPr txBox="1"/>
+          <p:nvPr/>
+        </p:nvSpPr>
+        <p:spPr>
+          <a:xfrm>
+            <a:off x="718874" y="2196445"/>
+            <a:ext cx="5253426" cy="5584606"/>
+          </a:xfrm>
+          <a:prstGeom prst="rect">
+            <a:avLst/>
+          </a:prstGeom>
+          <a:noFill/>
+        </p:spPr>
+        <p:txBody>
+          <a:bodyPr wrap="none" rtlCol="0">
+            <a:spAutoFit/>
+          </a:bodyPr>
+          <a:lstStyle/>
+          <a:p>
+            <a:pPr marL="342900" indent="-342900">
+              <a:lnSpc>
+                <a:spcPct val="150000"/>
+              </a:lnSpc>
+              <a:buFont typeface="Arial" panose="020B0604020202020204" pitchFamily="34" charset="0"/>
+              <a:buChar char="•"/>
+            </a:pPr>
+            <a:r>
+              <a:rPr lang="en-CA" sz="2000"/>
+              <a:t>Biggest Issues for Data Analytics with Images:</a:t>
+            </a:r>
+          </a:p>
+          <a:p>
+            <a:pPr marL="800100" lvl="1" indent="-342900">
+              <a:lnSpc>
+                <a:spcPct val="150000"/>
+              </a:lnSpc>
+              <a:buFont typeface="Arial" panose="020B0604020202020204" pitchFamily="34" charset="0"/>
+              <a:buChar char="•"/>
+            </a:pPr>
+            <a:r>
+              <a:rPr lang="en-CA" sz="2000"/>
+              <a:t>Allocation of computational resources</a:t>
+            </a:r>
+          </a:p>
+          <a:p>
+            <a:pPr marL="800100" lvl="1" indent="-342900">
+              <a:lnSpc>
+                <a:spcPct val="150000"/>
+              </a:lnSpc>
+              <a:buFont typeface="Arial" panose="020B0604020202020204" pitchFamily="34" charset="0"/>
+              <a:buChar char="•"/>
+            </a:pPr>
+            <a:r>
+              <a:rPr lang="en-CA" sz="2000"/>
+              <a:t>data preparation</a:t>
+            </a:r>
+          </a:p>
+          <a:p>
+            <a:pPr marL="342900" indent="-342900">
+              <a:lnSpc>
+                <a:spcPct val="150000"/>
+              </a:lnSpc>
+              <a:buFont typeface="Arial" panose="020B0604020202020204" pitchFamily="34" charset="0"/>
+              <a:buChar char="•"/>
+            </a:pPr>
+            <a:endParaRPr lang="en-CA" sz="2000"/>
+          </a:p>
+          <a:p>
+            <a:pPr marL="342900" indent="-342900">
+              <a:lnSpc>
+                <a:spcPct val="150000"/>
+              </a:lnSpc>
+              <a:buFont typeface="Arial" panose="020B0604020202020204" pitchFamily="34" charset="0"/>
+              <a:buChar char="•"/>
+            </a:pPr>
+            <a:r>
+              <a:rPr lang="en-CA" sz="2000"/>
+              <a:t>Next step:</a:t>
+            </a:r>
+          </a:p>
+          <a:p>
+            <a:pPr>
+              <a:lnSpc>
+                <a:spcPct val="150000"/>
+              </a:lnSpc>
+            </a:pPr>
+            <a:r>
+              <a:rPr lang="en-CA" sz="2000"/>
+              <a:t>	Cancer detection by identifying ill nodules</a:t>
+            </a:r>
+          </a:p>
+          <a:p>
+            <a:pPr>
+              <a:lnSpc>
+                <a:spcPct val="150000"/>
+              </a:lnSpc>
+            </a:pPr>
+            <a:endParaRPr lang="en-CA" sz="2000"/>
+          </a:p>
+          <a:p>
+            <a:pPr marL="800100" lvl="1" indent="-342900">
+              <a:lnSpc>
+                <a:spcPct val="150000"/>
+              </a:lnSpc>
+              <a:buFont typeface="Arial" panose="020B0604020202020204" pitchFamily="34" charset="0"/>
+              <a:buChar char="•"/>
+            </a:pPr>
+            <a:endParaRPr lang="en-CA" sz="2000"/>
+          </a:p>
+          <a:p>
+            <a:pPr marL="800100" lvl="1" indent="-342900">
+              <a:lnSpc>
+                <a:spcPct val="150000"/>
+              </a:lnSpc>
+              <a:buFont typeface="Arial" panose="020B0604020202020204" pitchFamily="34" charset="0"/>
+              <a:buChar char="•"/>
+            </a:pPr>
+            <a:endParaRPr lang="en-CA" sz="2000"/>
+          </a:p>
+          <a:p>
+            <a:pPr marL="342900" indent="-342900">
+              <a:lnSpc>
+                <a:spcPct val="150000"/>
+              </a:lnSpc>
+              <a:buFont typeface="Arial" panose="020B0604020202020204" pitchFamily="34" charset="0"/>
+              <a:buChar char="•"/>
+            </a:pPr>
+            <a:endParaRPr lang="en-CA" sz="2000"/>
+          </a:p>
+          <a:p>
+            <a:pPr marL="342900" indent="-342900">
+              <a:lnSpc>
+                <a:spcPct val="150000"/>
+              </a:lnSpc>
+              <a:buFont typeface="Arial" panose="020B0604020202020204" pitchFamily="34" charset="0"/>
+              <a:buChar char="•"/>
+            </a:pPr>
+            <a:endParaRPr lang="en-CA" sz="2000"/>
+          </a:p>
+          <a:p>
+            <a:pPr marL="342900" indent="-342900">
+              <a:lnSpc>
+                <a:spcPct val="150000"/>
+              </a:lnSpc>
+              <a:buFont typeface="Arial" panose="020B0604020202020204" pitchFamily="34" charset="0"/>
+              <a:buChar char="•"/>
+            </a:pPr>
+            <a:endParaRPr lang="en-CA" sz="2000" dirty="0"/>
+          </a:p>
+        </p:txBody>
+      </p:sp>
+      <p:pic>
+        <p:nvPicPr>
+          <p:cNvPr id="5" name="Image 4">
+            <a:extLst>
+              <a:ext uri="{FF2B5EF4-FFF2-40B4-BE49-F238E27FC236}">
+                <a16:creationId xmlns:a16="http://schemas.microsoft.com/office/drawing/2014/main" id="{8755BE96-BC04-4596-9693-793C8AF7CCAE}"/>
+              </a:ext>
+            </a:extLst>
+          </p:cNvPr>
+          <p:cNvPicPr>
+            <a:picLocks noChangeAspect="1"/>
+          </p:cNvPicPr>
+          <p:nvPr/>
+        </p:nvPicPr>
+        <p:blipFill rotWithShape="1">
+          <a:blip r:embed="rId3">
+            <a:extLst>
+              <a:ext uri="{28A0092B-C50C-407E-A947-70E740481C1C}">
+                <a14:useLocalDpi xmlns:a14="http://schemas.microsoft.com/office/drawing/2010/main" val="0"/>
+              </a:ext>
+            </a:extLst>
+          </a:blip>
+          <a:srcRect r="70341"/>
+          <a:stretch/>
+        </p:blipFill>
+        <p:spPr>
+          <a:xfrm>
+            <a:off x="6470974" y="4010892"/>
+            <a:ext cx="2066842" cy="2090651"/>
+          </a:xfrm>
+          <a:prstGeom prst="rect">
+            <a:avLst/>
+          </a:prstGeom>
+        </p:spPr>
+      </p:pic>
+      <p:pic>
+        <p:nvPicPr>
+          <p:cNvPr id="10" name="Picture 9">
+            <a:extLst>
+              <a:ext uri="{FF2B5EF4-FFF2-40B4-BE49-F238E27FC236}">
+                <a16:creationId xmlns:a16="http://schemas.microsoft.com/office/drawing/2014/main" id="{26E42B71-86D0-41C4-B097-359155D0F07C}"/>
+              </a:ext>
+            </a:extLst>
+          </p:cNvPr>
+          <p:cNvPicPr>
+            <a:picLocks noChangeAspect="1"/>
+          </p:cNvPicPr>
+          <p:nvPr/>
+        </p:nvPicPr>
+        <p:blipFill rotWithShape="1">
+          <a:blip r:embed="rId4"/>
+          <a:srcRect b="1886"/>
+          <a:stretch/>
+        </p:blipFill>
+        <p:spPr>
+          <a:xfrm>
+            <a:off x="6633098" y="2090832"/>
+            <a:ext cx="2058415" cy="1614817"/>
+          </a:xfrm>
+          <a:prstGeom prst="rect">
+            <a:avLst/>
+          </a:prstGeom>
+          <a:solidFill>
+            <a:srgbClr val="FFFFFF">
+              <a:shade val="85000"/>
+            </a:srgbClr>
+          </a:solidFill>
+          <a:ln w="101600" cap="sq">
+            <a:noFill/>
+            <a:miter lim="800000"/>
+          </a:ln>
+          <a:effectLst>
+            <a:outerShdw blurRad="57150" dist="37500" dir="7560000" sy="98000" kx="110000" ky="200000" algn="tl" rotWithShape="0">
+              <a:srgbClr val="000000">
+                <a:alpha val="20000"/>
+              </a:srgbClr>
+            </a:outerShdw>
+          </a:effectLst>
+          <a:scene3d>
+            <a:camera prst="perspectiveRelaxed">
+              <a:rot lat="18960000" lon="0" rev="0"/>
+            </a:camera>
+            <a:lightRig rig="twoPt" dir="t">
+              <a:rot lat="0" lon="0" rev="7200000"/>
+            </a:lightRig>
+          </a:scene3d>
+          <a:sp3d prstMaterial="matte">
+            <a:bevelT w="22860" h="12700"/>
+            <a:contourClr>
+              <a:srgbClr val="FFFFFF"/>
+            </a:contourClr>
+          </a:sp3d>
+        </p:spPr>
+      </p:pic>
+      <p:pic>
+        <p:nvPicPr>
+          <p:cNvPr id="11" name="Picture 10">
+            <a:extLst>
+              <a:ext uri="{FF2B5EF4-FFF2-40B4-BE49-F238E27FC236}">
+                <a16:creationId xmlns:a16="http://schemas.microsoft.com/office/drawing/2014/main" id="{33B39A1C-DEA6-499E-966C-CE3D315D5A96}"/>
+              </a:ext>
+            </a:extLst>
+          </p:cNvPr>
+          <p:cNvPicPr>
+            <a:picLocks noChangeAspect="1"/>
+          </p:cNvPicPr>
+          <p:nvPr/>
+        </p:nvPicPr>
+        <p:blipFill>
+          <a:blip r:embed="rId5"/>
+          <a:stretch>
+            <a:fillRect/>
+          </a:stretch>
+        </p:blipFill>
+        <p:spPr>
+          <a:xfrm>
+            <a:off x="6448473" y="1952507"/>
+            <a:ext cx="2049741" cy="1614817"/>
+          </a:xfrm>
+          <a:prstGeom prst="rect">
+            <a:avLst/>
+          </a:prstGeom>
+          <a:solidFill>
+            <a:srgbClr val="FFFFFF">
+              <a:shade val="85000"/>
+            </a:srgbClr>
+          </a:solidFill>
+          <a:ln w="101600" cap="sq">
+            <a:noFill/>
+            <a:miter lim="800000"/>
+          </a:ln>
+          <a:effectLst>
+            <a:outerShdw blurRad="57150" dist="37500" dir="7560000" sy="98000" kx="110000" ky="200000" algn="tl" rotWithShape="0">
+              <a:srgbClr val="000000">
+                <a:alpha val="20000"/>
+              </a:srgbClr>
+            </a:outerShdw>
+          </a:effectLst>
+          <a:scene3d>
+            <a:camera prst="perspectiveRelaxed">
+              <a:rot lat="18960000" lon="0" rev="0"/>
+            </a:camera>
+            <a:lightRig rig="twoPt" dir="t">
+              <a:rot lat="0" lon="0" rev="7200000"/>
+            </a:lightRig>
+          </a:scene3d>
+          <a:sp3d prstMaterial="matte">
+            <a:bevelT w="22860" h="12700"/>
+            <a:contourClr>
+              <a:srgbClr val="FFFFFF"/>
+            </a:contourClr>
+          </a:sp3d>
+        </p:spPr>
+      </p:pic>
+      <p:pic>
+        <p:nvPicPr>
+          <p:cNvPr id="12" name="Picture 11">
+            <a:extLst>
+              <a:ext uri="{FF2B5EF4-FFF2-40B4-BE49-F238E27FC236}">
+                <a16:creationId xmlns:a16="http://schemas.microsoft.com/office/drawing/2014/main" id="{D4EACCBA-777E-43EF-BC83-70ACBFDEA7B9}"/>
+              </a:ext>
+            </a:extLst>
+          </p:cNvPr>
+          <p:cNvPicPr>
+            <a:picLocks noChangeAspect="1"/>
+          </p:cNvPicPr>
+          <p:nvPr/>
+        </p:nvPicPr>
+        <p:blipFill>
+          <a:blip r:embed="rId6"/>
+          <a:stretch>
+            <a:fillRect/>
+          </a:stretch>
+        </p:blipFill>
+        <p:spPr>
+          <a:xfrm>
+            <a:off x="6263848" y="1817568"/>
+            <a:ext cx="2049741" cy="1611432"/>
+          </a:xfrm>
+          <a:prstGeom prst="rect">
+            <a:avLst/>
+          </a:prstGeom>
+          <a:solidFill>
+            <a:srgbClr val="FFFFFF">
+              <a:shade val="85000"/>
+            </a:srgbClr>
+          </a:solidFill>
+          <a:ln w="101600" cap="sq">
+            <a:noFill/>
+            <a:miter lim="800000"/>
+          </a:ln>
+          <a:effectLst>
+            <a:outerShdw blurRad="57150" dist="37500" dir="7560000" sy="98000" kx="110000" ky="200000" algn="tl" rotWithShape="0">
+              <a:srgbClr val="000000">
+                <a:alpha val="20000"/>
+              </a:srgbClr>
+            </a:outerShdw>
+          </a:effectLst>
+          <a:scene3d>
+            <a:camera prst="perspectiveRelaxed">
+              <a:rot lat="18960000" lon="0" rev="0"/>
+            </a:camera>
+            <a:lightRig rig="twoPt" dir="t">
+              <a:rot lat="0" lon="0" rev="7200000"/>
+            </a:lightRig>
+          </a:scene3d>
+          <a:sp3d prstMaterial="matte">
+            <a:bevelT w="22860" h="12700"/>
+            <a:contourClr>
+              <a:srgbClr val="FFFFFF"/>
+            </a:contourClr>
+          </a:sp3d>
+        </p:spPr>
+      </p:pic>
+    </p:spTree>
+    <p:extLst>
+      <p:ext uri="{BB962C8B-B14F-4D97-AF65-F5344CB8AC3E}">
+        <p14:creationId xmlns:p14="http://schemas.microsoft.com/office/powerpoint/2010/main" val="3835804940"/>
+      </p:ext>
+    </p:extLst>
+  </p:cSld>
+  <p:clrMapOvr>
+    <a:masterClrMapping/>
+  </p:clrMapOvr>
+</p:sld>
+</file>
+
+<file path=ppt/slides/slide27.xml><?xml version="1.0" encoding="utf-8"?>
+<p:sld xmlns:a="http://schemas.openxmlformats.org/drawingml/2006/main" xmlns:r="http://schemas.openxmlformats.org/officeDocument/2006/relationships" xmlns:p="http://schemas.openxmlformats.org/presentationml/2006/main">
+  <p:cSld>
+    <p:spTree>
+      <p:nvGrpSpPr>
+        <p:cNvPr id="1" name=""/>
+        <p:cNvGrpSpPr/>
+        <p:nvPr/>
+      </p:nvGrpSpPr>
+      <p:grpSpPr>
+        <a:xfrm>
+          <a:off x="0" y="0"/>
+          <a:ext cx="0" cy="0"/>
+          <a:chOff x="0" y="0"/>
+          <a:chExt cx="0" cy="0"/>
+        </a:xfrm>
+      </p:grpSpPr>
+      <p:sp>
+        <p:nvSpPr>
+          <p:cNvPr id="2" name="ZoneTexte 1">
+            <a:extLst>
+              <a:ext uri="{FF2B5EF4-FFF2-40B4-BE49-F238E27FC236}">
+                <a16:creationId xmlns:a16="http://schemas.microsoft.com/office/drawing/2014/main" id="{9798AAD5-0D8D-4037-857E-D6C07720BCB5}"/>
+              </a:ext>
+            </a:extLst>
+          </p:cNvPr>
+          <p:cNvSpPr txBox="1"/>
+          <p:nvPr/>
+        </p:nvSpPr>
+        <p:spPr>
+          <a:xfrm>
+            <a:off x="1001535" y="2136338"/>
+            <a:ext cx="7140930" cy="2585323"/>
+          </a:xfrm>
+          <a:prstGeom prst="rect">
+            <a:avLst/>
+          </a:prstGeom>
+          <a:noFill/>
+        </p:spPr>
+        <p:txBody>
+          <a:bodyPr wrap="none" rtlCol="0">
+            <a:spAutoFit/>
+          </a:bodyPr>
+          <a:lstStyle/>
+          <a:p>
+            <a:pPr algn="ctr"/>
+            <a:r>
+              <a:rPr lang="en-US" sz="5400" b="1" dirty="0">
+                <a:solidFill>
+                  <a:schemeClr val="bg1"/>
+                </a:solidFill>
+              </a:rPr>
+              <a:t>Thanks for the attention</a:t>
+            </a:r>
+          </a:p>
+          <a:p>
+            <a:pPr algn="ctr"/>
+            <a:endParaRPr lang="en-US" sz="5400" b="1" dirty="0">
+              <a:solidFill>
+                <a:schemeClr val="bg1"/>
+              </a:solidFill>
+            </a:endParaRPr>
+          </a:p>
+          <a:p>
+            <a:pPr algn="ctr"/>
+            <a:r>
+              <a:rPr lang="en-US" sz="5400" b="1" dirty="0">
+                <a:solidFill>
+                  <a:schemeClr val="bg1"/>
+                </a:solidFill>
+              </a:rPr>
+              <a:t>Questions?</a:t>
+            </a:r>
+          </a:p>
+        </p:txBody>
+      </p:sp>
+    </p:spTree>
+    <p:extLst>
+      <p:ext uri="{BB962C8B-B14F-4D97-AF65-F5344CB8AC3E}">
+        <p14:creationId xmlns:p14="http://schemas.microsoft.com/office/powerpoint/2010/main" val="1956991083"/>
       </p:ext>
     </p:extLst>
   </p:cSld>
@@ -1740,10 +7676,10 @@
       </p:grpSpPr>
       <p:sp>
         <p:nvSpPr>
-          <p:cNvPr id="2" name="TextBox 1">
+          <p:cNvPr id="2" name="ZoneTexte 1">
             <a:extLst>
               <a:ext uri="{FF2B5EF4-FFF2-40B4-BE49-F238E27FC236}">
-                <a16:creationId xmlns:a16="http://schemas.microsoft.com/office/drawing/2014/main" id="{D1B82586-1C68-4B8E-BA0B-79E3B0F6852B}"/>
+                <a16:creationId xmlns:a16="http://schemas.microsoft.com/office/drawing/2014/main" id="{90BBD7EF-C156-44FF-90FF-D9B02EAB0CA3}"/>
               </a:ext>
             </a:extLst>
           </p:cNvPr>
@@ -1752,8 +7688,8 @@
         </p:nvSpPr>
         <p:spPr>
           <a:xfrm>
-            <a:off x="452487" y="1470582"/>
-            <a:ext cx="5591339" cy="461665"/>
+            <a:off x="936390" y="2998113"/>
+            <a:ext cx="7271221" cy="584775"/>
           </a:xfrm>
           <a:prstGeom prst="rect">
             <a:avLst/>
@@ -1766,119 +7702,22 @@
           </a:bodyPr>
           <a:lstStyle/>
           <a:p>
-            <a:r>
-              <a:rPr lang="en-CA" sz="2400" b="1" dirty="0"/>
-              <a:t>1. </a:t>
-            </a:r>
-            <a:r>
-              <a:rPr lang="en-US" sz="2400" b="1" dirty="0"/>
-              <a:t>Lung segmentation and LUNA16 dataset</a:t>
+            <a:pPr algn="ctr"/>
+            <a:r>
+              <a:rPr lang="en-US" sz="3200" dirty="0">
+                <a:solidFill>
+                  <a:schemeClr val="bg1"/>
+                </a:solidFill>
+              </a:rPr>
+              <a:t>1. Lung segmentation and LUNA16 dataset</a:t>
             </a:r>
           </a:p>
         </p:txBody>
       </p:sp>
-      <p:sp>
-        <p:nvSpPr>
-          <p:cNvPr id="3" name="TextBox 2">
-            <a:extLst>
-              <a:ext uri="{FF2B5EF4-FFF2-40B4-BE49-F238E27FC236}">
-                <a16:creationId xmlns:a16="http://schemas.microsoft.com/office/drawing/2014/main" id="{1CF21870-6F18-4FEC-A50F-DF05F9344E1B}"/>
-              </a:ext>
-            </a:extLst>
-          </p:cNvPr>
-          <p:cNvSpPr txBox="1"/>
-          <p:nvPr/>
-        </p:nvSpPr>
-        <p:spPr>
-          <a:xfrm>
-            <a:off x="718874" y="2196445"/>
-            <a:ext cx="4116704" cy="1429622"/>
-          </a:xfrm>
-          <a:prstGeom prst="rect">
-            <a:avLst/>
-          </a:prstGeom>
-          <a:noFill/>
-        </p:spPr>
-        <p:txBody>
-          <a:bodyPr wrap="none" rtlCol="0">
-            <a:spAutoFit/>
-          </a:bodyPr>
-          <a:lstStyle/>
-          <a:p>
-            <a:pPr marL="342900" indent="-342900">
-              <a:lnSpc>
-                <a:spcPct val="150000"/>
-              </a:lnSpc>
-              <a:buFont typeface="Arial" panose="020B0604020202020204" pitchFamily="34" charset="0"/>
-              <a:buChar char="•"/>
-            </a:pPr>
-            <a:r>
-              <a:rPr lang="en-CA" sz="2000" dirty="0"/>
-              <a:t>Medical Image Computation (MIC)</a:t>
-            </a:r>
-          </a:p>
-          <a:p>
-            <a:pPr marL="342900" indent="-342900">
-              <a:lnSpc>
-                <a:spcPct val="150000"/>
-              </a:lnSpc>
-              <a:buFont typeface="Arial" panose="020B0604020202020204" pitchFamily="34" charset="0"/>
-              <a:buChar char="•"/>
-            </a:pPr>
-            <a:r>
-              <a:rPr lang="en-CA" sz="2000" dirty="0"/>
-              <a:t>Image Segmentation</a:t>
-            </a:r>
-          </a:p>
-          <a:p>
-            <a:pPr marL="342900" indent="-342900">
-              <a:lnSpc>
-                <a:spcPct val="150000"/>
-              </a:lnSpc>
-              <a:buFont typeface="Arial" panose="020B0604020202020204" pitchFamily="34" charset="0"/>
-              <a:buChar char="•"/>
-            </a:pPr>
-            <a:r>
-              <a:rPr lang="en-CA" sz="2000" dirty="0"/>
-              <a:t>Computed Tomography (CT) slices</a:t>
-            </a:r>
-          </a:p>
-        </p:txBody>
-      </p:sp>
-      <p:pic>
-        <p:nvPicPr>
-          <p:cNvPr id="9" name="Picture 8">
-            <a:extLst>
-              <a:ext uri="{FF2B5EF4-FFF2-40B4-BE49-F238E27FC236}">
-                <a16:creationId xmlns:a16="http://schemas.microsoft.com/office/drawing/2014/main" id="{9495D268-BD94-4361-9E10-D71853756E3E}"/>
-              </a:ext>
-            </a:extLst>
-          </p:cNvPr>
-          <p:cNvPicPr>
-            <a:picLocks noChangeAspect="1"/>
-          </p:cNvPicPr>
-          <p:nvPr/>
-        </p:nvPicPr>
-        <p:blipFill>
-          <a:blip r:embed="rId3"/>
-          <a:stretch>
-            <a:fillRect/>
-          </a:stretch>
-        </p:blipFill>
-        <p:spPr>
-          <a:xfrm>
-            <a:off x="5025688" y="2227060"/>
-            <a:ext cx="3852093" cy="3302372"/>
-          </a:xfrm>
-          <a:prstGeom prst="rect">
-            <a:avLst/>
-          </a:prstGeom>
-        </p:spPr>
-      </p:pic>
     </p:spTree>
     <p:extLst>
       <p:ext uri="{BB962C8B-B14F-4D97-AF65-F5344CB8AC3E}">
-        <p14:creationId xmlns:p14="http://schemas.microsoft.com/office/powerpoint/2010/main" val="805710845"/>
+        <p14:creationId xmlns:p14="http://schemas.microsoft.com/office/powerpoint/2010/main" val="2249720332"/>
       </p:ext>
     </p:extLst>
   </p:cSld>
@@ -1934,11 +7773,11 @@
           <a:lstStyle/>
           <a:p>
             <a:r>
-              <a:rPr lang="en-CA" sz="2400" b="1" dirty="0"/>
+              <a:rPr lang="en-CA" sz="2400" b="1"/>
               <a:t>1. </a:t>
             </a:r>
             <a:r>
-              <a:rPr lang="en-US" sz="2400" b="1" dirty="0"/>
+              <a:rPr lang="en-US" sz="2400" b="1"/>
               <a:t>Lung segmentation and LUNA16 dataset</a:t>
             </a:r>
           </a:p>
@@ -1959,7 +7798,7 @@
         <p:spPr>
           <a:xfrm>
             <a:off x="718874" y="2196445"/>
-            <a:ext cx="4116704" cy="3170099"/>
+            <a:ext cx="4116704" cy="1429622"/>
           </a:xfrm>
           <a:prstGeom prst="rect">
             <a:avLst/>
@@ -1980,7 +7819,7 @@
               <a:buChar char="•"/>
             </a:pPr>
             <a:r>
-              <a:rPr lang="en-CA" sz="2000" dirty="0"/>
+              <a:rPr lang="en-CA" sz="2000"/>
               <a:t>Medical Image Computation (MIC)</a:t>
             </a:r>
           </a:p>
@@ -1993,7 +7832,7 @@
               <a:buChar char="•"/>
             </a:pPr>
             <a:r>
-              <a:rPr lang="en-CA" sz="2000" dirty="0"/>
+              <a:rPr lang="en-CA" sz="2000"/>
               <a:t>Image Segmentation</a:t>
             </a:r>
           </a:p>
@@ -2006,64 +7845,18 @@
               <a:buChar char="•"/>
             </a:pPr>
             <a:r>
-              <a:rPr lang="en-CA" sz="2000" dirty="0"/>
+              <a:rPr lang="en-CA" sz="2000"/>
               <a:t>Computed Tomography (CT) slices</a:t>
             </a:r>
-          </a:p>
-          <a:p>
-            <a:pPr>
-              <a:lnSpc>
-                <a:spcPct val="150000"/>
-              </a:lnSpc>
-            </a:pPr>
-            <a:endParaRPr lang="en-CA" sz="2000" dirty="0"/>
-          </a:p>
-          <a:p>
-            <a:pPr marL="342900" indent="-342900">
-              <a:lnSpc>
-                <a:spcPct val="150000"/>
-              </a:lnSpc>
-              <a:buFont typeface="Wingdings" panose="05000000000000000000" pitchFamily="2" charset="2"/>
-              <a:buChar char="à"/>
-            </a:pPr>
-            <a:r>
-              <a:rPr lang="en-CA" sz="2000" dirty="0">
-                <a:sym typeface="Wingdings" panose="05000000000000000000" pitchFamily="2" charset="2"/>
-              </a:rPr>
-              <a:t>Extract a 3D structure of the lung</a:t>
-            </a:r>
-          </a:p>
-          <a:p>
-            <a:pPr marL="342900" indent="-342900">
-              <a:lnSpc>
-                <a:spcPct val="150000"/>
-              </a:lnSpc>
-              <a:buFont typeface="Wingdings" panose="05000000000000000000" pitchFamily="2" charset="2"/>
-              <a:buChar char="à"/>
-            </a:pPr>
-            <a:r>
-              <a:rPr lang="en-CA" sz="2000" dirty="0">
-                <a:sym typeface="Wingdings" panose="05000000000000000000" pitchFamily="2" charset="2"/>
-              </a:rPr>
-              <a:t>First step for cancer detection, …</a:t>
-            </a:r>
-            <a:endParaRPr lang="en-CA" sz="2000" dirty="0"/>
-          </a:p>
-          <a:p>
-            <a:pPr marL="342900" indent="-342900">
-              <a:buFont typeface="Arial" panose="020B0604020202020204" pitchFamily="34" charset="0"/>
-              <a:buChar char="•"/>
-            </a:pPr>
-            <a:endParaRPr lang="en-CA" sz="2000" dirty="0"/>
           </a:p>
         </p:txBody>
       </p:sp>
       <p:pic>
         <p:nvPicPr>
-          <p:cNvPr id="6" name="Picture 5">
+          <p:cNvPr id="7" name="Picture 6">
             <a:extLst>
               <a:ext uri="{FF2B5EF4-FFF2-40B4-BE49-F238E27FC236}">
-                <a16:creationId xmlns:a16="http://schemas.microsoft.com/office/drawing/2014/main" id="{1D835BFC-4D9E-4B34-81E8-2D8A6636602B}"/>
+                <a16:creationId xmlns:a16="http://schemas.microsoft.com/office/drawing/2014/main" id="{3DD0FE20-9B84-4CB3-AF95-F236C14D2F0F}"/>
               </a:ext>
             </a:extLst>
           </p:cNvPr>
@@ -2073,15 +7866,21 @@
           <p:nvPr/>
         </p:nvPicPr>
         <p:blipFill>
-          <a:blip r:embed="rId3"/>
+          <a:blip r:embed="rId3">
+            <a:extLst>
+              <a:ext uri="{28A0092B-C50C-407E-A947-70E740481C1C}">
+                <a14:useLocalDpi xmlns:a14="http://schemas.microsoft.com/office/drawing/2010/main" val="0"/>
+              </a:ext>
+            </a:extLst>
+          </a:blip>
           <a:stretch>
             <a:fillRect/>
           </a:stretch>
         </p:blipFill>
         <p:spPr>
           <a:xfrm>
-            <a:off x="5025688" y="2227060"/>
-            <a:ext cx="3852093" cy="3291422"/>
+            <a:off x="5009098" y="2262362"/>
+            <a:ext cx="3769138" cy="2627472"/>
           </a:xfrm>
           <a:prstGeom prst="rect">
             <a:avLst/>
@@ -2091,7 +7890,7 @@
     </p:spTree>
     <p:extLst>
       <p:ext uri="{BB962C8B-B14F-4D97-AF65-F5344CB8AC3E}">
-        <p14:creationId xmlns:p14="http://schemas.microsoft.com/office/powerpoint/2010/main" val="521974913"/>
+        <p14:creationId xmlns:p14="http://schemas.microsoft.com/office/powerpoint/2010/main" val="805710845"/>
       </p:ext>
     </p:extLst>
   </p:cSld>
@@ -2133,7 +7932,7 @@
         <p:spPr>
           <a:xfrm>
             <a:off x="452487" y="1470582"/>
-            <a:ext cx="4552465" cy="461665"/>
+            <a:ext cx="5591339" cy="461665"/>
           </a:xfrm>
           <a:prstGeom prst="rect">
             <a:avLst/>
@@ -2147,14 +7946,13 @@
           <a:lstStyle/>
           <a:p>
             <a:r>
-              <a:rPr lang="en-CA" sz="2400" b="1" dirty="0"/>
-              <a:t>2. CNN architectures – </a:t>
-            </a:r>
-            <a:r>
-              <a:rPr lang="en-CA" sz="2400" b="1" dirty="0" err="1"/>
-              <a:t>DeepMedic</a:t>
-            </a:r>
-            <a:endParaRPr lang="en-CA" sz="2400" b="1" dirty="0"/>
+              <a:rPr lang="en-CA" sz="2400" b="1"/>
+              <a:t>1. </a:t>
+            </a:r>
+            <a:r>
+              <a:rPr lang="en-US" sz="2400" b="1"/>
+              <a:t>Lung segmentation and LUNA16 dataset</a:t>
+            </a:r>
           </a:p>
         </p:txBody>
       </p:sp>
@@ -2173,7 +7971,7 @@
         <p:spPr>
           <a:xfrm>
             <a:off x="718874" y="2196445"/>
-            <a:ext cx="590739" cy="400110"/>
+            <a:ext cx="4116704" cy="3170099"/>
           </a:xfrm>
           <a:prstGeom prst="rect">
             <a:avLst/>
@@ -2186,17 +7984,132 @@
           </a:bodyPr>
           <a:lstStyle/>
           <a:p>
-            <a:r>
-              <a:rPr lang="en-CA" sz="2000" dirty="0"/>
-              <a:t>text</a:t>
-            </a:r>
+            <a:pPr marL="342900" indent="-342900">
+              <a:lnSpc>
+                <a:spcPct val="150000"/>
+              </a:lnSpc>
+              <a:buFont typeface="Arial" panose="020B0604020202020204" pitchFamily="34" charset="0"/>
+              <a:buChar char="•"/>
+            </a:pPr>
+            <a:r>
+              <a:rPr lang="en-CA" sz="2000"/>
+              <a:t>Medical Image Computation (MIC)</a:t>
+            </a:r>
+          </a:p>
+          <a:p>
+            <a:pPr marL="342900" indent="-342900">
+              <a:lnSpc>
+                <a:spcPct val="150000"/>
+              </a:lnSpc>
+              <a:buFont typeface="Arial" panose="020B0604020202020204" pitchFamily="34" charset="0"/>
+              <a:buChar char="•"/>
+            </a:pPr>
+            <a:r>
+              <a:rPr lang="en-CA" sz="2000"/>
+              <a:t>Image Segmentation</a:t>
+            </a:r>
+          </a:p>
+          <a:p>
+            <a:pPr marL="342900" indent="-342900">
+              <a:lnSpc>
+                <a:spcPct val="150000"/>
+              </a:lnSpc>
+              <a:buFont typeface="Arial" panose="020B0604020202020204" pitchFamily="34" charset="0"/>
+              <a:buChar char="•"/>
+            </a:pPr>
+            <a:r>
+              <a:rPr lang="en-CA" sz="2000"/>
+              <a:t>Computed Tomography (CT) slices</a:t>
+            </a:r>
+          </a:p>
+          <a:p>
+            <a:pPr>
+              <a:lnSpc>
+                <a:spcPct val="150000"/>
+              </a:lnSpc>
+            </a:pPr>
+            <a:endParaRPr lang="en-CA" sz="2000"/>
+          </a:p>
+          <a:p>
+            <a:pPr marL="342900" indent="-342900">
+              <a:lnSpc>
+                <a:spcPct val="150000"/>
+              </a:lnSpc>
+              <a:buFont typeface="Wingdings" panose="05000000000000000000" pitchFamily="2" charset="2"/>
+              <a:buChar char="à"/>
+            </a:pPr>
+            <a:r>
+              <a:rPr lang="en-CA" sz="2000">
+                <a:sym typeface="Wingdings" panose="05000000000000000000" pitchFamily="2" charset="2"/>
+              </a:rPr>
+              <a:t>Extract a 3D structure of the lung</a:t>
+            </a:r>
+          </a:p>
+          <a:p>
+            <a:pPr marL="342900" indent="-342900">
+              <a:lnSpc>
+                <a:spcPct val="150000"/>
+              </a:lnSpc>
+              <a:buFont typeface="Wingdings" panose="05000000000000000000" pitchFamily="2" charset="2"/>
+              <a:buChar char="à"/>
+            </a:pPr>
+            <a:r>
+              <a:rPr lang="en-CA" sz="2000">
+                <a:sym typeface="Wingdings" panose="05000000000000000000" pitchFamily="2" charset="2"/>
+              </a:rPr>
+              <a:t>First step for cancer detection, …</a:t>
+            </a:r>
+            <a:endParaRPr lang="en-CA" sz="2000"/>
+          </a:p>
+          <a:p>
+            <a:pPr marL="342900" indent="-342900">
+              <a:buFont typeface="Arial" panose="020B0604020202020204" pitchFamily="34" charset="0"/>
+              <a:buChar char="•"/>
+            </a:pPr>
+            <a:endParaRPr lang="en-CA" sz="2000"/>
           </a:p>
         </p:txBody>
       </p:sp>
+      <p:pic>
+        <p:nvPicPr>
+          <p:cNvPr id="5" name="Picture 4">
+            <a:extLst>
+              <a:ext uri="{FF2B5EF4-FFF2-40B4-BE49-F238E27FC236}">
+                <a16:creationId xmlns:a16="http://schemas.microsoft.com/office/drawing/2014/main" id="{D67331FC-3099-4BD5-ACC8-6062B7541FEA}"/>
+              </a:ext>
+            </a:extLst>
+          </p:cNvPr>
+          <p:cNvPicPr>
+            <a:picLocks noChangeAspect="1"/>
+          </p:cNvPicPr>
+          <p:nvPr/>
+        </p:nvPicPr>
+        <p:blipFill>
+          <a:blip r:embed="rId3">
+            <a:extLst>
+              <a:ext uri="{28A0092B-C50C-407E-A947-70E740481C1C}">
+                <a14:useLocalDpi xmlns:a14="http://schemas.microsoft.com/office/drawing/2010/main" val="0"/>
+              </a:ext>
+            </a:extLst>
+          </a:blip>
+          <a:stretch>
+            <a:fillRect/>
+          </a:stretch>
+        </p:blipFill>
+        <p:spPr>
+          <a:xfrm>
+            <a:off x="5009098" y="2262362"/>
+            <a:ext cx="3769138" cy="2627472"/>
+          </a:xfrm>
+          <a:prstGeom prst="rect">
+            <a:avLst/>
+          </a:prstGeom>
+        </p:spPr>
+      </p:pic>
     </p:spTree>
     <p:extLst>
       <p:ext uri="{BB962C8B-B14F-4D97-AF65-F5344CB8AC3E}">
-        <p14:creationId xmlns:p14="http://schemas.microsoft.com/office/powerpoint/2010/main" val="483935304"/>
+        <p14:creationId xmlns:p14="http://schemas.microsoft.com/office/powerpoint/2010/main" val="521974913"/>
       </p:ext>
     </p:extLst>
   </p:cSld>
@@ -2238,7 +8151,7 @@
         <p:spPr>
           <a:xfrm>
             <a:off x="452487" y="1470582"/>
-            <a:ext cx="3846630" cy="461665"/>
+            <a:ext cx="5591339" cy="461665"/>
           </a:xfrm>
           <a:prstGeom prst="rect">
             <a:avLst/>
@@ -2252,8 +8165,12 @@
           <a:lstStyle/>
           <a:p>
             <a:r>
-              <a:rPr lang="en-CA" sz="2400" b="1" dirty="0"/>
-              <a:t>2. CNN architectures – U-Net</a:t>
+              <a:rPr lang="en-CA" sz="2400" b="1"/>
+              <a:t>1. </a:t>
+            </a:r>
+            <a:r>
+              <a:rPr lang="en-US" sz="2400" b="1"/>
+              <a:t>Lung segmentation and LUNA16 dataset</a:t>
             </a:r>
           </a:p>
         </p:txBody>
@@ -2273,7 +8190,7 @@
         <p:spPr>
           <a:xfrm>
             <a:off x="718874" y="2196445"/>
-            <a:ext cx="590739" cy="400110"/>
+            <a:ext cx="2558714" cy="506292"/>
           </a:xfrm>
           <a:prstGeom prst="rect">
             <a:avLst/>
@@ -2286,8 +8203,304 @@
           </a:bodyPr>
           <a:lstStyle/>
           <a:p>
-            <a:r>
-              <a:rPr lang="en-CA" sz="2000" dirty="0"/>
+            <a:pPr marL="342900" indent="-342900">
+              <a:lnSpc>
+                <a:spcPct val="150000"/>
+              </a:lnSpc>
+              <a:buFont typeface="Arial" panose="020B0604020202020204" pitchFamily="34" charset="0"/>
+              <a:buChar char="•"/>
+            </a:pPr>
+            <a:r>
+              <a:rPr lang="en-CA" sz="2000"/>
+              <a:t>Dataset description</a:t>
+            </a:r>
+          </a:p>
+        </p:txBody>
+      </p:sp>
+    </p:spTree>
+    <p:extLst>
+      <p:ext uri="{BB962C8B-B14F-4D97-AF65-F5344CB8AC3E}">
+        <p14:creationId xmlns:p14="http://schemas.microsoft.com/office/powerpoint/2010/main" val="1447036399"/>
+      </p:ext>
+    </p:extLst>
+  </p:cSld>
+  <p:clrMapOvr>
+    <a:masterClrMapping/>
+  </p:clrMapOvr>
+</p:sld>
+</file>
+
+<file path=ppt/slides/slide7.xml><?xml version="1.0" encoding="utf-8"?>
+<p:sld xmlns:a="http://schemas.openxmlformats.org/drawingml/2006/main" xmlns:r="http://schemas.openxmlformats.org/officeDocument/2006/relationships" xmlns:p="http://schemas.openxmlformats.org/presentationml/2006/main">
+  <p:cSld>
+    <p:spTree>
+      <p:nvGrpSpPr>
+        <p:cNvPr id="1" name=""/>
+        <p:cNvGrpSpPr/>
+        <p:nvPr/>
+      </p:nvGrpSpPr>
+      <p:grpSpPr>
+        <a:xfrm>
+          <a:off x="0" y="0"/>
+          <a:ext cx="0" cy="0"/>
+          <a:chOff x="0" y="0"/>
+          <a:chExt cx="0" cy="0"/>
+        </a:xfrm>
+      </p:grpSpPr>
+      <p:sp>
+        <p:nvSpPr>
+          <p:cNvPr id="2" name="ZoneTexte 1">
+            <a:extLst>
+              <a:ext uri="{FF2B5EF4-FFF2-40B4-BE49-F238E27FC236}">
+                <a16:creationId xmlns:a16="http://schemas.microsoft.com/office/drawing/2014/main" id="{25D08A68-29A7-4D08-9D76-F6AFB59E4C23}"/>
+              </a:ext>
+            </a:extLst>
+          </p:cNvPr>
+          <p:cNvSpPr txBox="1"/>
+          <p:nvPr/>
+        </p:nvSpPr>
+        <p:spPr>
+          <a:xfrm>
+            <a:off x="663280" y="2998113"/>
+            <a:ext cx="7817461" cy="584775"/>
+          </a:xfrm>
+          <a:prstGeom prst="rect">
+            <a:avLst/>
+          </a:prstGeom>
+          <a:noFill/>
+        </p:spPr>
+        <p:txBody>
+          <a:bodyPr wrap="none" rtlCol="0">
+            <a:spAutoFit/>
+          </a:bodyPr>
+          <a:lstStyle/>
+          <a:p>
+            <a:pPr algn="ctr"/>
+            <a:r>
+              <a:rPr lang="en-US" sz="3200" dirty="0">
+                <a:solidFill>
+                  <a:schemeClr val="bg1"/>
+                </a:solidFill>
+              </a:rPr>
+              <a:t>2. Convolutional neural network architectures</a:t>
+            </a:r>
+          </a:p>
+        </p:txBody>
+      </p:sp>
+    </p:spTree>
+    <p:extLst>
+      <p:ext uri="{BB962C8B-B14F-4D97-AF65-F5344CB8AC3E}">
+        <p14:creationId xmlns:p14="http://schemas.microsoft.com/office/powerpoint/2010/main" val="2057320690"/>
+      </p:ext>
+    </p:extLst>
+  </p:cSld>
+  <p:clrMapOvr>
+    <a:masterClrMapping/>
+  </p:clrMapOvr>
+</p:sld>
+</file>
+
+<file path=ppt/slides/slide8.xml><?xml version="1.0" encoding="utf-8"?>
+<p:sld xmlns:a="http://schemas.openxmlformats.org/drawingml/2006/main" xmlns:r="http://schemas.openxmlformats.org/officeDocument/2006/relationships" xmlns:p="http://schemas.openxmlformats.org/presentationml/2006/main">
+  <p:cSld>
+    <p:spTree>
+      <p:nvGrpSpPr>
+        <p:cNvPr id="1" name=""/>
+        <p:cNvGrpSpPr/>
+        <p:nvPr/>
+      </p:nvGrpSpPr>
+      <p:grpSpPr>
+        <a:xfrm>
+          <a:off x="0" y="0"/>
+          <a:ext cx="0" cy="0"/>
+          <a:chOff x="0" y="0"/>
+          <a:chExt cx="0" cy="0"/>
+        </a:xfrm>
+      </p:grpSpPr>
+      <p:sp>
+        <p:nvSpPr>
+          <p:cNvPr id="2" name="TextBox 1">
+            <a:extLst>
+              <a:ext uri="{FF2B5EF4-FFF2-40B4-BE49-F238E27FC236}">
+                <a16:creationId xmlns:a16="http://schemas.microsoft.com/office/drawing/2014/main" id="{D1B82586-1C68-4B8E-BA0B-79E3B0F6852B}"/>
+              </a:ext>
+            </a:extLst>
+          </p:cNvPr>
+          <p:cNvSpPr txBox="1"/>
+          <p:nvPr/>
+        </p:nvSpPr>
+        <p:spPr>
+          <a:xfrm>
+            <a:off x="452487" y="1470582"/>
+            <a:ext cx="4552465" cy="461665"/>
+          </a:xfrm>
+          <a:prstGeom prst="rect">
+            <a:avLst/>
+          </a:prstGeom>
+          <a:noFill/>
+        </p:spPr>
+        <p:txBody>
+          <a:bodyPr wrap="none" rtlCol="0">
+            <a:spAutoFit/>
+          </a:bodyPr>
+          <a:lstStyle/>
+          <a:p>
+            <a:r>
+              <a:rPr lang="en-CA" sz="2400" b="1"/>
+              <a:t>2. CNN architectures – </a:t>
+            </a:r>
+            <a:r>
+              <a:rPr lang="en-CA" sz="2400" b="1" err="1"/>
+              <a:t>DeepMedic</a:t>
+            </a:r>
+            <a:endParaRPr lang="en-CA" sz="2400" b="1"/>
+          </a:p>
+        </p:txBody>
+      </p:sp>
+      <p:sp>
+        <p:nvSpPr>
+          <p:cNvPr id="3" name="TextBox 2">
+            <a:extLst>
+              <a:ext uri="{FF2B5EF4-FFF2-40B4-BE49-F238E27FC236}">
+                <a16:creationId xmlns:a16="http://schemas.microsoft.com/office/drawing/2014/main" id="{1CF21870-6F18-4FEC-A50F-DF05F9344E1B}"/>
+              </a:ext>
+            </a:extLst>
+          </p:cNvPr>
+          <p:cNvSpPr txBox="1"/>
+          <p:nvPr/>
+        </p:nvSpPr>
+        <p:spPr>
+          <a:xfrm>
+            <a:off x="718874" y="2196445"/>
+            <a:ext cx="4045723" cy="707886"/>
+          </a:xfrm>
+          <a:prstGeom prst="rect">
+            <a:avLst/>
+          </a:prstGeom>
+          <a:noFill/>
+        </p:spPr>
+        <p:txBody>
+          <a:bodyPr wrap="none" rtlCol="0">
+            <a:spAutoFit/>
+          </a:bodyPr>
+          <a:lstStyle/>
+          <a:p>
+            <a:pPr marL="342900" indent="-342900">
+              <a:buFont typeface="Arial" panose="020B0604020202020204" pitchFamily="34" charset="0"/>
+              <a:buChar char="•"/>
+            </a:pPr>
+            <a:r>
+              <a:rPr lang="en-CA" sz="2000"/>
+              <a:t>3D convolutional neural network</a:t>
+            </a:r>
+          </a:p>
+          <a:p>
+            <a:pPr marL="342900" indent="-342900">
+              <a:buFont typeface="Arial" panose="020B0604020202020204" pitchFamily="34" charset="0"/>
+              <a:buChar char="•"/>
+            </a:pPr>
+            <a:r>
+              <a:rPr lang="en-CA" sz="2000"/>
+              <a:t>Initially designed for brain tumors</a:t>
+            </a:r>
+          </a:p>
+        </p:txBody>
+      </p:sp>
+    </p:spTree>
+    <p:extLst>
+      <p:ext uri="{BB962C8B-B14F-4D97-AF65-F5344CB8AC3E}">
+        <p14:creationId xmlns:p14="http://schemas.microsoft.com/office/powerpoint/2010/main" val="483935304"/>
+      </p:ext>
+    </p:extLst>
+  </p:cSld>
+  <p:clrMapOvr>
+    <a:masterClrMapping/>
+  </p:clrMapOvr>
+</p:sld>
+</file>
+
+<file path=ppt/slides/slide9.xml><?xml version="1.0" encoding="utf-8"?>
+<p:sld xmlns:a="http://schemas.openxmlformats.org/drawingml/2006/main" xmlns:r="http://schemas.openxmlformats.org/officeDocument/2006/relationships" xmlns:p="http://schemas.openxmlformats.org/presentationml/2006/main">
+  <p:cSld>
+    <p:spTree>
+      <p:nvGrpSpPr>
+        <p:cNvPr id="1" name=""/>
+        <p:cNvGrpSpPr/>
+        <p:nvPr/>
+      </p:nvGrpSpPr>
+      <p:grpSpPr>
+        <a:xfrm>
+          <a:off x="0" y="0"/>
+          <a:ext cx="0" cy="0"/>
+          <a:chOff x="0" y="0"/>
+          <a:chExt cx="0" cy="0"/>
+        </a:xfrm>
+      </p:grpSpPr>
+      <p:sp>
+        <p:nvSpPr>
+          <p:cNvPr id="2" name="TextBox 1">
+            <a:extLst>
+              <a:ext uri="{FF2B5EF4-FFF2-40B4-BE49-F238E27FC236}">
+                <a16:creationId xmlns:a16="http://schemas.microsoft.com/office/drawing/2014/main" id="{D1B82586-1C68-4B8E-BA0B-79E3B0F6852B}"/>
+              </a:ext>
+            </a:extLst>
+          </p:cNvPr>
+          <p:cNvSpPr txBox="1"/>
+          <p:nvPr/>
+        </p:nvSpPr>
+        <p:spPr>
+          <a:xfrm>
+            <a:off x="452487" y="1470582"/>
+            <a:ext cx="3846630" cy="461665"/>
+          </a:xfrm>
+          <a:prstGeom prst="rect">
+            <a:avLst/>
+          </a:prstGeom>
+          <a:noFill/>
+        </p:spPr>
+        <p:txBody>
+          <a:bodyPr wrap="none" rtlCol="0">
+            <a:spAutoFit/>
+          </a:bodyPr>
+          <a:lstStyle/>
+          <a:p>
+            <a:r>
+              <a:rPr lang="en-CA" sz="2400" b="1"/>
+              <a:t>2. CNN architectures – U-Net</a:t>
+            </a:r>
+          </a:p>
+        </p:txBody>
+      </p:sp>
+      <p:sp>
+        <p:nvSpPr>
+          <p:cNvPr id="3" name="TextBox 2">
+            <a:extLst>
+              <a:ext uri="{FF2B5EF4-FFF2-40B4-BE49-F238E27FC236}">
+                <a16:creationId xmlns:a16="http://schemas.microsoft.com/office/drawing/2014/main" id="{1CF21870-6F18-4FEC-A50F-DF05F9344E1B}"/>
+              </a:ext>
+            </a:extLst>
+          </p:cNvPr>
+          <p:cNvSpPr txBox="1"/>
+          <p:nvPr/>
+        </p:nvSpPr>
+        <p:spPr>
+          <a:xfrm>
+            <a:off x="718874" y="2196445"/>
+            <a:ext cx="590739" cy="400110"/>
+          </a:xfrm>
+          <a:prstGeom prst="rect">
+            <a:avLst/>
+          </a:prstGeom>
+          <a:noFill/>
+        </p:spPr>
+        <p:txBody>
+          <a:bodyPr wrap="none" rtlCol="0">
+            <a:spAutoFit/>
+          </a:bodyPr>
+          <a:lstStyle/>
+          <a:p>
+            <a:r>
+              <a:rPr lang="en-CA" sz="2000"/>
               <a:t>text</a:t>
             </a:r>
           </a:p>
